--- a/WeeklyPresentations/update10_05_26.pptx
+++ b/WeeklyPresentations/update10_05_26.pptx
@@ -9,10 +9,22 @@
     <p:sldId id="263" r:id="rId3"/>
     <p:sldId id="264" r:id="rId4"/>
     <p:sldId id="265" r:id="rId5"/>
-    <p:sldId id="266" r:id="rId6"/>
-    <p:sldId id="267" r:id="rId7"/>
-    <p:sldId id="262" r:id="rId8"/>
-    <p:sldId id="258" r:id="rId9"/>
+    <p:sldId id="269" r:id="rId6"/>
+    <p:sldId id="270" r:id="rId7"/>
+    <p:sldId id="273" r:id="rId8"/>
+    <p:sldId id="274" r:id="rId9"/>
+    <p:sldId id="267" r:id="rId10"/>
+    <p:sldId id="276" r:id="rId11"/>
+    <p:sldId id="266" r:id="rId12"/>
+    <p:sldId id="277" r:id="rId13"/>
+    <p:sldId id="278" r:id="rId14"/>
+    <p:sldId id="279" r:id="rId15"/>
+    <p:sldId id="281" r:id="rId16"/>
+    <p:sldId id="275" r:id="rId17"/>
+    <p:sldId id="284" r:id="rId18"/>
+    <p:sldId id="268" r:id="rId19"/>
+    <p:sldId id="262" r:id="rId20"/>
+    <p:sldId id="258" r:id="rId21"/>
   </p:sldIdLst>
   <p:sldSz cx="12192000" cy="6858000"/>
   <p:notesSz cx="6858000" cy="9144000"/>
@@ -267,7 +279,7 @@
             <a:fld id="{B61BEF0D-F0BB-DE4B-95CE-6DB70DBA9567}" type="datetimeFigureOut">
               <a:rPr lang="en-US" smtClean="0"/>
               <a:pPr/>
-              <a:t>5/26/2019</a:t>
+              <a:t>5/27/2019</a:t>
             </a:fld>
             <a:endParaRPr lang="en-US" dirty="0"/>
           </a:p>
@@ -467,7 +479,7 @@
             <a:fld id="{B61BEF0D-F0BB-DE4B-95CE-6DB70DBA9567}" type="datetimeFigureOut">
               <a:rPr lang="en-US" smtClean="0"/>
               <a:pPr/>
-              <a:t>5/26/2019</a:t>
+              <a:t>5/27/2019</a:t>
             </a:fld>
             <a:endParaRPr lang="en-US" dirty="0"/>
           </a:p>
@@ -677,7 +689,7 @@
             <a:fld id="{B61BEF0D-F0BB-DE4B-95CE-6DB70DBA9567}" type="datetimeFigureOut">
               <a:rPr lang="en-US" smtClean="0"/>
               <a:pPr/>
-              <a:t>5/26/2019</a:t>
+              <a:t>5/27/2019</a:t>
             </a:fld>
             <a:endParaRPr lang="en-US" dirty="0"/>
           </a:p>
@@ -877,7 +889,7 @@
             <a:fld id="{B61BEF0D-F0BB-DE4B-95CE-6DB70DBA9567}" type="datetimeFigureOut">
               <a:rPr lang="en-US" smtClean="0"/>
               <a:pPr/>
-              <a:t>5/26/2019</a:t>
+              <a:t>5/27/2019</a:t>
             </a:fld>
             <a:endParaRPr lang="en-US" dirty="0"/>
           </a:p>
@@ -1154,7 +1166,7 @@
             <a:fld id="{B61BEF0D-F0BB-DE4B-95CE-6DB70DBA9567}" type="datetimeFigureOut">
               <a:rPr lang="en-US" smtClean="0"/>
               <a:pPr/>
-              <a:t>5/26/2019</a:t>
+              <a:t>5/27/2019</a:t>
             </a:fld>
             <a:endParaRPr lang="en-US" dirty="0"/>
           </a:p>
@@ -1421,7 +1433,7 @@
             <a:fld id="{B61BEF0D-F0BB-DE4B-95CE-6DB70DBA9567}" type="datetimeFigureOut">
               <a:rPr lang="en-US" smtClean="0"/>
               <a:pPr/>
-              <a:t>5/26/2019</a:t>
+              <a:t>5/27/2019</a:t>
             </a:fld>
             <a:endParaRPr lang="en-US" dirty="0"/>
           </a:p>
@@ -1835,7 +1847,7 @@
             <a:fld id="{B61BEF0D-F0BB-DE4B-95CE-6DB70DBA9567}" type="datetimeFigureOut">
               <a:rPr lang="en-US" smtClean="0"/>
               <a:pPr/>
-              <a:t>5/26/2019</a:t>
+              <a:t>5/27/2019</a:t>
             </a:fld>
             <a:endParaRPr lang="en-US" dirty="0"/>
           </a:p>
@@ -1978,7 +1990,7 @@
             <a:fld id="{B61BEF0D-F0BB-DE4B-95CE-6DB70DBA9567}" type="datetimeFigureOut">
               <a:rPr lang="en-US" smtClean="0"/>
               <a:pPr/>
-              <a:t>5/26/2019</a:t>
+              <a:t>5/27/2019</a:t>
             </a:fld>
             <a:endParaRPr lang="en-US" dirty="0"/>
           </a:p>
@@ -2093,7 +2105,7 @@
             <a:fld id="{B61BEF0D-F0BB-DE4B-95CE-6DB70DBA9567}" type="datetimeFigureOut">
               <a:rPr lang="en-US" smtClean="0"/>
               <a:pPr/>
-              <a:t>5/26/2019</a:t>
+              <a:t>5/27/2019</a:t>
             </a:fld>
             <a:endParaRPr lang="en-US" dirty="0"/>
           </a:p>
@@ -2406,7 +2418,7 @@
             <a:fld id="{B61BEF0D-F0BB-DE4B-95CE-6DB70DBA9567}" type="datetimeFigureOut">
               <a:rPr lang="en-US" smtClean="0"/>
               <a:pPr/>
-              <a:t>5/26/2019</a:t>
+              <a:t>5/27/2019</a:t>
             </a:fld>
             <a:endParaRPr lang="en-US" dirty="0"/>
           </a:p>
@@ -2696,7 +2708,7 @@
             <a:fld id="{B61BEF0D-F0BB-DE4B-95CE-6DB70DBA9567}" type="datetimeFigureOut">
               <a:rPr lang="en-US" smtClean="0"/>
               <a:pPr/>
-              <a:t>5/26/2019</a:t>
+              <a:t>5/27/2019</a:t>
             </a:fld>
             <a:endParaRPr lang="en-US" dirty="0"/>
           </a:p>
@@ -2939,7 +2951,7 @@
             <a:fld id="{B61BEF0D-F0BB-DE4B-95CE-6DB70DBA9567}" type="datetimeFigureOut">
               <a:rPr lang="en-US" smtClean="0"/>
               <a:pPr/>
-              <a:t>5/26/2019</a:t>
+              <a:t>5/27/2019</a:t>
             </a:fld>
             <a:endParaRPr lang="en-US" dirty="0"/>
           </a:p>
@@ -3409,7 +3421,7 @@
           <a:p>
             <a:r>
               <a:rPr lang="en-US" altLang="zh-CN" dirty="0"/>
-              <a:t>May 22, 2019</a:t>
+              <a:t>May 27, 2019</a:t>
             </a:r>
           </a:p>
           <a:p>
@@ -3425,6 +3437,3582 @@
     <p:extLst>
       <p:ext uri="{BB962C8B-B14F-4D97-AF65-F5344CB8AC3E}">
         <p14:creationId xmlns:p14="http://schemas.microsoft.com/office/powerpoint/2010/main" val="2479874035"/>
+      </p:ext>
+    </p:extLst>
+  </p:cSld>
+  <p:clrMapOvr>
+    <a:masterClrMapping/>
+  </p:clrMapOvr>
+</p:sld>
+</file>
+
+<file path=ppt/slides/slide10.xml><?xml version="1.0" encoding="utf-8"?>
+<p:sld xmlns:a="http://schemas.openxmlformats.org/drawingml/2006/main" xmlns:r="http://schemas.openxmlformats.org/officeDocument/2006/relationships" xmlns:p="http://schemas.openxmlformats.org/presentationml/2006/main">
+  <p:cSld>
+    <p:spTree>
+      <p:nvGrpSpPr>
+        <p:cNvPr id="1" name=""/>
+        <p:cNvGrpSpPr/>
+        <p:nvPr/>
+      </p:nvGrpSpPr>
+      <p:grpSpPr>
+        <a:xfrm>
+          <a:off x="0" y="0"/>
+          <a:ext cx="0" cy="0"/>
+          <a:chOff x="0" y="0"/>
+          <a:chExt cx="0" cy="0"/>
+        </a:xfrm>
+      </p:grpSpPr>
+      <p:sp>
+        <p:nvSpPr>
+          <p:cNvPr id="2" name="Title 1">
+            <a:extLst>
+              <a:ext uri="{FF2B5EF4-FFF2-40B4-BE49-F238E27FC236}">
+                <a16:creationId xmlns:a16="http://schemas.microsoft.com/office/drawing/2014/main" id="{EC0AC707-4D2E-4D2A-942A-6B91AFB7874E}"/>
+              </a:ext>
+            </a:extLst>
+          </p:cNvPr>
+          <p:cNvSpPr>
+            <a:spLocks noGrp="1"/>
+          </p:cNvSpPr>
+          <p:nvPr>
+            <p:ph type="title"/>
+          </p:nvPr>
+        </p:nvSpPr>
+        <p:spPr/>
+        <p:txBody>
+          <a:bodyPr/>
+          <a:lstStyle/>
+          <a:p>
+            <a:r>
+              <a:rPr lang="en-US" altLang="zh-CN" dirty="0"/>
+              <a:t>Architecture and Cycles</a:t>
+            </a:r>
+            <a:endParaRPr lang="zh-CN" altLang="en-US" dirty="0"/>
+          </a:p>
+        </p:txBody>
+      </p:sp>
+      <mc:AlternateContent xmlns:mc="http://schemas.openxmlformats.org/markup-compatibility/2006">
+        <mc:Choice xmlns:a14="http://schemas.microsoft.com/office/drawing/2010/main" Requires="a14">
+          <p:sp>
+            <p:nvSpPr>
+              <p:cNvPr id="3" name="Content Placeholder 2">
+                <a:extLst>
+                  <a:ext uri="{FF2B5EF4-FFF2-40B4-BE49-F238E27FC236}">
+                    <a16:creationId xmlns:a16="http://schemas.microsoft.com/office/drawing/2014/main" id="{B95F2BF4-D813-4754-98D9-1B9CB5360942}"/>
+                  </a:ext>
+                </a:extLst>
+              </p:cNvPr>
+              <p:cNvSpPr>
+                <a:spLocks noGrp="1"/>
+              </p:cNvSpPr>
+              <p:nvPr>
+                <p:ph idx="1"/>
+              </p:nvPr>
+            </p:nvSpPr>
+            <p:spPr>
+              <a:xfrm>
+                <a:off x="838200" y="1367246"/>
+                <a:ext cx="11049000" cy="5225143"/>
+              </a:xfrm>
+            </p:spPr>
+            <p:txBody>
+              <a:bodyPr>
+                <a:normAutofit/>
+              </a:bodyPr>
+              <a:lstStyle/>
+              <a:p>
+                <a:r>
+                  <a:rPr lang="en-US" altLang="zh-CN" dirty="0"/>
+                  <a:t>FC0 has been allocated 196 computational kernels</a:t>
+                </a:r>
+              </a:p>
+              <a:p>
+                <a:r>
+                  <a:rPr lang="en-US" altLang="zh-CN" dirty="0"/>
+                  <a:t>FC1 has been allocated 16 computational kernels</a:t>
+                </a:r>
+              </a:p>
+              <a:p>
+                <a:r>
+                  <a:rPr lang="en-US" altLang="zh-CN" dirty="0"/>
+                  <a:t>FC2 has been allocated 2 computational kernels</a:t>
+                </a:r>
+              </a:p>
+              <a:p>
+                <a:endParaRPr lang="en-US" altLang="zh-CN" dirty="0"/>
+              </a:p>
+              <a:p>
+                <a:r>
+                  <a:rPr lang="en-US" altLang="zh-CN" dirty="0"/>
+                  <a:t>Forward Pass, WEIGHT_MODE, NEURON_MODE (0  for FC0):</a:t>
+                </a:r>
+              </a:p>
+              <a:p>
+                <a:pPr lvl="1"/>
+                <a:r>
+                  <a:rPr lang="en-US" altLang="zh-CN" b="1" dirty="0"/>
+                  <a:t>FC0</a:t>
+                </a:r>
+                <a:r>
+                  <a:rPr lang="en-US" altLang="zh-CN" dirty="0"/>
+                  <a:t>: 28*28*98 = </a:t>
+                </a:r>
+                <a14:m>
+                  <m:oMath xmlns:m="http://schemas.openxmlformats.org/officeDocument/2006/math">
+                    <m:f>
+                      <m:fPr>
+                        <m:ctrlPr>
+                          <a:rPr lang="en-US" altLang="zh-CN" i="1" dirty="0">
+                            <a:latin typeface="Cambria Math" panose="02040503050406030204" pitchFamily="18" charset="0"/>
+                          </a:rPr>
+                        </m:ctrlPr>
+                      </m:fPr>
+                      <m:num>
+                        <m:r>
+                          <a:rPr lang="en-US" altLang="zh-CN" i="1" dirty="0">
+                            <a:latin typeface="Cambria Math" panose="02040503050406030204" pitchFamily="18" charset="0"/>
+                          </a:rPr>
+                          <m:t>75264 </m:t>
+                        </m:r>
+                        <m:r>
+                          <m:rPr>
+                            <m:sty m:val="p"/>
+                          </m:rPr>
+                          <a:rPr lang="en-US" altLang="zh-CN" dirty="0">
+                            <a:latin typeface="Cambria Math" panose="02040503050406030204" pitchFamily="18" charset="0"/>
+                          </a:rPr>
+                          <m:t>MACs</m:t>
+                        </m:r>
+                      </m:num>
+                      <m:den>
+                        <m:r>
+                          <a:rPr lang="en-US" altLang="zh-CN" i="1" dirty="0">
+                            <a:latin typeface="Cambria Math" panose="02040503050406030204" pitchFamily="18" charset="0"/>
+                          </a:rPr>
+                          <m:t>196 </m:t>
+                        </m:r>
+                        <m:r>
+                          <m:rPr>
+                            <m:sty m:val="p"/>
+                          </m:rPr>
+                          <a:rPr lang="en-US" altLang="zh-CN" dirty="0">
+                            <a:latin typeface="Cambria Math" panose="02040503050406030204" pitchFamily="18" charset="0"/>
+                          </a:rPr>
+                          <m:t>Kernels</m:t>
+                        </m:r>
+                      </m:den>
+                    </m:f>
+                    <m:r>
+                      <a:rPr lang="en-US" altLang="zh-CN" i="1" dirty="0">
+                        <a:latin typeface="Cambria Math" panose="02040503050406030204" pitchFamily="18" charset="0"/>
+                      </a:rPr>
+                      <m:t>=384 </m:t>
+                    </m:r>
+                    <m:r>
+                      <m:rPr>
+                        <m:sty m:val="p"/>
+                      </m:rPr>
+                      <a:rPr lang="en-US" altLang="zh-CN" dirty="0">
+                        <a:latin typeface="Cambria Math" panose="02040503050406030204" pitchFamily="18" charset="0"/>
+                      </a:rPr>
+                      <m:t>cycles</m:t>
+                    </m:r>
+                  </m:oMath>
+                </a14:m>
+                <a:endParaRPr lang="en-US" altLang="zh-CN" dirty="0"/>
+              </a:p>
+              <a:p>
+                <a:pPr lvl="1"/>
+                <a:endParaRPr lang="en-US" altLang="zh-CN" dirty="0"/>
+              </a:p>
+              <a:p>
+                <a:pPr lvl="1"/>
+                <a:r>
+                  <a:rPr lang="en-US" altLang="zh-CN" b="1" dirty="0"/>
+                  <a:t>FC1</a:t>
+                </a:r>
+                <a:r>
+                  <a:rPr lang="en-US" altLang="zh-CN" dirty="0"/>
+                  <a:t>: 98*64 = </a:t>
+                </a:r>
+                <a14:m>
+                  <m:oMath xmlns:m="http://schemas.openxmlformats.org/officeDocument/2006/math">
+                    <m:f>
+                      <m:fPr>
+                        <m:ctrlPr>
+                          <a:rPr lang="en-US" altLang="zh-CN" i="1" dirty="0">
+                            <a:latin typeface="Cambria Math" panose="02040503050406030204" pitchFamily="18" charset="0"/>
+                          </a:rPr>
+                        </m:ctrlPr>
+                      </m:fPr>
+                      <m:num>
+                        <m:r>
+                          <a:rPr lang="en-US" altLang="zh-CN" b="0" i="1" dirty="0" smtClean="0">
+                            <a:latin typeface="Cambria Math" panose="02040503050406030204" pitchFamily="18" charset="0"/>
+                          </a:rPr>
+                          <m:t>6272</m:t>
+                        </m:r>
+                        <m:r>
+                          <a:rPr lang="en-US" altLang="zh-CN" i="1" dirty="0">
+                            <a:latin typeface="Cambria Math" panose="02040503050406030204" pitchFamily="18" charset="0"/>
+                          </a:rPr>
+                          <m:t> </m:t>
+                        </m:r>
+                        <m:r>
+                          <m:rPr>
+                            <m:sty m:val="p"/>
+                          </m:rPr>
+                          <a:rPr lang="en-US" altLang="zh-CN" dirty="0">
+                            <a:latin typeface="Cambria Math" panose="02040503050406030204" pitchFamily="18" charset="0"/>
+                          </a:rPr>
+                          <m:t>MACs</m:t>
+                        </m:r>
+                      </m:num>
+                      <m:den>
+                        <m:r>
+                          <a:rPr lang="en-US" altLang="zh-CN" i="1" dirty="0">
+                            <a:latin typeface="Cambria Math" panose="02040503050406030204" pitchFamily="18" charset="0"/>
+                          </a:rPr>
+                          <m:t>1</m:t>
+                        </m:r>
+                        <m:r>
+                          <a:rPr lang="en-US" altLang="zh-CN" b="0" i="1" dirty="0" smtClean="0">
+                            <a:latin typeface="Cambria Math" panose="02040503050406030204" pitchFamily="18" charset="0"/>
+                          </a:rPr>
+                          <m:t>6</m:t>
+                        </m:r>
+                        <m:r>
+                          <a:rPr lang="en-US" altLang="zh-CN" i="1" dirty="0">
+                            <a:latin typeface="Cambria Math" panose="02040503050406030204" pitchFamily="18" charset="0"/>
+                          </a:rPr>
+                          <m:t> </m:t>
+                        </m:r>
+                        <m:r>
+                          <m:rPr>
+                            <m:sty m:val="p"/>
+                          </m:rPr>
+                          <a:rPr lang="en-US" altLang="zh-CN" dirty="0">
+                            <a:latin typeface="Cambria Math" panose="02040503050406030204" pitchFamily="18" charset="0"/>
+                          </a:rPr>
+                          <m:t>Kernels</m:t>
+                        </m:r>
+                      </m:den>
+                    </m:f>
+                    <m:r>
+                      <a:rPr lang="en-US" altLang="zh-CN" i="1" dirty="0">
+                        <a:latin typeface="Cambria Math" panose="02040503050406030204" pitchFamily="18" charset="0"/>
+                      </a:rPr>
+                      <m:t>=3</m:t>
+                    </m:r>
+                    <m:r>
+                      <a:rPr lang="en-US" altLang="zh-CN" b="0" i="1" dirty="0" smtClean="0">
+                        <a:latin typeface="Cambria Math" panose="02040503050406030204" pitchFamily="18" charset="0"/>
+                      </a:rPr>
+                      <m:t>92</m:t>
+                    </m:r>
+                    <m:r>
+                      <a:rPr lang="en-US" altLang="zh-CN" i="1" dirty="0">
+                        <a:latin typeface="Cambria Math" panose="02040503050406030204" pitchFamily="18" charset="0"/>
+                      </a:rPr>
+                      <m:t> </m:t>
+                    </m:r>
+                    <m:r>
+                      <m:rPr>
+                        <m:sty m:val="p"/>
+                      </m:rPr>
+                      <a:rPr lang="en-US" altLang="zh-CN" dirty="0">
+                        <a:latin typeface="Cambria Math" panose="02040503050406030204" pitchFamily="18" charset="0"/>
+                      </a:rPr>
+                      <m:t>cycles</m:t>
+                    </m:r>
+                  </m:oMath>
+                </a14:m>
+                <a:endParaRPr lang="en-US" altLang="zh-CN" dirty="0"/>
+              </a:p>
+              <a:p>
+                <a:pPr lvl="1"/>
+                <a:endParaRPr lang="en-US" altLang="zh-CN" dirty="0"/>
+              </a:p>
+              <a:p>
+                <a:pPr lvl="1"/>
+                <a:r>
+                  <a:rPr lang="en-US" altLang="zh-CN" b="1" dirty="0"/>
+                  <a:t>FC2</a:t>
+                </a:r>
+                <a:r>
+                  <a:rPr lang="en-US" altLang="zh-CN" dirty="0"/>
+                  <a:t>: 64*10 = </a:t>
+                </a:r>
+                <a14:m>
+                  <m:oMath xmlns:m="http://schemas.openxmlformats.org/officeDocument/2006/math">
+                    <m:f>
+                      <m:fPr>
+                        <m:ctrlPr>
+                          <a:rPr lang="en-US" altLang="zh-CN" i="1" dirty="0">
+                            <a:latin typeface="Cambria Math" panose="02040503050406030204" pitchFamily="18" charset="0"/>
+                          </a:rPr>
+                        </m:ctrlPr>
+                      </m:fPr>
+                      <m:num>
+                        <m:r>
+                          <a:rPr lang="en-US" altLang="zh-CN" b="0" i="1" dirty="0" smtClean="0">
+                            <a:latin typeface="Cambria Math" panose="02040503050406030204" pitchFamily="18" charset="0"/>
+                          </a:rPr>
+                          <m:t>640</m:t>
+                        </m:r>
+                        <m:r>
+                          <a:rPr lang="en-US" altLang="zh-CN" i="1" dirty="0">
+                            <a:latin typeface="Cambria Math" panose="02040503050406030204" pitchFamily="18" charset="0"/>
+                          </a:rPr>
+                          <m:t> </m:t>
+                        </m:r>
+                        <m:r>
+                          <m:rPr>
+                            <m:sty m:val="p"/>
+                          </m:rPr>
+                          <a:rPr lang="en-US" altLang="zh-CN" dirty="0">
+                            <a:latin typeface="Cambria Math" panose="02040503050406030204" pitchFamily="18" charset="0"/>
+                          </a:rPr>
+                          <m:t>MACs</m:t>
+                        </m:r>
+                      </m:num>
+                      <m:den>
+                        <m:r>
+                          <a:rPr lang="en-US" altLang="zh-CN" b="0" i="1" dirty="0" smtClean="0">
+                            <a:latin typeface="Cambria Math" panose="02040503050406030204" pitchFamily="18" charset="0"/>
+                          </a:rPr>
+                          <m:t>2</m:t>
+                        </m:r>
+                        <m:r>
+                          <a:rPr lang="en-US" altLang="zh-CN" i="1" dirty="0">
+                            <a:latin typeface="Cambria Math" panose="02040503050406030204" pitchFamily="18" charset="0"/>
+                          </a:rPr>
+                          <m:t> </m:t>
+                        </m:r>
+                        <m:r>
+                          <m:rPr>
+                            <m:sty m:val="p"/>
+                          </m:rPr>
+                          <a:rPr lang="en-US" altLang="zh-CN" dirty="0">
+                            <a:latin typeface="Cambria Math" panose="02040503050406030204" pitchFamily="18" charset="0"/>
+                          </a:rPr>
+                          <m:t>Kernels</m:t>
+                        </m:r>
+                      </m:den>
+                    </m:f>
+                    <m:r>
+                      <a:rPr lang="en-US" altLang="zh-CN" i="1" dirty="0">
+                        <a:latin typeface="Cambria Math" panose="02040503050406030204" pitchFamily="18" charset="0"/>
+                      </a:rPr>
+                      <m:t>=</m:t>
+                    </m:r>
+                    <m:r>
+                      <a:rPr lang="en-US" altLang="zh-CN" b="0" i="1" dirty="0" smtClean="0">
+                        <a:latin typeface="Cambria Math" panose="02040503050406030204" pitchFamily="18" charset="0"/>
+                      </a:rPr>
+                      <m:t>320</m:t>
+                    </m:r>
+                    <m:r>
+                      <a:rPr lang="en-US" altLang="zh-CN" i="1" dirty="0">
+                        <a:latin typeface="Cambria Math" panose="02040503050406030204" pitchFamily="18" charset="0"/>
+                      </a:rPr>
+                      <m:t> </m:t>
+                    </m:r>
+                    <m:r>
+                      <m:rPr>
+                        <m:sty m:val="p"/>
+                      </m:rPr>
+                      <a:rPr lang="en-US" altLang="zh-CN" dirty="0">
+                        <a:latin typeface="Cambria Math" panose="02040503050406030204" pitchFamily="18" charset="0"/>
+                      </a:rPr>
+                      <m:t>cycles</m:t>
+                    </m:r>
+                  </m:oMath>
+                </a14:m>
+                <a:endParaRPr lang="en-US" altLang="zh-CN" dirty="0"/>
+              </a:p>
+              <a:p>
+                <a:endParaRPr lang="zh-CN" altLang="en-US" dirty="0"/>
+              </a:p>
+            </p:txBody>
+          </p:sp>
+        </mc:Choice>
+        <mc:Fallback>
+          <p:sp>
+            <p:nvSpPr>
+              <p:cNvPr id="3" name="Content Placeholder 2">
+                <a:extLst>
+                  <a:ext uri="{FF2B5EF4-FFF2-40B4-BE49-F238E27FC236}">
+                    <a16:creationId xmlns:a16="http://schemas.microsoft.com/office/drawing/2014/main" id="{B95F2BF4-D813-4754-98D9-1B9CB5360942}"/>
+                  </a:ext>
+                </a:extLst>
+              </p:cNvPr>
+              <p:cNvSpPr>
+                <a:spLocks noGrp="1" noRot="1" noChangeAspect="1" noMove="1" noResize="1" noEditPoints="1" noAdjustHandles="1" noChangeArrowheads="1" noChangeShapeType="1" noTextEdit="1"/>
+              </p:cNvSpPr>
+              <p:nvPr>
+                <p:ph idx="1"/>
+              </p:nvPr>
+            </p:nvSpPr>
+            <p:spPr>
+              <a:xfrm>
+                <a:off x="838200" y="1367246"/>
+                <a:ext cx="11049000" cy="5225143"/>
+              </a:xfrm>
+              <a:blipFill>
+                <a:blip r:embed="rId2"/>
+                <a:stretch>
+                  <a:fillRect l="-993" t="-1867"/>
+                </a:stretch>
+              </a:blipFill>
+            </p:spPr>
+            <p:txBody>
+              <a:bodyPr/>
+              <a:lstStyle/>
+              <a:p>
+                <a:r>
+                  <a:rPr lang="zh-CN" altLang="en-US">
+                    <a:noFill/>
+                  </a:rPr>
+                  <a:t> </a:t>
+                </a:r>
+              </a:p>
+            </p:txBody>
+          </p:sp>
+        </mc:Fallback>
+      </mc:AlternateContent>
+    </p:spTree>
+    <p:extLst>
+      <p:ext uri="{BB962C8B-B14F-4D97-AF65-F5344CB8AC3E}">
+        <p14:creationId xmlns:p14="http://schemas.microsoft.com/office/powerpoint/2010/main" val="1353058832"/>
+      </p:ext>
+    </p:extLst>
+  </p:cSld>
+  <p:clrMapOvr>
+    <a:masterClrMapping/>
+  </p:clrMapOvr>
+</p:sld>
+</file>
+
+<file path=ppt/slides/slide11.xml><?xml version="1.0" encoding="utf-8"?>
+<p:sld xmlns:a="http://schemas.openxmlformats.org/drawingml/2006/main" xmlns:r="http://schemas.openxmlformats.org/officeDocument/2006/relationships" xmlns:p="http://schemas.openxmlformats.org/presentationml/2006/main">
+  <p:cSld>
+    <p:spTree>
+      <p:nvGrpSpPr>
+        <p:cNvPr id="1" name=""/>
+        <p:cNvGrpSpPr/>
+        <p:nvPr/>
+      </p:nvGrpSpPr>
+      <p:grpSpPr>
+        <a:xfrm>
+          <a:off x="0" y="0"/>
+          <a:ext cx="0" cy="0"/>
+          <a:chOff x="0" y="0"/>
+          <a:chExt cx="0" cy="0"/>
+        </a:xfrm>
+      </p:grpSpPr>
+      <p:sp>
+        <p:nvSpPr>
+          <p:cNvPr id="2" name="Title 1">
+            <a:extLst>
+              <a:ext uri="{FF2B5EF4-FFF2-40B4-BE49-F238E27FC236}">
+                <a16:creationId xmlns:a16="http://schemas.microsoft.com/office/drawing/2014/main" id="{A658BE1F-2E15-4197-A5E5-A33AF179B6EF}"/>
+              </a:ext>
+            </a:extLst>
+          </p:cNvPr>
+          <p:cNvSpPr>
+            <a:spLocks noGrp="1"/>
+          </p:cNvSpPr>
+          <p:nvPr>
+            <p:ph type="title"/>
+          </p:nvPr>
+        </p:nvSpPr>
+        <p:spPr/>
+        <p:txBody>
+          <a:bodyPr/>
+          <a:lstStyle/>
+          <a:p>
+            <a:r>
+              <a:rPr lang="en-US" altLang="zh-CN" dirty="0"/>
+              <a:t>Verification</a:t>
+            </a:r>
+            <a:endParaRPr lang="zh-CN" altLang="en-US" dirty="0"/>
+          </a:p>
+        </p:txBody>
+      </p:sp>
+      <p:sp>
+        <p:nvSpPr>
+          <p:cNvPr id="3" name="Content Placeholder 2">
+            <a:extLst>
+              <a:ext uri="{FF2B5EF4-FFF2-40B4-BE49-F238E27FC236}">
+                <a16:creationId xmlns:a16="http://schemas.microsoft.com/office/drawing/2014/main" id="{481AED87-828A-431C-B5D2-E55B3F2F4604}"/>
+              </a:ext>
+            </a:extLst>
+          </p:cNvPr>
+          <p:cNvSpPr>
+            <a:spLocks noGrp="1"/>
+          </p:cNvSpPr>
+          <p:nvPr>
+            <p:ph idx="1"/>
+          </p:nvPr>
+        </p:nvSpPr>
+        <p:spPr/>
+        <p:txBody>
+          <a:bodyPr/>
+          <a:lstStyle/>
+          <a:p>
+            <a:r>
+              <a:rPr lang="en-US" altLang="zh-CN" dirty="0"/>
+              <a:t>Python script loads weights from the .</a:t>
+            </a:r>
+            <a:r>
+              <a:rPr lang="en-US" altLang="zh-CN" dirty="0" err="1"/>
+              <a:t>coe</a:t>
+            </a:r>
+            <a:r>
+              <a:rPr lang="en-US" altLang="zh-CN" dirty="0"/>
+              <a:t> files and computes then forward pass and then the backward pass of the fc2 layer</a:t>
+            </a:r>
+          </a:p>
+          <a:p>
+            <a:r>
+              <a:rPr lang="en-US" altLang="zh-CN" dirty="0"/>
+              <a:t>Verify simulation results against the python script computations</a:t>
+            </a:r>
+          </a:p>
+          <a:p>
+            <a:r>
+              <a:rPr lang="en-US" altLang="zh-CN" dirty="0"/>
+              <a:t>Also verified that output was correct using LEDs on FPGA</a:t>
+            </a:r>
+          </a:p>
+          <a:p>
+            <a:r>
+              <a:rPr lang="en-US" altLang="zh-CN" dirty="0"/>
+              <a:t>No endpoints with negative slack, all timing constraints met</a:t>
+            </a:r>
+          </a:p>
+          <a:p>
+            <a:endParaRPr lang="en-US" altLang="zh-CN" dirty="0"/>
+          </a:p>
+          <a:p>
+            <a:pPr marL="0" indent="0">
+              <a:buNone/>
+            </a:pPr>
+            <a:endParaRPr lang="en-US" altLang="zh-CN" dirty="0"/>
+          </a:p>
+          <a:p>
+            <a:endParaRPr lang="en-US" altLang="zh-CN" dirty="0"/>
+          </a:p>
+          <a:p>
+            <a:endParaRPr lang="zh-CN" altLang="en-US" dirty="0"/>
+          </a:p>
+        </p:txBody>
+      </p:sp>
+      <p:pic>
+        <p:nvPicPr>
+          <p:cNvPr id="4" name="Picture 3">
+            <a:extLst>
+              <a:ext uri="{FF2B5EF4-FFF2-40B4-BE49-F238E27FC236}">
+                <a16:creationId xmlns:a16="http://schemas.microsoft.com/office/drawing/2014/main" id="{0F635B2F-C021-411F-B0D7-BDC93EA9BD89}"/>
+              </a:ext>
+            </a:extLst>
+          </p:cNvPr>
+          <p:cNvPicPr>
+            <a:picLocks noChangeAspect="1"/>
+          </p:cNvPicPr>
+          <p:nvPr/>
+        </p:nvPicPr>
+        <p:blipFill>
+          <a:blip r:embed="rId2"/>
+          <a:stretch>
+            <a:fillRect/>
+          </a:stretch>
+        </p:blipFill>
+        <p:spPr>
+          <a:xfrm>
+            <a:off x="2263684" y="4310063"/>
+            <a:ext cx="6724650" cy="2324100"/>
+          </a:xfrm>
+          <a:prstGeom prst="rect">
+            <a:avLst/>
+          </a:prstGeom>
+        </p:spPr>
+      </p:pic>
+    </p:spTree>
+    <p:extLst>
+      <p:ext uri="{BB962C8B-B14F-4D97-AF65-F5344CB8AC3E}">
+        <p14:creationId xmlns:p14="http://schemas.microsoft.com/office/powerpoint/2010/main" val="3957310060"/>
+      </p:ext>
+    </p:extLst>
+  </p:cSld>
+  <p:clrMapOvr>
+    <a:masterClrMapping/>
+  </p:clrMapOvr>
+</p:sld>
+</file>
+
+<file path=ppt/slides/slide12.xml><?xml version="1.0" encoding="utf-8"?>
+<p:sld xmlns:a="http://schemas.openxmlformats.org/drawingml/2006/main" xmlns:r="http://schemas.openxmlformats.org/officeDocument/2006/relationships" xmlns:p="http://schemas.openxmlformats.org/presentationml/2006/main">
+  <p:cSld>
+    <p:spTree>
+      <p:nvGrpSpPr>
+        <p:cNvPr id="1" name=""/>
+        <p:cNvGrpSpPr/>
+        <p:nvPr/>
+      </p:nvGrpSpPr>
+      <p:grpSpPr>
+        <a:xfrm>
+          <a:off x="0" y="0"/>
+          <a:ext cx="0" cy="0"/>
+          <a:chOff x="0" y="0"/>
+          <a:chExt cx="0" cy="0"/>
+        </a:xfrm>
+      </p:grpSpPr>
+      <p:sp>
+        <p:nvSpPr>
+          <p:cNvPr id="2" name="Title 1">
+            <a:extLst>
+              <a:ext uri="{FF2B5EF4-FFF2-40B4-BE49-F238E27FC236}">
+                <a16:creationId xmlns:a16="http://schemas.microsoft.com/office/drawing/2014/main" id="{23731E27-EBAD-4627-A385-28EA717BFA79}"/>
+              </a:ext>
+            </a:extLst>
+          </p:cNvPr>
+          <p:cNvSpPr>
+            <a:spLocks noGrp="1"/>
+          </p:cNvSpPr>
+          <p:nvPr>
+            <p:ph type="title"/>
+          </p:nvPr>
+        </p:nvSpPr>
+        <p:spPr/>
+        <p:txBody>
+          <a:bodyPr/>
+          <a:lstStyle/>
+          <a:p>
+            <a:r>
+              <a:rPr lang="en-US" altLang="zh-CN" dirty="0"/>
+              <a:t>Verification: FC0 Forward Pass (384 Cycles)</a:t>
+            </a:r>
+            <a:endParaRPr lang="zh-CN" altLang="en-US" dirty="0"/>
+          </a:p>
+        </p:txBody>
+      </p:sp>
+      <p:pic>
+        <p:nvPicPr>
+          <p:cNvPr id="4" name="Picture 3">
+            <a:extLst>
+              <a:ext uri="{FF2B5EF4-FFF2-40B4-BE49-F238E27FC236}">
+                <a16:creationId xmlns:a16="http://schemas.microsoft.com/office/drawing/2014/main" id="{9F3A9393-7E30-4239-B787-03DA130A2D34}"/>
+              </a:ext>
+            </a:extLst>
+          </p:cNvPr>
+          <p:cNvPicPr>
+            <a:picLocks noChangeAspect="1"/>
+          </p:cNvPicPr>
+          <p:nvPr/>
+        </p:nvPicPr>
+        <p:blipFill>
+          <a:blip r:embed="rId2"/>
+          <a:stretch>
+            <a:fillRect/>
+          </a:stretch>
+        </p:blipFill>
+        <p:spPr>
+          <a:xfrm>
+            <a:off x="2655707" y="1776546"/>
+            <a:ext cx="4581525" cy="5029200"/>
+          </a:xfrm>
+          <a:prstGeom prst="rect">
+            <a:avLst/>
+          </a:prstGeom>
+        </p:spPr>
+      </p:pic>
+      <p:pic>
+        <p:nvPicPr>
+          <p:cNvPr id="5" name="Picture 4">
+            <a:extLst>
+              <a:ext uri="{FF2B5EF4-FFF2-40B4-BE49-F238E27FC236}">
+                <a16:creationId xmlns:a16="http://schemas.microsoft.com/office/drawing/2014/main" id="{36B90BB5-91CF-4BA2-95D3-8EBFBDBA25FF}"/>
+              </a:ext>
+            </a:extLst>
+          </p:cNvPr>
+          <p:cNvPicPr>
+            <a:picLocks noChangeAspect="1"/>
+          </p:cNvPicPr>
+          <p:nvPr/>
+        </p:nvPicPr>
+        <p:blipFill>
+          <a:blip r:embed="rId3"/>
+          <a:stretch>
+            <a:fillRect/>
+          </a:stretch>
+        </p:blipFill>
+        <p:spPr>
+          <a:xfrm>
+            <a:off x="5791200" y="2529693"/>
+            <a:ext cx="3105150" cy="4295775"/>
+          </a:xfrm>
+          <a:prstGeom prst="rect">
+            <a:avLst/>
+          </a:prstGeom>
+        </p:spPr>
+      </p:pic>
+      <p:sp>
+        <p:nvSpPr>
+          <p:cNvPr id="6" name="TextBox 5">
+            <a:extLst>
+              <a:ext uri="{FF2B5EF4-FFF2-40B4-BE49-F238E27FC236}">
+                <a16:creationId xmlns:a16="http://schemas.microsoft.com/office/drawing/2014/main" id="{B7D3E052-9B44-4DC1-BC17-9A3AC8EDB9E2}"/>
+              </a:ext>
+            </a:extLst>
+          </p:cNvPr>
+          <p:cNvSpPr txBox="1"/>
+          <p:nvPr/>
+        </p:nvSpPr>
+        <p:spPr>
+          <a:xfrm>
+            <a:off x="2542902" y="1262743"/>
+            <a:ext cx="7857588" cy="369332"/>
+          </a:xfrm>
+          <a:prstGeom prst="rect">
+            <a:avLst/>
+          </a:prstGeom>
+          <a:noFill/>
+        </p:spPr>
+        <p:txBody>
+          <a:bodyPr wrap="square" rtlCol="0">
+            <a:spAutoFit/>
+          </a:bodyPr>
+          <a:lstStyle/>
+          <a:p>
+            <a:r>
+              <a:rPr lang="en-US" altLang="zh-CN" dirty="0"/>
+              <a:t>Simulation Output and Python Verification output (Neurons 21-97 not shown)</a:t>
+            </a:r>
+            <a:endParaRPr lang="zh-CN" altLang="en-US" dirty="0"/>
+          </a:p>
+        </p:txBody>
+      </p:sp>
+      <p:sp>
+        <p:nvSpPr>
+          <p:cNvPr id="7" name="TextBox 6">
+            <a:extLst>
+              <a:ext uri="{FF2B5EF4-FFF2-40B4-BE49-F238E27FC236}">
+                <a16:creationId xmlns:a16="http://schemas.microsoft.com/office/drawing/2014/main" id="{716BAD92-41A1-4738-B8A5-CB99E6A75FB2}"/>
+              </a:ext>
+            </a:extLst>
+          </p:cNvPr>
+          <p:cNvSpPr txBox="1"/>
+          <p:nvPr/>
+        </p:nvSpPr>
+        <p:spPr>
+          <a:xfrm>
+            <a:off x="4833256" y="2717074"/>
+            <a:ext cx="957944" cy="276999"/>
+          </a:xfrm>
+          <a:prstGeom prst="rect">
+            <a:avLst/>
+          </a:prstGeom>
+          <a:noFill/>
+        </p:spPr>
+        <p:txBody>
+          <a:bodyPr wrap="square" rtlCol="0">
+            <a:spAutoFit/>
+          </a:bodyPr>
+          <a:lstStyle/>
+          <a:p>
+            <a:pPr algn="ctr"/>
+            <a:r>
+              <a:rPr lang="en-US" altLang="zh-CN" sz="1200" dirty="0">
+                <a:solidFill>
+                  <a:schemeClr val="bg1"/>
+                </a:solidFill>
+              </a:rPr>
+              <a:t>0.10546</a:t>
+            </a:r>
+            <a:endParaRPr lang="zh-CN" altLang="en-US" sz="1200" dirty="0">
+              <a:solidFill>
+                <a:schemeClr val="bg1"/>
+              </a:solidFill>
+            </a:endParaRPr>
+          </a:p>
+        </p:txBody>
+      </p:sp>
+      <p:sp>
+        <p:nvSpPr>
+          <p:cNvPr id="8" name="TextBox 7">
+            <a:extLst>
+              <a:ext uri="{FF2B5EF4-FFF2-40B4-BE49-F238E27FC236}">
+                <a16:creationId xmlns:a16="http://schemas.microsoft.com/office/drawing/2014/main" id="{4FBD84FB-220B-4692-B0FB-9781300EB941}"/>
+              </a:ext>
+            </a:extLst>
+          </p:cNvPr>
+          <p:cNvSpPr txBox="1"/>
+          <p:nvPr/>
+        </p:nvSpPr>
+        <p:spPr>
+          <a:xfrm>
+            <a:off x="4815839" y="3290500"/>
+            <a:ext cx="957944" cy="276999"/>
+          </a:xfrm>
+          <a:prstGeom prst="rect">
+            <a:avLst/>
+          </a:prstGeom>
+          <a:noFill/>
+        </p:spPr>
+        <p:txBody>
+          <a:bodyPr wrap="square" rtlCol="0">
+            <a:spAutoFit/>
+          </a:bodyPr>
+          <a:lstStyle/>
+          <a:p>
+            <a:pPr algn="ctr"/>
+            <a:r>
+              <a:rPr lang="en-US" altLang="zh-CN" sz="1200" dirty="0">
+                <a:solidFill>
+                  <a:schemeClr val="bg1"/>
+                </a:solidFill>
+              </a:rPr>
+              <a:t>0.02148</a:t>
+            </a:r>
+            <a:endParaRPr lang="zh-CN" altLang="en-US" sz="1200" dirty="0">
+              <a:solidFill>
+                <a:schemeClr val="bg1"/>
+              </a:solidFill>
+            </a:endParaRPr>
+          </a:p>
+        </p:txBody>
+      </p:sp>
+      <p:sp>
+        <p:nvSpPr>
+          <p:cNvPr id="9" name="TextBox 8">
+            <a:extLst>
+              <a:ext uri="{FF2B5EF4-FFF2-40B4-BE49-F238E27FC236}">
+                <a16:creationId xmlns:a16="http://schemas.microsoft.com/office/drawing/2014/main" id="{0BF04406-9C9A-42C5-8CE7-288225871599}"/>
+              </a:ext>
+            </a:extLst>
+          </p:cNvPr>
+          <p:cNvSpPr txBox="1"/>
+          <p:nvPr/>
+        </p:nvSpPr>
+        <p:spPr>
+          <a:xfrm>
+            <a:off x="4815839" y="3484874"/>
+            <a:ext cx="957944" cy="276999"/>
+          </a:xfrm>
+          <a:prstGeom prst="rect">
+            <a:avLst/>
+          </a:prstGeom>
+          <a:noFill/>
+        </p:spPr>
+        <p:txBody>
+          <a:bodyPr wrap="square" rtlCol="0">
+            <a:spAutoFit/>
+          </a:bodyPr>
+          <a:lstStyle/>
+          <a:p>
+            <a:pPr algn="ctr"/>
+            <a:r>
+              <a:rPr lang="en-US" altLang="zh-CN" sz="1200" dirty="0">
+                <a:solidFill>
+                  <a:schemeClr val="bg1"/>
+                </a:solidFill>
+              </a:rPr>
+              <a:t>0.12769</a:t>
+            </a:r>
+            <a:endParaRPr lang="zh-CN" altLang="en-US" sz="1200" dirty="0">
+              <a:solidFill>
+                <a:schemeClr val="bg1"/>
+              </a:solidFill>
+            </a:endParaRPr>
+          </a:p>
+        </p:txBody>
+      </p:sp>
+      <p:sp>
+        <p:nvSpPr>
+          <p:cNvPr id="10" name="TextBox 9">
+            <a:extLst>
+              <a:ext uri="{FF2B5EF4-FFF2-40B4-BE49-F238E27FC236}">
+                <a16:creationId xmlns:a16="http://schemas.microsoft.com/office/drawing/2014/main" id="{39A42C4E-9D91-415A-8671-74A0D44904B3}"/>
+              </a:ext>
+            </a:extLst>
+          </p:cNvPr>
+          <p:cNvSpPr txBox="1"/>
+          <p:nvPr/>
+        </p:nvSpPr>
+        <p:spPr>
+          <a:xfrm>
+            <a:off x="4815839" y="4219640"/>
+            <a:ext cx="957944" cy="276999"/>
+          </a:xfrm>
+          <a:prstGeom prst="rect">
+            <a:avLst/>
+          </a:prstGeom>
+          <a:noFill/>
+        </p:spPr>
+        <p:txBody>
+          <a:bodyPr wrap="square" rtlCol="0">
+            <a:spAutoFit/>
+          </a:bodyPr>
+          <a:lstStyle/>
+          <a:p>
+            <a:pPr algn="ctr"/>
+            <a:r>
+              <a:rPr lang="en-US" altLang="zh-CN" sz="1200" dirty="0">
+                <a:solidFill>
+                  <a:schemeClr val="bg1"/>
+                </a:solidFill>
+              </a:rPr>
+              <a:t>0.17078</a:t>
+            </a:r>
+            <a:endParaRPr lang="zh-CN" altLang="en-US" sz="1200" dirty="0">
+              <a:solidFill>
+                <a:schemeClr val="bg1"/>
+              </a:solidFill>
+            </a:endParaRPr>
+          </a:p>
+        </p:txBody>
+      </p:sp>
+      <p:sp>
+        <p:nvSpPr>
+          <p:cNvPr id="11" name="TextBox 10">
+            <a:extLst>
+              <a:ext uri="{FF2B5EF4-FFF2-40B4-BE49-F238E27FC236}">
+                <a16:creationId xmlns:a16="http://schemas.microsoft.com/office/drawing/2014/main" id="{62B76799-566B-470A-8E64-BE66D8AF565A}"/>
+              </a:ext>
+            </a:extLst>
+          </p:cNvPr>
+          <p:cNvSpPr txBox="1"/>
+          <p:nvPr/>
+        </p:nvSpPr>
+        <p:spPr>
+          <a:xfrm>
+            <a:off x="4815839" y="4417870"/>
+            <a:ext cx="957944" cy="276999"/>
+          </a:xfrm>
+          <a:prstGeom prst="rect">
+            <a:avLst/>
+          </a:prstGeom>
+          <a:noFill/>
+        </p:spPr>
+        <p:txBody>
+          <a:bodyPr wrap="square" rtlCol="0">
+            <a:spAutoFit/>
+          </a:bodyPr>
+          <a:lstStyle/>
+          <a:p>
+            <a:pPr algn="ctr"/>
+            <a:r>
+              <a:rPr lang="en-US" altLang="zh-CN" sz="1200" dirty="0">
+                <a:solidFill>
+                  <a:schemeClr val="bg1"/>
+                </a:solidFill>
+              </a:rPr>
+              <a:t>0.10974</a:t>
+            </a:r>
+            <a:endParaRPr lang="zh-CN" altLang="en-US" sz="1200" dirty="0">
+              <a:solidFill>
+                <a:schemeClr val="bg1"/>
+              </a:solidFill>
+            </a:endParaRPr>
+          </a:p>
+        </p:txBody>
+      </p:sp>
+      <p:sp>
+        <p:nvSpPr>
+          <p:cNvPr id="12" name="TextBox 11">
+            <a:extLst>
+              <a:ext uri="{FF2B5EF4-FFF2-40B4-BE49-F238E27FC236}">
+                <a16:creationId xmlns:a16="http://schemas.microsoft.com/office/drawing/2014/main" id="{152E74A3-7502-476B-B00E-64A6FE8EBBD9}"/>
+              </a:ext>
+            </a:extLst>
+          </p:cNvPr>
+          <p:cNvSpPr txBox="1"/>
+          <p:nvPr/>
+        </p:nvSpPr>
+        <p:spPr>
+          <a:xfrm>
+            <a:off x="4815839" y="5190189"/>
+            <a:ext cx="957944" cy="276999"/>
+          </a:xfrm>
+          <a:prstGeom prst="rect">
+            <a:avLst/>
+          </a:prstGeom>
+          <a:noFill/>
+        </p:spPr>
+        <p:txBody>
+          <a:bodyPr wrap="square" rtlCol="0">
+            <a:spAutoFit/>
+          </a:bodyPr>
+          <a:lstStyle/>
+          <a:p>
+            <a:pPr algn="ctr"/>
+            <a:r>
+              <a:rPr lang="en-US" altLang="zh-CN" sz="1200" dirty="0">
+                <a:solidFill>
+                  <a:schemeClr val="bg1"/>
+                </a:solidFill>
+              </a:rPr>
+              <a:t>0.01147</a:t>
+            </a:r>
+            <a:endParaRPr lang="zh-CN" altLang="en-US" sz="1200" dirty="0">
+              <a:solidFill>
+                <a:schemeClr val="bg1"/>
+              </a:solidFill>
+            </a:endParaRPr>
+          </a:p>
+        </p:txBody>
+      </p:sp>
+      <p:sp>
+        <p:nvSpPr>
+          <p:cNvPr id="13" name="TextBox 12">
+            <a:extLst>
+              <a:ext uri="{FF2B5EF4-FFF2-40B4-BE49-F238E27FC236}">
+                <a16:creationId xmlns:a16="http://schemas.microsoft.com/office/drawing/2014/main" id="{74AFCB5A-7A29-48F7-B9C1-852CEF20628C}"/>
+              </a:ext>
+            </a:extLst>
+          </p:cNvPr>
+          <p:cNvSpPr txBox="1"/>
+          <p:nvPr/>
+        </p:nvSpPr>
+        <p:spPr>
+          <a:xfrm>
+            <a:off x="4798421" y="5764513"/>
+            <a:ext cx="957944" cy="276999"/>
+          </a:xfrm>
+          <a:prstGeom prst="rect">
+            <a:avLst/>
+          </a:prstGeom>
+          <a:noFill/>
+        </p:spPr>
+        <p:txBody>
+          <a:bodyPr wrap="square" rtlCol="0">
+            <a:spAutoFit/>
+          </a:bodyPr>
+          <a:lstStyle/>
+          <a:p>
+            <a:pPr algn="ctr"/>
+            <a:r>
+              <a:rPr lang="en-US" altLang="zh-CN" sz="1200" dirty="0">
+                <a:solidFill>
+                  <a:schemeClr val="bg1"/>
+                </a:solidFill>
+              </a:rPr>
+              <a:t>0.05176</a:t>
+            </a:r>
+            <a:endParaRPr lang="zh-CN" altLang="en-US" sz="1200" dirty="0">
+              <a:solidFill>
+                <a:schemeClr val="bg1"/>
+              </a:solidFill>
+            </a:endParaRPr>
+          </a:p>
+        </p:txBody>
+      </p:sp>
+      <p:sp>
+        <p:nvSpPr>
+          <p:cNvPr id="14" name="TextBox 13">
+            <a:extLst>
+              <a:ext uri="{FF2B5EF4-FFF2-40B4-BE49-F238E27FC236}">
+                <a16:creationId xmlns:a16="http://schemas.microsoft.com/office/drawing/2014/main" id="{B7128685-A993-479F-B6DE-C02E7615F5A8}"/>
+              </a:ext>
+            </a:extLst>
+          </p:cNvPr>
+          <p:cNvSpPr txBox="1"/>
+          <p:nvPr/>
+        </p:nvSpPr>
+        <p:spPr>
+          <a:xfrm>
+            <a:off x="4798421" y="6319965"/>
+            <a:ext cx="957944" cy="276999"/>
+          </a:xfrm>
+          <a:prstGeom prst="rect">
+            <a:avLst/>
+          </a:prstGeom>
+          <a:noFill/>
+        </p:spPr>
+        <p:txBody>
+          <a:bodyPr wrap="square" rtlCol="0">
+            <a:spAutoFit/>
+          </a:bodyPr>
+          <a:lstStyle/>
+          <a:p>
+            <a:pPr algn="ctr"/>
+            <a:r>
+              <a:rPr lang="en-US" altLang="zh-CN" sz="1200" dirty="0">
+                <a:solidFill>
+                  <a:schemeClr val="bg1"/>
+                </a:solidFill>
+              </a:rPr>
+              <a:t>0.00623</a:t>
+            </a:r>
+            <a:endParaRPr lang="zh-CN" altLang="en-US" sz="1200" dirty="0">
+              <a:solidFill>
+                <a:schemeClr val="bg1"/>
+              </a:solidFill>
+            </a:endParaRPr>
+          </a:p>
+        </p:txBody>
+      </p:sp>
+      <p:sp>
+        <p:nvSpPr>
+          <p:cNvPr id="15" name="TextBox 14">
+            <a:extLst>
+              <a:ext uri="{FF2B5EF4-FFF2-40B4-BE49-F238E27FC236}">
+                <a16:creationId xmlns:a16="http://schemas.microsoft.com/office/drawing/2014/main" id="{7E21F68F-CA7D-4BDC-88D0-56C541592CB0}"/>
+              </a:ext>
+            </a:extLst>
+          </p:cNvPr>
+          <p:cNvSpPr txBox="1"/>
+          <p:nvPr/>
+        </p:nvSpPr>
+        <p:spPr>
+          <a:xfrm>
+            <a:off x="4798421" y="6518475"/>
+            <a:ext cx="957944" cy="276999"/>
+          </a:xfrm>
+          <a:prstGeom prst="rect">
+            <a:avLst/>
+          </a:prstGeom>
+          <a:noFill/>
+        </p:spPr>
+        <p:txBody>
+          <a:bodyPr wrap="square" rtlCol="0">
+            <a:spAutoFit/>
+          </a:bodyPr>
+          <a:lstStyle/>
+          <a:p>
+            <a:pPr algn="ctr"/>
+            <a:r>
+              <a:rPr lang="en-US" altLang="zh-CN" sz="1200" dirty="0">
+                <a:solidFill>
+                  <a:schemeClr val="bg1"/>
+                </a:solidFill>
+              </a:rPr>
+              <a:t>0.26636</a:t>
+            </a:r>
+            <a:endParaRPr lang="zh-CN" altLang="en-US" sz="1200" dirty="0">
+              <a:solidFill>
+                <a:schemeClr val="bg1"/>
+              </a:solidFill>
+            </a:endParaRPr>
+          </a:p>
+        </p:txBody>
+      </p:sp>
+    </p:spTree>
+    <p:extLst>
+      <p:ext uri="{BB962C8B-B14F-4D97-AF65-F5344CB8AC3E}">
+        <p14:creationId xmlns:p14="http://schemas.microsoft.com/office/powerpoint/2010/main" val="3238560229"/>
+      </p:ext>
+    </p:extLst>
+  </p:cSld>
+  <p:clrMapOvr>
+    <a:masterClrMapping/>
+  </p:clrMapOvr>
+</p:sld>
+</file>
+
+<file path=ppt/slides/slide13.xml><?xml version="1.0" encoding="utf-8"?>
+<p:sld xmlns:a="http://schemas.openxmlformats.org/drawingml/2006/main" xmlns:r="http://schemas.openxmlformats.org/officeDocument/2006/relationships" xmlns:p="http://schemas.openxmlformats.org/presentationml/2006/main">
+  <p:cSld>
+    <p:spTree>
+      <p:nvGrpSpPr>
+        <p:cNvPr id="1" name=""/>
+        <p:cNvGrpSpPr/>
+        <p:nvPr/>
+      </p:nvGrpSpPr>
+      <p:grpSpPr>
+        <a:xfrm>
+          <a:off x="0" y="0"/>
+          <a:ext cx="0" cy="0"/>
+          <a:chOff x="0" y="0"/>
+          <a:chExt cx="0" cy="0"/>
+        </a:xfrm>
+      </p:grpSpPr>
+      <p:sp>
+        <p:nvSpPr>
+          <p:cNvPr id="2" name="Title 1">
+            <a:extLst>
+              <a:ext uri="{FF2B5EF4-FFF2-40B4-BE49-F238E27FC236}">
+                <a16:creationId xmlns:a16="http://schemas.microsoft.com/office/drawing/2014/main" id="{23731E27-EBAD-4627-A385-28EA717BFA79}"/>
+              </a:ext>
+            </a:extLst>
+          </p:cNvPr>
+          <p:cNvSpPr>
+            <a:spLocks noGrp="1"/>
+          </p:cNvSpPr>
+          <p:nvPr>
+            <p:ph type="title"/>
+          </p:nvPr>
+        </p:nvSpPr>
+        <p:spPr/>
+        <p:txBody>
+          <a:bodyPr/>
+          <a:lstStyle/>
+          <a:p>
+            <a:r>
+              <a:rPr lang="en-US" altLang="zh-CN" dirty="0"/>
+              <a:t>Verification: FC1 Forward Pass (392 Cycles)</a:t>
+            </a:r>
+            <a:endParaRPr lang="zh-CN" altLang="en-US" dirty="0"/>
+          </a:p>
+        </p:txBody>
+      </p:sp>
+      <p:pic>
+        <p:nvPicPr>
+          <p:cNvPr id="4" name="Picture 3">
+            <a:extLst>
+              <a:ext uri="{FF2B5EF4-FFF2-40B4-BE49-F238E27FC236}">
+                <a16:creationId xmlns:a16="http://schemas.microsoft.com/office/drawing/2014/main" id="{C17E327E-3BBA-49AB-ACCA-6D2989DCB603}"/>
+              </a:ext>
+            </a:extLst>
+          </p:cNvPr>
+          <p:cNvPicPr>
+            <a:picLocks noChangeAspect="1"/>
+          </p:cNvPicPr>
+          <p:nvPr/>
+        </p:nvPicPr>
+        <p:blipFill>
+          <a:blip r:embed="rId2"/>
+          <a:stretch>
+            <a:fillRect/>
+          </a:stretch>
+        </p:blipFill>
+        <p:spPr>
+          <a:xfrm>
+            <a:off x="3224213" y="2543855"/>
+            <a:ext cx="3914775" cy="3076575"/>
+          </a:xfrm>
+          <a:prstGeom prst="rect">
+            <a:avLst/>
+          </a:prstGeom>
+        </p:spPr>
+      </p:pic>
+      <p:sp>
+        <p:nvSpPr>
+          <p:cNvPr id="5" name="TextBox 4">
+            <a:extLst>
+              <a:ext uri="{FF2B5EF4-FFF2-40B4-BE49-F238E27FC236}">
+                <a16:creationId xmlns:a16="http://schemas.microsoft.com/office/drawing/2014/main" id="{85D42CDF-C7DA-4BE2-A3DD-A6333F03ED6B}"/>
+              </a:ext>
+            </a:extLst>
+          </p:cNvPr>
+          <p:cNvSpPr txBox="1"/>
+          <p:nvPr/>
+        </p:nvSpPr>
+        <p:spPr>
+          <a:xfrm>
+            <a:off x="2167206" y="1506022"/>
+            <a:ext cx="7857588" cy="369332"/>
+          </a:xfrm>
+          <a:prstGeom prst="rect">
+            <a:avLst/>
+          </a:prstGeom>
+          <a:noFill/>
+        </p:spPr>
+        <p:txBody>
+          <a:bodyPr wrap="square" rtlCol="0">
+            <a:spAutoFit/>
+          </a:bodyPr>
+          <a:lstStyle/>
+          <a:p>
+            <a:r>
+              <a:rPr lang="en-US" altLang="zh-CN" dirty="0"/>
+              <a:t>Simulation Output and Python Verification output (Neurons 11-64 not shown)</a:t>
+            </a:r>
+            <a:endParaRPr lang="zh-CN" altLang="en-US" dirty="0"/>
+          </a:p>
+        </p:txBody>
+      </p:sp>
+      <p:pic>
+        <p:nvPicPr>
+          <p:cNvPr id="6" name="Picture 5">
+            <a:extLst>
+              <a:ext uri="{FF2B5EF4-FFF2-40B4-BE49-F238E27FC236}">
+                <a16:creationId xmlns:a16="http://schemas.microsoft.com/office/drawing/2014/main" id="{2689B62F-47AF-493E-A4B7-7D2402E2A0D9}"/>
+              </a:ext>
+            </a:extLst>
+          </p:cNvPr>
+          <p:cNvPicPr>
+            <a:picLocks noChangeAspect="1"/>
+          </p:cNvPicPr>
+          <p:nvPr/>
+        </p:nvPicPr>
+        <p:blipFill>
+          <a:blip r:embed="rId3"/>
+          <a:stretch>
+            <a:fillRect/>
+          </a:stretch>
+        </p:blipFill>
+        <p:spPr>
+          <a:xfrm>
+            <a:off x="5745892" y="3325721"/>
+            <a:ext cx="2581275" cy="2286000"/>
+          </a:xfrm>
+          <a:prstGeom prst="rect">
+            <a:avLst/>
+          </a:prstGeom>
+        </p:spPr>
+      </p:pic>
+      <p:sp>
+        <p:nvSpPr>
+          <p:cNvPr id="7" name="TextBox 6">
+            <a:extLst>
+              <a:ext uri="{FF2B5EF4-FFF2-40B4-BE49-F238E27FC236}">
+                <a16:creationId xmlns:a16="http://schemas.microsoft.com/office/drawing/2014/main" id="{188A213E-6014-470E-8C9E-D2BEEB5240BA}"/>
+              </a:ext>
+            </a:extLst>
+          </p:cNvPr>
+          <p:cNvSpPr txBox="1"/>
+          <p:nvPr/>
+        </p:nvSpPr>
+        <p:spPr>
+          <a:xfrm>
+            <a:off x="4702628" y="3463836"/>
+            <a:ext cx="957944" cy="276999"/>
+          </a:xfrm>
+          <a:prstGeom prst="rect">
+            <a:avLst/>
+          </a:prstGeom>
+          <a:noFill/>
+        </p:spPr>
+        <p:txBody>
+          <a:bodyPr wrap="square" rtlCol="0">
+            <a:spAutoFit/>
+          </a:bodyPr>
+          <a:lstStyle/>
+          <a:p>
+            <a:pPr algn="ctr"/>
+            <a:r>
+              <a:rPr lang="en-US" altLang="zh-CN" sz="1200" dirty="0">
+                <a:solidFill>
+                  <a:schemeClr val="bg1"/>
+                </a:solidFill>
+              </a:rPr>
+              <a:t>0.11291</a:t>
+            </a:r>
+            <a:endParaRPr lang="zh-CN" altLang="en-US" sz="1200" dirty="0">
+              <a:solidFill>
+                <a:schemeClr val="bg1"/>
+              </a:solidFill>
+            </a:endParaRPr>
+          </a:p>
+        </p:txBody>
+      </p:sp>
+      <p:sp>
+        <p:nvSpPr>
+          <p:cNvPr id="8" name="TextBox 7">
+            <a:extLst>
+              <a:ext uri="{FF2B5EF4-FFF2-40B4-BE49-F238E27FC236}">
+                <a16:creationId xmlns:a16="http://schemas.microsoft.com/office/drawing/2014/main" id="{8EB41437-8392-48DC-8980-C793720020DE}"/>
+              </a:ext>
+            </a:extLst>
+          </p:cNvPr>
+          <p:cNvSpPr txBox="1"/>
+          <p:nvPr/>
+        </p:nvSpPr>
+        <p:spPr>
+          <a:xfrm>
+            <a:off x="4706980" y="3659780"/>
+            <a:ext cx="957944" cy="276999"/>
+          </a:xfrm>
+          <a:prstGeom prst="rect">
+            <a:avLst/>
+          </a:prstGeom>
+          <a:noFill/>
+        </p:spPr>
+        <p:txBody>
+          <a:bodyPr wrap="square" rtlCol="0">
+            <a:spAutoFit/>
+          </a:bodyPr>
+          <a:lstStyle/>
+          <a:p>
+            <a:pPr algn="ctr"/>
+            <a:r>
+              <a:rPr lang="en-US" altLang="zh-CN" sz="1200" dirty="0">
+                <a:solidFill>
+                  <a:schemeClr val="bg1"/>
+                </a:solidFill>
+              </a:rPr>
+              <a:t>0.19250</a:t>
+            </a:r>
+            <a:endParaRPr lang="zh-CN" altLang="en-US" sz="1200" dirty="0">
+              <a:solidFill>
+                <a:schemeClr val="bg1"/>
+              </a:solidFill>
+            </a:endParaRPr>
+          </a:p>
+        </p:txBody>
+      </p:sp>
+      <p:sp>
+        <p:nvSpPr>
+          <p:cNvPr id="9" name="TextBox 8">
+            <a:extLst>
+              <a:ext uri="{FF2B5EF4-FFF2-40B4-BE49-F238E27FC236}">
+                <a16:creationId xmlns:a16="http://schemas.microsoft.com/office/drawing/2014/main" id="{ADA61C02-E27B-4054-BB39-F97668123DF3}"/>
+              </a:ext>
+            </a:extLst>
+          </p:cNvPr>
+          <p:cNvSpPr txBox="1"/>
+          <p:nvPr/>
+        </p:nvSpPr>
+        <p:spPr>
+          <a:xfrm>
+            <a:off x="4702628" y="4409336"/>
+            <a:ext cx="957944" cy="276999"/>
+          </a:xfrm>
+          <a:prstGeom prst="rect">
+            <a:avLst/>
+          </a:prstGeom>
+          <a:noFill/>
+        </p:spPr>
+        <p:txBody>
+          <a:bodyPr wrap="square" rtlCol="0">
+            <a:spAutoFit/>
+          </a:bodyPr>
+          <a:lstStyle/>
+          <a:p>
+            <a:pPr algn="ctr"/>
+            <a:r>
+              <a:rPr lang="en-US" altLang="zh-CN" sz="1200" dirty="0">
+                <a:solidFill>
+                  <a:schemeClr val="bg1"/>
+                </a:solidFill>
+              </a:rPr>
+              <a:t>0.25916</a:t>
+            </a:r>
+            <a:endParaRPr lang="zh-CN" altLang="en-US" sz="1200" dirty="0">
+              <a:solidFill>
+                <a:schemeClr val="bg1"/>
+              </a:solidFill>
+            </a:endParaRPr>
+          </a:p>
+        </p:txBody>
+      </p:sp>
+      <p:sp>
+        <p:nvSpPr>
+          <p:cNvPr id="10" name="TextBox 9">
+            <a:extLst>
+              <a:ext uri="{FF2B5EF4-FFF2-40B4-BE49-F238E27FC236}">
+                <a16:creationId xmlns:a16="http://schemas.microsoft.com/office/drawing/2014/main" id="{2109CD24-0B59-4AAA-9655-B7110B655899}"/>
+              </a:ext>
+            </a:extLst>
+          </p:cNvPr>
+          <p:cNvSpPr txBox="1"/>
+          <p:nvPr/>
+        </p:nvSpPr>
+        <p:spPr>
+          <a:xfrm>
+            <a:off x="4702628" y="4789946"/>
+            <a:ext cx="957944" cy="276999"/>
+          </a:xfrm>
+          <a:prstGeom prst="rect">
+            <a:avLst/>
+          </a:prstGeom>
+          <a:noFill/>
+        </p:spPr>
+        <p:txBody>
+          <a:bodyPr wrap="square" rtlCol="0">
+            <a:spAutoFit/>
+          </a:bodyPr>
+          <a:lstStyle/>
+          <a:p>
+            <a:pPr algn="ctr"/>
+            <a:r>
+              <a:rPr lang="en-US" altLang="zh-CN" sz="1200" dirty="0">
+                <a:solidFill>
+                  <a:schemeClr val="bg1"/>
+                </a:solidFill>
+              </a:rPr>
+              <a:t>0.10546</a:t>
+            </a:r>
+            <a:endParaRPr lang="zh-CN" altLang="en-US" sz="1200" dirty="0">
+              <a:solidFill>
+                <a:schemeClr val="bg1"/>
+              </a:solidFill>
+            </a:endParaRPr>
+          </a:p>
+        </p:txBody>
+      </p:sp>
+      <p:sp>
+        <p:nvSpPr>
+          <p:cNvPr id="11" name="TextBox 10">
+            <a:extLst>
+              <a:ext uri="{FF2B5EF4-FFF2-40B4-BE49-F238E27FC236}">
+                <a16:creationId xmlns:a16="http://schemas.microsoft.com/office/drawing/2014/main" id="{AE6B7C59-72AC-4C2D-9D91-4A3748D3E91D}"/>
+              </a:ext>
+            </a:extLst>
+          </p:cNvPr>
+          <p:cNvSpPr txBox="1"/>
+          <p:nvPr/>
+        </p:nvSpPr>
+        <p:spPr>
+          <a:xfrm>
+            <a:off x="4702628" y="5360849"/>
+            <a:ext cx="957944" cy="276999"/>
+          </a:xfrm>
+          <a:prstGeom prst="rect">
+            <a:avLst/>
+          </a:prstGeom>
+          <a:noFill/>
+        </p:spPr>
+        <p:txBody>
+          <a:bodyPr wrap="square" rtlCol="0">
+            <a:spAutoFit/>
+          </a:bodyPr>
+          <a:lstStyle/>
+          <a:p>
+            <a:pPr algn="ctr"/>
+            <a:r>
+              <a:rPr lang="en-US" altLang="zh-CN" sz="1200" dirty="0">
+                <a:solidFill>
+                  <a:schemeClr val="bg1"/>
+                </a:solidFill>
+              </a:rPr>
+              <a:t>0.04053</a:t>
+            </a:r>
+            <a:endParaRPr lang="zh-CN" altLang="en-US" sz="1200" dirty="0">
+              <a:solidFill>
+                <a:schemeClr val="bg1"/>
+              </a:solidFill>
+            </a:endParaRPr>
+          </a:p>
+        </p:txBody>
+      </p:sp>
+    </p:spTree>
+    <p:extLst>
+      <p:ext uri="{BB962C8B-B14F-4D97-AF65-F5344CB8AC3E}">
+        <p14:creationId xmlns:p14="http://schemas.microsoft.com/office/powerpoint/2010/main" val="1798363353"/>
+      </p:ext>
+    </p:extLst>
+  </p:cSld>
+  <p:clrMapOvr>
+    <a:masterClrMapping/>
+  </p:clrMapOvr>
+</p:sld>
+</file>
+
+<file path=ppt/slides/slide14.xml><?xml version="1.0" encoding="utf-8"?>
+<p:sld xmlns:a="http://schemas.openxmlformats.org/drawingml/2006/main" xmlns:r="http://schemas.openxmlformats.org/officeDocument/2006/relationships" xmlns:p="http://schemas.openxmlformats.org/presentationml/2006/main">
+  <p:cSld>
+    <p:spTree>
+      <p:nvGrpSpPr>
+        <p:cNvPr id="1" name=""/>
+        <p:cNvGrpSpPr/>
+        <p:nvPr/>
+      </p:nvGrpSpPr>
+      <p:grpSpPr>
+        <a:xfrm>
+          <a:off x="0" y="0"/>
+          <a:ext cx="0" cy="0"/>
+          <a:chOff x="0" y="0"/>
+          <a:chExt cx="0" cy="0"/>
+        </a:xfrm>
+      </p:grpSpPr>
+      <p:sp>
+        <p:nvSpPr>
+          <p:cNvPr id="2" name="Title 1">
+            <a:extLst>
+              <a:ext uri="{FF2B5EF4-FFF2-40B4-BE49-F238E27FC236}">
+                <a16:creationId xmlns:a16="http://schemas.microsoft.com/office/drawing/2014/main" id="{23731E27-EBAD-4627-A385-28EA717BFA79}"/>
+              </a:ext>
+            </a:extLst>
+          </p:cNvPr>
+          <p:cNvSpPr>
+            <a:spLocks noGrp="1"/>
+          </p:cNvSpPr>
+          <p:nvPr>
+            <p:ph type="title"/>
+          </p:nvPr>
+        </p:nvSpPr>
+        <p:spPr/>
+        <p:txBody>
+          <a:bodyPr/>
+          <a:lstStyle/>
+          <a:p>
+            <a:r>
+              <a:rPr lang="en-US" altLang="zh-CN" dirty="0"/>
+              <a:t>Verification: FC2 Forward Pass (320 Cycles)</a:t>
+            </a:r>
+            <a:endParaRPr lang="zh-CN" altLang="en-US" dirty="0"/>
+          </a:p>
+        </p:txBody>
+      </p:sp>
+      <p:pic>
+        <p:nvPicPr>
+          <p:cNvPr id="5" name="Picture 4">
+            <a:extLst>
+              <a:ext uri="{FF2B5EF4-FFF2-40B4-BE49-F238E27FC236}">
+                <a16:creationId xmlns:a16="http://schemas.microsoft.com/office/drawing/2014/main" id="{C8BD3868-B74F-457B-9CFE-48B1261042A6}"/>
+              </a:ext>
+            </a:extLst>
+          </p:cNvPr>
+          <p:cNvPicPr>
+            <a:picLocks noChangeAspect="1"/>
+          </p:cNvPicPr>
+          <p:nvPr/>
+        </p:nvPicPr>
+        <p:blipFill>
+          <a:blip r:embed="rId2"/>
+          <a:stretch>
+            <a:fillRect/>
+          </a:stretch>
+        </p:blipFill>
+        <p:spPr>
+          <a:xfrm>
+            <a:off x="2830558" y="2686593"/>
+            <a:ext cx="2838450" cy="2895600"/>
+          </a:xfrm>
+          <a:prstGeom prst="rect">
+            <a:avLst/>
+          </a:prstGeom>
+        </p:spPr>
+      </p:pic>
+      <p:pic>
+        <p:nvPicPr>
+          <p:cNvPr id="6" name="Picture 5">
+            <a:extLst>
+              <a:ext uri="{FF2B5EF4-FFF2-40B4-BE49-F238E27FC236}">
+                <a16:creationId xmlns:a16="http://schemas.microsoft.com/office/drawing/2014/main" id="{4A2ED65C-BDFA-445F-9161-98389FA1B317}"/>
+              </a:ext>
+            </a:extLst>
+          </p:cNvPr>
+          <p:cNvPicPr>
+            <a:picLocks noChangeAspect="1"/>
+          </p:cNvPicPr>
+          <p:nvPr/>
+        </p:nvPicPr>
+        <p:blipFill>
+          <a:blip r:embed="rId3"/>
+          <a:stretch>
+            <a:fillRect/>
+          </a:stretch>
+        </p:blipFill>
+        <p:spPr>
+          <a:xfrm>
+            <a:off x="5172486" y="3256735"/>
+            <a:ext cx="2752725" cy="2190750"/>
+          </a:xfrm>
+          <a:prstGeom prst="rect">
+            <a:avLst/>
+          </a:prstGeom>
+        </p:spPr>
+      </p:pic>
+      <p:sp>
+        <p:nvSpPr>
+          <p:cNvPr id="7" name="TextBox 6">
+            <a:extLst>
+              <a:ext uri="{FF2B5EF4-FFF2-40B4-BE49-F238E27FC236}">
+                <a16:creationId xmlns:a16="http://schemas.microsoft.com/office/drawing/2014/main" id="{0D089807-2AEB-400A-A947-40A6E21B0918}"/>
+              </a:ext>
+            </a:extLst>
+          </p:cNvPr>
+          <p:cNvSpPr txBox="1"/>
+          <p:nvPr/>
+        </p:nvSpPr>
+        <p:spPr>
+          <a:xfrm>
+            <a:off x="2167206" y="1506022"/>
+            <a:ext cx="7857588" cy="369332"/>
+          </a:xfrm>
+          <a:prstGeom prst="rect">
+            <a:avLst/>
+          </a:prstGeom>
+          <a:noFill/>
+        </p:spPr>
+        <p:txBody>
+          <a:bodyPr wrap="square" rtlCol="0">
+            <a:spAutoFit/>
+          </a:bodyPr>
+          <a:lstStyle/>
+          <a:p>
+            <a:pPr algn="ctr"/>
+            <a:r>
+              <a:rPr lang="en-US" altLang="zh-CN" dirty="0"/>
+              <a:t>Simulation Output and Python Verification output</a:t>
+            </a:r>
+            <a:endParaRPr lang="zh-CN" altLang="en-US" dirty="0"/>
+          </a:p>
+        </p:txBody>
+      </p:sp>
+      <p:sp>
+        <p:nvSpPr>
+          <p:cNvPr id="9" name="TextBox 8">
+            <a:extLst>
+              <a:ext uri="{FF2B5EF4-FFF2-40B4-BE49-F238E27FC236}">
+                <a16:creationId xmlns:a16="http://schemas.microsoft.com/office/drawing/2014/main" id="{E6885FBC-94AA-46D6-90E4-B810157ABAFD}"/>
+              </a:ext>
+            </a:extLst>
+          </p:cNvPr>
+          <p:cNvSpPr txBox="1"/>
+          <p:nvPr/>
+        </p:nvSpPr>
+        <p:spPr>
+          <a:xfrm>
+            <a:off x="4119156" y="3418115"/>
+            <a:ext cx="957944" cy="276999"/>
+          </a:xfrm>
+          <a:prstGeom prst="rect">
+            <a:avLst/>
+          </a:prstGeom>
+          <a:noFill/>
+        </p:spPr>
+        <p:txBody>
+          <a:bodyPr wrap="square" rtlCol="0">
+            <a:spAutoFit/>
+          </a:bodyPr>
+          <a:lstStyle/>
+          <a:p>
+            <a:pPr algn="ctr"/>
+            <a:r>
+              <a:rPr lang="en-US" altLang="zh-CN" sz="1200" dirty="0">
+                <a:solidFill>
+                  <a:schemeClr val="bg1"/>
+                </a:solidFill>
+              </a:rPr>
+              <a:t>-0.26294</a:t>
+            </a:r>
+            <a:endParaRPr lang="zh-CN" altLang="en-US" sz="1200" dirty="0">
+              <a:solidFill>
+                <a:schemeClr val="bg1"/>
+              </a:solidFill>
+            </a:endParaRPr>
+          </a:p>
+        </p:txBody>
+      </p:sp>
+      <p:sp>
+        <p:nvSpPr>
+          <p:cNvPr id="10" name="TextBox 9">
+            <a:extLst>
+              <a:ext uri="{FF2B5EF4-FFF2-40B4-BE49-F238E27FC236}">
+                <a16:creationId xmlns:a16="http://schemas.microsoft.com/office/drawing/2014/main" id="{9BFDAD59-25CF-41AE-8D86-3D406F6124A1}"/>
+              </a:ext>
+            </a:extLst>
+          </p:cNvPr>
+          <p:cNvSpPr txBox="1"/>
+          <p:nvPr/>
+        </p:nvSpPr>
+        <p:spPr>
+          <a:xfrm>
+            <a:off x="4119156" y="3608868"/>
+            <a:ext cx="957944" cy="276999"/>
+          </a:xfrm>
+          <a:prstGeom prst="rect">
+            <a:avLst/>
+          </a:prstGeom>
+          <a:noFill/>
+        </p:spPr>
+        <p:txBody>
+          <a:bodyPr wrap="square" rtlCol="0">
+            <a:spAutoFit/>
+          </a:bodyPr>
+          <a:lstStyle/>
+          <a:p>
+            <a:pPr algn="ctr"/>
+            <a:r>
+              <a:rPr lang="en-US" altLang="zh-CN" sz="1200" dirty="0">
+                <a:solidFill>
+                  <a:schemeClr val="bg1"/>
+                </a:solidFill>
+              </a:rPr>
+              <a:t>-0.09814</a:t>
+            </a:r>
+            <a:endParaRPr lang="zh-CN" altLang="en-US" sz="1200" dirty="0">
+              <a:solidFill>
+                <a:schemeClr val="bg1"/>
+              </a:solidFill>
+            </a:endParaRPr>
+          </a:p>
+        </p:txBody>
+      </p:sp>
+      <p:sp>
+        <p:nvSpPr>
+          <p:cNvPr id="11" name="TextBox 10">
+            <a:extLst>
+              <a:ext uri="{FF2B5EF4-FFF2-40B4-BE49-F238E27FC236}">
+                <a16:creationId xmlns:a16="http://schemas.microsoft.com/office/drawing/2014/main" id="{0161802E-F7C3-4E9C-BBAA-C4874FEA9AD9}"/>
+              </a:ext>
+            </a:extLst>
+          </p:cNvPr>
+          <p:cNvSpPr txBox="1"/>
+          <p:nvPr/>
+        </p:nvSpPr>
+        <p:spPr>
+          <a:xfrm>
+            <a:off x="4110447" y="3807821"/>
+            <a:ext cx="957944" cy="276999"/>
+          </a:xfrm>
+          <a:prstGeom prst="rect">
+            <a:avLst/>
+          </a:prstGeom>
+          <a:noFill/>
+        </p:spPr>
+        <p:txBody>
+          <a:bodyPr wrap="square" rtlCol="0">
+            <a:spAutoFit/>
+          </a:bodyPr>
+          <a:lstStyle/>
+          <a:p>
+            <a:pPr algn="ctr"/>
+            <a:r>
+              <a:rPr lang="en-US" altLang="zh-CN" sz="1200" dirty="0">
+                <a:solidFill>
+                  <a:schemeClr val="bg1"/>
+                </a:solidFill>
+              </a:rPr>
+              <a:t>-0.08057</a:t>
+            </a:r>
+            <a:endParaRPr lang="zh-CN" altLang="en-US" sz="1200" dirty="0">
+              <a:solidFill>
+                <a:schemeClr val="bg1"/>
+              </a:solidFill>
+            </a:endParaRPr>
+          </a:p>
+        </p:txBody>
+      </p:sp>
+      <p:sp>
+        <p:nvSpPr>
+          <p:cNvPr id="12" name="TextBox 11">
+            <a:extLst>
+              <a:ext uri="{FF2B5EF4-FFF2-40B4-BE49-F238E27FC236}">
+                <a16:creationId xmlns:a16="http://schemas.microsoft.com/office/drawing/2014/main" id="{F382CBDD-846E-4892-88E9-10D5D4CAAF8F}"/>
+              </a:ext>
+            </a:extLst>
+          </p:cNvPr>
+          <p:cNvSpPr txBox="1"/>
+          <p:nvPr/>
+        </p:nvSpPr>
+        <p:spPr>
+          <a:xfrm>
+            <a:off x="4114800" y="3988523"/>
+            <a:ext cx="957944" cy="276999"/>
+          </a:xfrm>
+          <a:prstGeom prst="rect">
+            <a:avLst/>
+          </a:prstGeom>
+          <a:noFill/>
+        </p:spPr>
+        <p:txBody>
+          <a:bodyPr wrap="square" rtlCol="0">
+            <a:spAutoFit/>
+          </a:bodyPr>
+          <a:lstStyle/>
+          <a:p>
+            <a:pPr algn="ctr"/>
+            <a:r>
+              <a:rPr lang="en-US" altLang="zh-CN" sz="1200" dirty="0">
+                <a:solidFill>
+                  <a:schemeClr val="bg1"/>
+                </a:solidFill>
+              </a:rPr>
+              <a:t>-0.26416</a:t>
+            </a:r>
+            <a:endParaRPr lang="zh-CN" altLang="en-US" sz="1200" dirty="0">
+              <a:solidFill>
+                <a:schemeClr val="bg1"/>
+              </a:solidFill>
+            </a:endParaRPr>
+          </a:p>
+        </p:txBody>
+      </p:sp>
+      <p:sp>
+        <p:nvSpPr>
+          <p:cNvPr id="13" name="TextBox 12">
+            <a:extLst>
+              <a:ext uri="{FF2B5EF4-FFF2-40B4-BE49-F238E27FC236}">
+                <a16:creationId xmlns:a16="http://schemas.microsoft.com/office/drawing/2014/main" id="{78BFAE8B-378F-4EC9-B0E5-2326CE41CBEA}"/>
+              </a:ext>
+            </a:extLst>
+          </p:cNvPr>
+          <p:cNvSpPr txBox="1"/>
+          <p:nvPr/>
+        </p:nvSpPr>
+        <p:spPr>
+          <a:xfrm>
+            <a:off x="4114800" y="4179276"/>
+            <a:ext cx="957944" cy="276999"/>
+          </a:xfrm>
+          <a:prstGeom prst="rect">
+            <a:avLst/>
+          </a:prstGeom>
+          <a:noFill/>
+        </p:spPr>
+        <p:txBody>
+          <a:bodyPr wrap="square" rtlCol="0">
+            <a:spAutoFit/>
+          </a:bodyPr>
+          <a:lstStyle/>
+          <a:p>
+            <a:pPr algn="ctr"/>
+            <a:r>
+              <a:rPr lang="en-US" altLang="zh-CN" sz="1200" dirty="0">
+                <a:solidFill>
+                  <a:schemeClr val="bg1"/>
+                </a:solidFill>
+              </a:rPr>
+              <a:t>0.10620</a:t>
+            </a:r>
+            <a:endParaRPr lang="zh-CN" altLang="en-US" sz="1200" dirty="0">
+              <a:solidFill>
+                <a:schemeClr val="bg1"/>
+              </a:solidFill>
+            </a:endParaRPr>
+          </a:p>
+        </p:txBody>
+      </p:sp>
+      <p:sp>
+        <p:nvSpPr>
+          <p:cNvPr id="14" name="TextBox 13">
+            <a:extLst>
+              <a:ext uri="{FF2B5EF4-FFF2-40B4-BE49-F238E27FC236}">
+                <a16:creationId xmlns:a16="http://schemas.microsoft.com/office/drawing/2014/main" id="{CA433686-5951-4C38-9ABE-41229D0BB330}"/>
+              </a:ext>
+            </a:extLst>
+          </p:cNvPr>
+          <p:cNvSpPr txBox="1"/>
+          <p:nvPr/>
+        </p:nvSpPr>
+        <p:spPr>
+          <a:xfrm>
+            <a:off x="4106091" y="4378229"/>
+            <a:ext cx="957944" cy="276999"/>
+          </a:xfrm>
+          <a:prstGeom prst="rect">
+            <a:avLst/>
+          </a:prstGeom>
+          <a:noFill/>
+        </p:spPr>
+        <p:txBody>
+          <a:bodyPr wrap="square" rtlCol="0">
+            <a:spAutoFit/>
+          </a:bodyPr>
+          <a:lstStyle/>
+          <a:p>
+            <a:pPr algn="ctr"/>
+            <a:r>
+              <a:rPr lang="en-US" altLang="zh-CN" sz="1200" dirty="0">
+                <a:solidFill>
+                  <a:schemeClr val="bg1"/>
+                </a:solidFill>
+              </a:rPr>
+              <a:t>-0.16797</a:t>
+            </a:r>
+            <a:endParaRPr lang="zh-CN" altLang="en-US" sz="1200" dirty="0">
+              <a:solidFill>
+                <a:schemeClr val="bg1"/>
+              </a:solidFill>
+            </a:endParaRPr>
+          </a:p>
+        </p:txBody>
+      </p:sp>
+      <p:sp>
+        <p:nvSpPr>
+          <p:cNvPr id="15" name="TextBox 14">
+            <a:extLst>
+              <a:ext uri="{FF2B5EF4-FFF2-40B4-BE49-F238E27FC236}">
+                <a16:creationId xmlns:a16="http://schemas.microsoft.com/office/drawing/2014/main" id="{1D698DE9-A2C5-4328-AA6D-5D93F3B29B73}"/>
+              </a:ext>
+            </a:extLst>
+          </p:cNvPr>
+          <p:cNvSpPr txBox="1"/>
+          <p:nvPr/>
+        </p:nvSpPr>
+        <p:spPr>
+          <a:xfrm>
+            <a:off x="4114803" y="4569824"/>
+            <a:ext cx="957944" cy="276999"/>
+          </a:xfrm>
+          <a:prstGeom prst="rect">
+            <a:avLst/>
+          </a:prstGeom>
+          <a:noFill/>
+        </p:spPr>
+        <p:txBody>
+          <a:bodyPr wrap="square" rtlCol="0">
+            <a:spAutoFit/>
+          </a:bodyPr>
+          <a:lstStyle/>
+          <a:p>
+            <a:pPr algn="ctr"/>
+            <a:r>
+              <a:rPr lang="en-US" altLang="zh-CN" sz="1200" dirty="0">
+                <a:solidFill>
+                  <a:schemeClr val="bg1"/>
+                </a:solidFill>
+              </a:rPr>
+              <a:t>-0.04712</a:t>
+            </a:r>
+            <a:endParaRPr lang="zh-CN" altLang="en-US" sz="1200" dirty="0">
+              <a:solidFill>
+                <a:schemeClr val="bg1"/>
+              </a:solidFill>
+            </a:endParaRPr>
+          </a:p>
+        </p:txBody>
+      </p:sp>
+      <p:sp>
+        <p:nvSpPr>
+          <p:cNvPr id="16" name="TextBox 15">
+            <a:extLst>
+              <a:ext uri="{FF2B5EF4-FFF2-40B4-BE49-F238E27FC236}">
+                <a16:creationId xmlns:a16="http://schemas.microsoft.com/office/drawing/2014/main" id="{F69E525D-A7C3-4C0D-9406-BA4A8E59003F}"/>
+              </a:ext>
+            </a:extLst>
+          </p:cNvPr>
+          <p:cNvSpPr txBox="1"/>
+          <p:nvPr/>
+        </p:nvSpPr>
+        <p:spPr>
+          <a:xfrm>
+            <a:off x="4119156" y="4750526"/>
+            <a:ext cx="957944" cy="276999"/>
+          </a:xfrm>
+          <a:prstGeom prst="rect">
+            <a:avLst/>
+          </a:prstGeom>
+          <a:noFill/>
+        </p:spPr>
+        <p:txBody>
+          <a:bodyPr wrap="square" rtlCol="0">
+            <a:spAutoFit/>
+          </a:bodyPr>
+          <a:lstStyle/>
+          <a:p>
+            <a:pPr algn="ctr"/>
+            <a:r>
+              <a:rPr lang="en-US" altLang="zh-CN" sz="1200" dirty="0">
+                <a:solidFill>
+                  <a:schemeClr val="bg1"/>
+                </a:solidFill>
+              </a:rPr>
+              <a:t>-0.25232</a:t>
+            </a:r>
+            <a:endParaRPr lang="zh-CN" altLang="en-US" sz="1200" dirty="0">
+              <a:solidFill>
+                <a:schemeClr val="bg1"/>
+              </a:solidFill>
+            </a:endParaRPr>
+          </a:p>
+        </p:txBody>
+      </p:sp>
+      <p:sp>
+        <p:nvSpPr>
+          <p:cNvPr id="17" name="TextBox 16">
+            <a:extLst>
+              <a:ext uri="{FF2B5EF4-FFF2-40B4-BE49-F238E27FC236}">
+                <a16:creationId xmlns:a16="http://schemas.microsoft.com/office/drawing/2014/main" id="{8C5E0B46-2FA3-451F-B37C-FD039E41E632}"/>
+              </a:ext>
+            </a:extLst>
+          </p:cNvPr>
+          <p:cNvSpPr txBox="1"/>
+          <p:nvPr/>
+        </p:nvSpPr>
+        <p:spPr>
+          <a:xfrm>
+            <a:off x="4119156" y="4941279"/>
+            <a:ext cx="957944" cy="276999"/>
+          </a:xfrm>
+          <a:prstGeom prst="rect">
+            <a:avLst/>
+          </a:prstGeom>
+          <a:noFill/>
+        </p:spPr>
+        <p:txBody>
+          <a:bodyPr wrap="square" rtlCol="0">
+            <a:spAutoFit/>
+          </a:bodyPr>
+          <a:lstStyle/>
+          <a:p>
+            <a:pPr algn="ctr"/>
+            <a:r>
+              <a:rPr lang="en-US" altLang="zh-CN" sz="1200" dirty="0">
+                <a:solidFill>
+                  <a:schemeClr val="bg1"/>
+                </a:solidFill>
+              </a:rPr>
+              <a:t>0.07605</a:t>
+            </a:r>
+            <a:endParaRPr lang="zh-CN" altLang="en-US" sz="1200" dirty="0">
+              <a:solidFill>
+                <a:schemeClr val="bg1"/>
+              </a:solidFill>
+            </a:endParaRPr>
+          </a:p>
+        </p:txBody>
+      </p:sp>
+      <p:sp>
+        <p:nvSpPr>
+          <p:cNvPr id="18" name="TextBox 17">
+            <a:extLst>
+              <a:ext uri="{FF2B5EF4-FFF2-40B4-BE49-F238E27FC236}">
+                <a16:creationId xmlns:a16="http://schemas.microsoft.com/office/drawing/2014/main" id="{19C85900-D7E7-4EAD-BFE9-CD1138977CA6}"/>
+              </a:ext>
+            </a:extLst>
+          </p:cNvPr>
+          <p:cNvSpPr txBox="1"/>
+          <p:nvPr/>
+        </p:nvSpPr>
+        <p:spPr>
+          <a:xfrm>
+            <a:off x="4110447" y="5140232"/>
+            <a:ext cx="957944" cy="276999"/>
+          </a:xfrm>
+          <a:prstGeom prst="rect">
+            <a:avLst/>
+          </a:prstGeom>
+          <a:noFill/>
+        </p:spPr>
+        <p:txBody>
+          <a:bodyPr wrap="square" rtlCol="0">
+            <a:spAutoFit/>
+          </a:bodyPr>
+          <a:lstStyle/>
+          <a:p>
+            <a:pPr algn="ctr"/>
+            <a:r>
+              <a:rPr lang="en-US" altLang="zh-CN" sz="1200" dirty="0">
+                <a:solidFill>
+                  <a:schemeClr val="bg1"/>
+                </a:solidFill>
+              </a:rPr>
+              <a:t>0.05005</a:t>
+            </a:r>
+            <a:endParaRPr lang="zh-CN" altLang="en-US" sz="1200" dirty="0">
+              <a:solidFill>
+                <a:schemeClr val="bg1"/>
+              </a:solidFill>
+            </a:endParaRPr>
+          </a:p>
+        </p:txBody>
+      </p:sp>
+      <p:pic>
+        <p:nvPicPr>
+          <p:cNvPr id="19" name="Picture 18">
+            <a:extLst>
+              <a:ext uri="{FF2B5EF4-FFF2-40B4-BE49-F238E27FC236}">
+                <a16:creationId xmlns:a16="http://schemas.microsoft.com/office/drawing/2014/main" id="{4849BA26-D51B-423D-B27D-6354EB88D2C3}"/>
+              </a:ext>
+            </a:extLst>
+          </p:cNvPr>
+          <p:cNvPicPr>
+            <a:picLocks noChangeAspect="1"/>
+          </p:cNvPicPr>
+          <p:nvPr/>
+        </p:nvPicPr>
+        <p:blipFill>
+          <a:blip r:embed="rId4"/>
+          <a:stretch>
+            <a:fillRect/>
+          </a:stretch>
+        </p:blipFill>
+        <p:spPr>
+          <a:xfrm>
+            <a:off x="8218306" y="3505491"/>
+            <a:ext cx="3819525" cy="1857375"/>
+          </a:xfrm>
+          <a:prstGeom prst="rect">
+            <a:avLst/>
+          </a:prstGeom>
+        </p:spPr>
+      </p:pic>
+      <p:sp>
+        <p:nvSpPr>
+          <p:cNvPr id="20" name="TextBox 19">
+            <a:extLst>
+              <a:ext uri="{FF2B5EF4-FFF2-40B4-BE49-F238E27FC236}">
+                <a16:creationId xmlns:a16="http://schemas.microsoft.com/office/drawing/2014/main" id="{B90A11FA-59BA-4A3A-B9D1-30C68FAE4C6A}"/>
+              </a:ext>
+            </a:extLst>
+          </p:cNvPr>
+          <p:cNvSpPr txBox="1"/>
+          <p:nvPr/>
+        </p:nvSpPr>
+        <p:spPr>
+          <a:xfrm>
+            <a:off x="8588981" y="5422372"/>
+            <a:ext cx="3448850" cy="369332"/>
+          </a:xfrm>
+          <a:prstGeom prst="rect">
+            <a:avLst/>
+          </a:prstGeom>
+          <a:noFill/>
+        </p:spPr>
+        <p:txBody>
+          <a:bodyPr wrap="square" rtlCol="0">
+            <a:spAutoFit/>
+          </a:bodyPr>
+          <a:lstStyle/>
+          <a:p>
+            <a:pPr algn="ctr"/>
+            <a:r>
+              <a:rPr lang="en-US" altLang="zh-CN" dirty="0"/>
+              <a:t>LED 4 is correctly lit up</a:t>
+            </a:r>
+            <a:endParaRPr lang="zh-CN" altLang="en-US" dirty="0"/>
+          </a:p>
+        </p:txBody>
+      </p:sp>
+    </p:spTree>
+    <p:extLst>
+      <p:ext uri="{BB962C8B-B14F-4D97-AF65-F5344CB8AC3E}">
+        <p14:creationId xmlns:p14="http://schemas.microsoft.com/office/powerpoint/2010/main" val="2507819244"/>
+      </p:ext>
+    </p:extLst>
+  </p:cSld>
+  <p:clrMapOvr>
+    <a:masterClrMapping/>
+  </p:clrMapOvr>
+</p:sld>
+</file>
+
+<file path=ppt/slides/slide15.xml><?xml version="1.0" encoding="utf-8"?>
+<p:sld xmlns:a="http://schemas.openxmlformats.org/drawingml/2006/main" xmlns:r="http://schemas.openxmlformats.org/officeDocument/2006/relationships" xmlns:p="http://schemas.openxmlformats.org/presentationml/2006/main">
+  <p:cSld>
+    <p:spTree>
+      <p:nvGrpSpPr>
+        <p:cNvPr id="1" name=""/>
+        <p:cNvGrpSpPr/>
+        <p:nvPr/>
+      </p:nvGrpSpPr>
+      <p:grpSpPr>
+        <a:xfrm>
+          <a:off x="0" y="0"/>
+          <a:ext cx="0" cy="0"/>
+          <a:chOff x="0" y="0"/>
+          <a:chExt cx="0" cy="0"/>
+        </a:xfrm>
+      </p:grpSpPr>
+      <p:sp>
+        <p:nvSpPr>
+          <p:cNvPr id="2" name="Title 1">
+            <a:extLst>
+              <a:ext uri="{FF2B5EF4-FFF2-40B4-BE49-F238E27FC236}">
+                <a16:creationId xmlns:a16="http://schemas.microsoft.com/office/drawing/2014/main" id="{23731E27-EBAD-4627-A385-28EA717BFA79}"/>
+              </a:ext>
+            </a:extLst>
+          </p:cNvPr>
+          <p:cNvSpPr>
+            <a:spLocks noGrp="1"/>
+          </p:cNvSpPr>
+          <p:nvPr>
+            <p:ph type="title"/>
+          </p:nvPr>
+        </p:nvSpPr>
+        <p:spPr/>
+        <p:txBody>
+          <a:bodyPr/>
+          <a:lstStyle/>
+          <a:p>
+            <a:r>
+              <a:rPr lang="en-US" altLang="zh-CN" dirty="0"/>
+              <a:t>Verification: FC2 Backward (320 + 320 Cycles)</a:t>
+            </a:r>
+            <a:endParaRPr lang="zh-CN" altLang="en-US" dirty="0"/>
+          </a:p>
+        </p:txBody>
+      </p:sp>
+      <p:pic>
+        <p:nvPicPr>
+          <p:cNvPr id="4" name="Picture 3">
+            <a:extLst>
+              <a:ext uri="{FF2B5EF4-FFF2-40B4-BE49-F238E27FC236}">
+                <a16:creationId xmlns:a16="http://schemas.microsoft.com/office/drawing/2014/main" id="{58121163-BD93-4A9E-B6D5-747DE241148C}"/>
+              </a:ext>
+            </a:extLst>
+          </p:cNvPr>
+          <p:cNvPicPr>
+            <a:picLocks noChangeAspect="1"/>
+          </p:cNvPicPr>
+          <p:nvPr/>
+        </p:nvPicPr>
+        <p:blipFill>
+          <a:blip r:embed="rId2"/>
+          <a:stretch>
+            <a:fillRect/>
+          </a:stretch>
+        </p:blipFill>
+        <p:spPr>
+          <a:xfrm>
+            <a:off x="2369549" y="2508614"/>
+            <a:ext cx="3028950" cy="1562100"/>
+          </a:xfrm>
+          <a:prstGeom prst="rect">
+            <a:avLst/>
+          </a:prstGeom>
+        </p:spPr>
+      </p:pic>
+      <p:pic>
+        <p:nvPicPr>
+          <p:cNvPr id="5" name="Picture 4">
+            <a:extLst>
+              <a:ext uri="{FF2B5EF4-FFF2-40B4-BE49-F238E27FC236}">
+                <a16:creationId xmlns:a16="http://schemas.microsoft.com/office/drawing/2014/main" id="{341A0C62-97E6-4F8C-8EE5-4D31C95E5213}"/>
+              </a:ext>
+            </a:extLst>
+          </p:cNvPr>
+          <p:cNvPicPr>
+            <a:picLocks noChangeAspect="1"/>
+          </p:cNvPicPr>
+          <p:nvPr/>
+        </p:nvPicPr>
+        <p:blipFill>
+          <a:blip r:embed="rId3"/>
+          <a:stretch>
+            <a:fillRect/>
+          </a:stretch>
+        </p:blipFill>
+        <p:spPr>
+          <a:xfrm>
+            <a:off x="2369549" y="4044587"/>
+            <a:ext cx="2857500" cy="1562100"/>
+          </a:xfrm>
+          <a:prstGeom prst="rect">
+            <a:avLst/>
+          </a:prstGeom>
+        </p:spPr>
+      </p:pic>
+      <p:sp>
+        <p:nvSpPr>
+          <p:cNvPr id="6" name="TextBox 5">
+            <a:extLst>
+              <a:ext uri="{FF2B5EF4-FFF2-40B4-BE49-F238E27FC236}">
+                <a16:creationId xmlns:a16="http://schemas.microsoft.com/office/drawing/2014/main" id="{EE435EAC-5D12-4776-8B02-BF66E07B6A34}"/>
+              </a:ext>
+            </a:extLst>
+          </p:cNvPr>
+          <p:cNvSpPr txBox="1"/>
+          <p:nvPr/>
+        </p:nvSpPr>
+        <p:spPr>
+          <a:xfrm>
+            <a:off x="7346907" y="2185852"/>
+            <a:ext cx="4885508" cy="3139321"/>
+          </a:xfrm>
+          <a:prstGeom prst="rect">
+            <a:avLst/>
+          </a:prstGeom>
+          <a:noFill/>
+        </p:spPr>
+        <p:txBody>
+          <a:bodyPr wrap="square" rtlCol="0">
+            <a:spAutoFit/>
+          </a:bodyPr>
+          <a:lstStyle/>
+          <a:p>
+            <a:r>
+              <a:rPr lang="en-US" altLang="zh-CN" dirty="0"/>
+              <a:t>FC2 backward pass finished in Cycle 1773.</a:t>
+            </a:r>
+          </a:p>
+          <a:p>
+            <a:endParaRPr lang="en-US" altLang="zh-CN" dirty="0"/>
+          </a:p>
+          <a:p>
+            <a:r>
+              <a:rPr lang="en-US" altLang="zh-CN" dirty="0"/>
+              <a:t>FC0 Forward – 384 Cycles</a:t>
+            </a:r>
+          </a:p>
+          <a:p>
+            <a:r>
+              <a:rPr lang="en-US" altLang="zh-CN" dirty="0"/>
+              <a:t>FC1 Forward – 392 Cycles</a:t>
+            </a:r>
+          </a:p>
+          <a:p>
+            <a:r>
+              <a:rPr lang="en-US" altLang="zh-CN" dirty="0"/>
+              <a:t>FC2 Forward – 320 Cycles</a:t>
+            </a:r>
+          </a:p>
+          <a:p>
+            <a:r>
+              <a:rPr lang="en-US" altLang="zh-CN" dirty="0"/>
+              <a:t>FC2 Backward – 320 + 320 Cycles</a:t>
+            </a:r>
+          </a:p>
+          <a:p>
+            <a:endParaRPr lang="en-US" altLang="zh-CN" dirty="0"/>
+          </a:p>
+          <a:p>
+            <a:r>
+              <a:rPr lang="en-US" altLang="zh-CN" dirty="0"/>
+              <a:t>Total = 384 + 392 + 320 + 320 + 320</a:t>
+            </a:r>
+          </a:p>
+          <a:p>
+            <a:r>
+              <a:rPr lang="en-US" altLang="zh-CN" dirty="0"/>
+              <a:t>Total = 1736 Cycles</a:t>
+            </a:r>
+          </a:p>
+          <a:p>
+            <a:endParaRPr lang="en-US" altLang="zh-CN" dirty="0"/>
+          </a:p>
+          <a:p>
+            <a:r>
+              <a:rPr lang="en-US" altLang="zh-CN" dirty="0"/>
+              <a:t>Other cycles are from reset and pipelining latency</a:t>
+            </a:r>
+            <a:endParaRPr lang="zh-CN" altLang="en-US" dirty="0"/>
+          </a:p>
+        </p:txBody>
+      </p:sp>
+      <p:sp>
+        <p:nvSpPr>
+          <p:cNvPr id="7" name="TextBox 6">
+            <a:extLst>
+              <a:ext uri="{FF2B5EF4-FFF2-40B4-BE49-F238E27FC236}">
+                <a16:creationId xmlns:a16="http://schemas.microsoft.com/office/drawing/2014/main" id="{5157B402-F119-4B43-829C-6B765482BAC7}"/>
+              </a:ext>
+            </a:extLst>
+          </p:cNvPr>
+          <p:cNvSpPr txBox="1"/>
+          <p:nvPr/>
+        </p:nvSpPr>
+        <p:spPr>
+          <a:xfrm>
+            <a:off x="444136" y="1358232"/>
+            <a:ext cx="6902771" cy="923330"/>
+          </a:xfrm>
+          <a:prstGeom prst="rect">
+            <a:avLst/>
+          </a:prstGeom>
+          <a:noFill/>
+        </p:spPr>
+        <p:txBody>
+          <a:bodyPr wrap="square" rtlCol="0">
+            <a:spAutoFit/>
+          </a:bodyPr>
+          <a:lstStyle/>
+          <a:p>
+            <a:pPr algn="ctr"/>
+            <a:r>
+              <a:rPr lang="en-US" altLang="zh-CN" dirty="0"/>
+              <a:t>Simulation Output and Python Verification output</a:t>
+            </a:r>
+          </a:p>
+          <a:p>
+            <a:pPr algn="ctr"/>
+            <a:r>
+              <a:rPr lang="en-US" altLang="zh-CN" dirty="0"/>
+              <a:t>Neuron gradients 5 – 63 not shown</a:t>
+            </a:r>
+          </a:p>
+          <a:p>
+            <a:pPr algn="ctr"/>
+            <a:r>
+              <a:rPr lang="en-US" altLang="zh-CN" dirty="0"/>
+              <a:t>Weight gradients 6 – 639 not shown</a:t>
+            </a:r>
+            <a:endParaRPr lang="zh-CN" altLang="en-US" dirty="0"/>
+          </a:p>
+        </p:txBody>
+      </p:sp>
+      <p:pic>
+        <p:nvPicPr>
+          <p:cNvPr id="8" name="Picture 7">
+            <a:extLst>
+              <a:ext uri="{FF2B5EF4-FFF2-40B4-BE49-F238E27FC236}">
+                <a16:creationId xmlns:a16="http://schemas.microsoft.com/office/drawing/2014/main" id="{7D36F5D8-DB2B-418C-B1F6-D7230698A420}"/>
+              </a:ext>
+            </a:extLst>
+          </p:cNvPr>
+          <p:cNvPicPr>
+            <a:picLocks noChangeAspect="1"/>
+          </p:cNvPicPr>
+          <p:nvPr/>
+        </p:nvPicPr>
+        <p:blipFill>
+          <a:blip r:embed="rId4"/>
+          <a:stretch>
+            <a:fillRect/>
+          </a:stretch>
+        </p:blipFill>
+        <p:spPr>
+          <a:xfrm>
+            <a:off x="4785364" y="4085817"/>
+            <a:ext cx="2457450" cy="1514475"/>
+          </a:xfrm>
+          <a:prstGeom prst="rect">
+            <a:avLst/>
+          </a:prstGeom>
+        </p:spPr>
+      </p:pic>
+      <p:pic>
+        <p:nvPicPr>
+          <p:cNvPr id="9" name="Picture 8">
+            <a:extLst>
+              <a:ext uri="{FF2B5EF4-FFF2-40B4-BE49-F238E27FC236}">
+                <a16:creationId xmlns:a16="http://schemas.microsoft.com/office/drawing/2014/main" id="{47E49B7D-2EED-425C-A171-200A6EF18252}"/>
+              </a:ext>
+            </a:extLst>
+          </p:cNvPr>
+          <p:cNvPicPr>
+            <a:picLocks noChangeAspect="1"/>
+          </p:cNvPicPr>
+          <p:nvPr/>
+        </p:nvPicPr>
+        <p:blipFill>
+          <a:blip r:embed="rId5"/>
+          <a:stretch>
+            <a:fillRect/>
+          </a:stretch>
+        </p:blipFill>
+        <p:spPr>
+          <a:xfrm>
+            <a:off x="4797611" y="2929212"/>
+            <a:ext cx="2457450" cy="1152525"/>
+          </a:xfrm>
+          <a:prstGeom prst="rect">
+            <a:avLst/>
+          </a:prstGeom>
+        </p:spPr>
+      </p:pic>
+      <p:sp>
+        <p:nvSpPr>
+          <p:cNvPr id="19" name="TextBox 18">
+            <a:extLst>
+              <a:ext uri="{FF2B5EF4-FFF2-40B4-BE49-F238E27FC236}">
+                <a16:creationId xmlns:a16="http://schemas.microsoft.com/office/drawing/2014/main" id="{80B70E25-1286-4F0B-8F5E-60CE4F4B1AB1}"/>
+              </a:ext>
+            </a:extLst>
+          </p:cNvPr>
+          <p:cNvSpPr txBox="1"/>
+          <p:nvPr/>
+        </p:nvSpPr>
+        <p:spPr>
+          <a:xfrm>
+            <a:off x="3655970" y="3088161"/>
+            <a:ext cx="957944" cy="276999"/>
+          </a:xfrm>
+          <a:prstGeom prst="rect">
+            <a:avLst/>
+          </a:prstGeom>
+          <a:noFill/>
+        </p:spPr>
+        <p:txBody>
+          <a:bodyPr wrap="square" rtlCol="0">
+            <a:spAutoFit/>
+          </a:bodyPr>
+          <a:lstStyle/>
+          <a:p>
+            <a:pPr algn="ctr"/>
+            <a:r>
+              <a:rPr lang="en-US" altLang="zh-CN" sz="1200" dirty="0">
+                <a:solidFill>
+                  <a:schemeClr val="bg1"/>
+                </a:solidFill>
+              </a:rPr>
+              <a:t>0.08911</a:t>
+            </a:r>
+            <a:endParaRPr lang="zh-CN" altLang="en-US" sz="1200" dirty="0">
+              <a:solidFill>
+                <a:schemeClr val="bg1"/>
+              </a:solidFill>
+            </a:endParaRPr>
+          </a:p>
+        </p:txBody>
+      </p:sp>
+      <p:sp>
+        <p:nvSpPr>
+          <p:cNvPr id="20" name="TextBox 19">
+            <a:extLst>
+              <a:ext uri="{FF2B5EF4-FFF2-40B4-BE49-F238E27FC236}">
+                <a16:creationId xmlns:a16="http://schemas.microsoft.com/office/drawing/2014/main" id="{A55DC4A7-7255-4EE9-A847-ACB2FFE65658}"/>
+              </a:ext>
+            </a:extLst>
+          </p:cNvPr>
+          <p:cNvSpPr txBox="1"/>
+          <p:nvPr/>
+        </p:nvSpPr>
+        <p:spPr>
+          <a:xfrm>
+            <a:off x="3655970" y="3278914"/>
+            <a:ext cx="957944" cy="276999"/>
+          </a:xfrm>
+          <a:prstGeom prst="rect">
+            <a:avLst/>
+          </a:prstGeom>
+          <a:noFill/>
+        </p:spPr>
+        <p:txBody>
+          <a:bodyPr wrap="square" rtlCol="0">
+            <a:spAutoFit/>
+          </a:bodyPr>
+          <a:lstStyle/>
+          <a:p>
+            <a:pPr algn="ctr"/>
+            <a:r>
+              <a:rPr lang="en-US" altLang="zh-CN" sz="1200" dirty="0">
+                <a:solidFill>
+                  <a:schemeClr val="bg1"/>
+                </a:solidFill>
+              </a:rPr>
+              <a:t>0.06592</a:t>
+            </a:r>
+            <a:endParaRPr lang="zh-CN" altLang="en-US" sz="1200" dirty="0">
+              <a:solidFill>
+                <a:schemeClr val="bg1"/>
+              </a:solidFill>
+            </a:endParaRPr>
+          </a:p>
+        </p:txBody>
+      </p:sp>
+      <p:sp>
+        <p:nvSpPr>
+          <p:cNvPr id="21" name="TextBox 20">
+            <a:extLst>
+              <a:ext uri="{FF2B5EF4-FFF2-40B4-BE49-F238E27FC236}">
+                <a16:creationId xmlns:a16="http://schemas.microsoft.com/office/drawing/2014/main" id="{ED64FA9A-D607-413A-B975-2B225E4799A8}"/>
+              </a:ext>
+            </a:extLst>
+          </p:cNvPr>
+          <p:cNvSpPr txBox="1"/>
+          <p:nvPr/>
+        </p:nvSpPr>
+        <p:spPr>
+          <a:xfrm>
+            <a:off x="3647261" y="3477867"/>
+            <a:ext cx="957944" cy="276999"/>
+          </a:xfrm>
+          <a:prstGeom prst="rect">
+            <a:avLst/>
+          </a:prstGeom>
+          <a:noFill/>
+        </p:spPr>
+        <p:txBody>
+          <a:bodyPr wrap="square" rtlCol="0">
+            <a:spAutoFit/>
+          </a:bodyPr>
+          <a:lstStyle/>
+          <a:p>
+            <a:pPr algn="ctr"/>
+            <a:r>
+              <a:rPr lang="en-US" altLang="zh-CN" sz="1200" dirty="0">
+                <a:solidFill>
+                  <a:schemeClr val="bg1"/>
+                </a:solidFill>
+              </a:rPr>
+              <a:t>-0.16260</a:t>
+            </a:r>
+            <a:endParaRPr lang="zh-CN" altLang="en-US" sz="1200" dirty="0">
+              <a:solidFill>
+                <a:schemeClr val="bg1"/>
+              </a:solidFill>
+            </a:endParaRPr>
+          </a:p>
+        </p:txBody>
+      </p:sp>
+      <p:sp>
+        <p:nvSpPr>
+          <p:cNvPr id="22" name="TextBox 21">
+            <a:extLst>
+              <a:ext uri="{FF2B5EF4-FFF2-40B4-BE49-F238E27FC236}">
+                <a16:creationId xmlns:a16="http://schemas.microsoft.com/office/drawing/2014/main" id="{4A72C2E6-33A6-4F0E-AB62-5AF0D850701F}"/>
+              </a:ext>
+            </a:extLst>
+          </p:cNvPr>
+          <p:cNvSpPr txBox="1"/>
+          <p:nvPr/>
+        </p:nvSpPr>
+        <p:spPr>
+          <a:xfrm>
+            <a:off x="3651614" y="3658569"/>
+            <a:ext cx="957944" cy="276999"/>
+          </a:xfrm>
+          <a:prstGeom prst="rect">
+            <a:avLst/>
+          </a:prstGeom>
+          <a:noFill/>
+        </p:spPr>
+        <p:txBody>
+          <a:bodyPr wrap="square" rtlCol="0">
+            <a:spAutoFit/>
+          </a:bodyPr>
+          <a:lstStyle/>
+          <a:p>
+            <a:pPr algn="ctr"/>
+            <a:r>
+              <a:rPr lang="en-US" altLang="zh-CN" sz="1200" dirty="0">
+                <a:solidFill>
+                  <a:schemeClr val="bg1"/>
+                </a:solidFill>
+              </a:rPr>
+              <a:t>-0.11328</a:t>
+            </a:r>
+            <a:endParaRPr lang="zh-CN" altLang="en-US" sz="1200" dirty="0">
+              <a:solidFill>
+                <a:schemeClr val="bg1"/>
+              </a:solidFill>
+            </a:endParaRPr>
+          </a:p>
+        </p:txBody>
+      </p:sp>
+      <p:sp>
+        <p:nvSpPr>
+          <p:cNvPr id="23" name="TextBox 22">
+            <a:extLst>
+              <a:ext uri="{FF2B5EF4-FFF2-40B4-BE49-F238E27FC236}">
+                <a16:creationId xmlns:a16="http://schemas.microsoft.com/office/drawing/2014/main" id="{F9241A53-4D92-4757-BA4E-33C0939478DC}"/>
+              </a:ext>
+            </a:extLst>
+          </p:cNvPr>
+          <p:cNvSpPr txBox="1"/>
+          <p:nvPr/>
+        </p:nvSpPr>
+        <p:spPr>
+          <a:xfrm>
+            <a:off x="3651614" y="3849322"/>
+            <a:ext cx="957944" cy="276999"/>
+          </a:xfrm>
+          <a:prstGeom prst="rect">
+            <a:avLst/>
+          </a:prstGeom>
+          <a:noFill/>
+        </p:spPr>
+        <p:txBody>
+          <a:bodyPr wrap="square" rtlCol="0">
+            <a:spAutoFit/>
+          </a:bodyPr>
+          <a:lstStyle/>
+          <a:p>
+            <a:pPr algn="ctr"/>
+            <a:r>
+              <a:rPr lang="en-US" altLang="zh-CN" sz="1200" dirty="0">
+                <a:solidFill>
+                  <a:schemeClr val="bg1"/>
+                </a:solidFill>
+              </a:rPr>
+              <a:t>0.07410</a:t>
+            </a:r>
+            <a:endParaRPr lang="zh-CN" altLang="en-US" sz="1200" dirty="0">
+              <a:solidFill>
+                <a:schemeClr val="bg1"/>
+              </a:solidFill>
+            </a:endParaRPr>
+          </a:p>
+        </p:txBody>
+      </p:sp>
+      <p:sp>
+        <p:nvSpPr>
+          <p:cNvPr id="24" name="TextBox 23">
+            <a:extLst>
+              <a:ext uri="{FF2B5EF4-FFF2-40B4-BE49-F238E27FC236}">
+                <a16:creationId xmlns:a16="http://schemas.microsoft.com/office/drawing/2014/main" id="{A97DA33D-0DB2-4DDF-9567-D089865D7519}"/>
+              </a:ext>
+            </a:extLst>
+          </p:cNvPr>
+          <p:cNvSpPr txBox="1"/>
+          <p:nvPr/>
+        </p:nvSpPr>
+        <p:spPr>
+          <a:xfrm>
+            <a:off x="3669035" y="4411661"/>
+            <a:ext cx="957944" cy="276999"/>
+          </a:xfrm>
+          <a:prstGeom prst="rect">
+            <a:avLst/>
+          </a:prstGeom>
+          <a:noFill/>
+        </p:spPr>
+        <p:txBody>
+          <a:bodyPr wrap="square" rtlCol="0">
+            <a:spAutoFit/>
+          </a:bodyPr>
+          <a:lstStyle/>
+          <a:p>
+            <a:pPr algn="ctr"/>
+            <a:r>
+              <a:rPr lang="en-US" altLang="zh-CN" sz="1200" dirty="0">
+                <a:solidFill>
+                  <a:schemeClr val="bg1"/>
+                </a:solidFill>
+              </a:rPr>
+              <a:t>0.01257</a:t>
+            </a:r>
+            <a:endParaRPr lang="zh-CN" altLang="en-US" sz="1200" dirty="0">
+              <a:solidFill>
+                <a:schemeClr val="bg1"/>
+              </a:solidFill>
+            </a:endParaRPr>
+          </a:p>
+        </p:txBody>
+      </p:sp>
+      <p:sp>
+        <p:nvSpPr>
+          <p:cNvPr id="25" name="TextBox 24">
+            <a:extLst>
+              <a:ext uri="{FF2B5EF4-FFF2-40B4-BE49-F238E27FC236}">
+                <a16:creationId xmlns:a16="http://schemas.microsoft.com/office/drawing/2014/main" id="{4FAB5815-1346-4764-A7F1-F08C36F3B2C5}"/>
+              </a:ext>
+            </a:extLst>
+          </p:cNvPr>
+          <p:cNvSpPr txBox="1"/>
+          <p:nvPr/>
+        </p:nvSpPr>
+        <p:spPr>
+          <a:xfrm>
+            <a:off x="3669035" y="4602414"/>
+            <a:ext cx="957944" cy="276999"/>
+          </a:xfrm>
+          <a:prstGeom prst="rect">
+            <a:avLst/>
+          </a:prstGeom>
+          <a:noFill/>
+        </p:spPr>
+        <p:txBody>
+          <a:bodyPr wrap="square" rtlCol="0">
+            <a:spAutoFit/>
+          </a:bodyPr>
+          <a:lstStyle/>
+          <a:p>
+            <a:pPr algn="ctr"/>
+            <a:r>
+              <a:rPr lang="en-US" altLang="zh-CN" sz="1200" dirty="0">
+                <a:solidFill>
+                  <a:schemeClr val="bg1"/>
+                </a:solidFill>
+              </a:rPr>
+              <a:t>0.02148</a:t>
+            </a:r>
+            <a:endParaRPr lang="zh-CN" altLang="en-US" sz="1200" dirty="0">
+              <a:solidFill>
+                <a:schemeClr val="bg1"/>
+              </a:solidFill>
+            </a:endParaRPr>
+          </a:p>
+        </p:txBody>
+      </p:sp>
+      <p:sp>
+        <p:nvSpPr>
+          <p:cNvPr id="26" name="TextBox 25">
+            <a:extLst>
+              <a:ext uri="{FF2B5EF4-FFF2-40B4-BE49-F238E27FC236}">
+                <a16:creationId xmlns:a16="http://schemas.microsoft.com/office/drawing/2014/main" id="{CD90CFEA-101F-4747-9229-E635C08C1D03}"/>
+              </a:ext>
+            </a:extLst>
+          </p:cNvPr>
+          <p:cNvSpPr txBox="1"/>
+          <p:nvPr/>
+        </p:nvSpPr>
+        <p:spPr>
+          <a:xfrm>
+            <a:off x="3660326" y="4801367"/>
+            <a:ext cx="957944" cy="276999"/>
+          </a:xfrm>
+          <a:prstGeom prst="rect">
+            <a:avLst/>
+          </a:prstGeom>
+          <a:noFill/>
+        </p:spPr>
+        <p:txBody>
+          <a:bodyPr wrap="square" rtlCol="0">
+            <a:spAutoFit/>
+          </a:bodyPr>
+          <a:lstStyle/>
+          <a:p>
+            <a:pPr algn="ctr"/>
+            <a:r>
+              <a:rPr lang="en-US" altLang="zh-CN" sz="1200" dirty="0">
+                <a:solidFill>
+                  <a:schemeClr val="bg1"/>
+                </a:solidFill>
+              </a:rPr>
+              <a:t>0</a:t>
+            </a:r>
+            <a:endParaRPr lang="zh-CN" altLang="en-US" sz="1200" dirty="0">
+              <a:solidFill>
+                <a:schemeClr val="bg1"/>
+              </a:solidFill>
+            </a:endParaRPr>
+          </a:p>
+        </p:txBody>
+      </p:sp>
+      <p:sp>
+        <p:nvSpPr>
+          <p:cNvPr id="27" name="TextBox 26">
+            <a:extLst>
+              <a:ext uri="{FF2B5EF4-FFF2-40B4-BE49-F238E27FC236}">
+                <a16:creationId xmlns:a16="http://schemas.microsoft.com/office/drawing/2014/main" id="{8A47BA24-38BE-41A5-9503-DE45C83B3056}"/>
+              </a:ext>
+            </a:extLst>
+          </p:cNvPr>
+          <p:cNvSpPr txBox="1"/>
+          <p:nvPr/>
+        </p:nvSpPr>
+        <p:spPr>
+          <a:xfrm>
+            <a:off x="3664679" y="4982069"/>
+            <a:ext cx="957944" cy="276999"/>
+          </a:xfrm>
+          <a:prstGeom prst="rect">
+            <a:avLst/>
+          </a:prstGeom>
+          <a:noFill/>
+        </p:spPr>
+        <p:txBody>
+          <a:bodyPr wrap="square" rtlCol="0">
+            <a:spAutoFit/>
+          </a:bodyPr>
+          <a:lstStyle/>
+          <a:p>
+            <a:pPr algn="ctr"/>
+            <a:r>
+              <a:rPr lang="en-US" altLang="zh-CN" sz="1200" dirty="0">
+                <a:solidFill>
+                  <a:schemeClr val="bg1"/>
+                </a:solidFill>
+              </a:rPr>
+              <a:t>0</a:t>
+            </a:r>
+            <a:endParaRPr lang="zh-CN" altLang="en-US" sz="1200" dirty="0">
+              <a:solidFill>
+                <a:schemeClr val="bg1"/>
+              </a:solidFill>
+            </a:endParaRPr>
+          </a:p>
+        </p:txBody>
+      </p:sp>
+      <p:sp>
+        <p:nvSpPr>
+          <p:cNvPr id="28" name="TextBox 27">
+            <a:extLst>
+              <a:ext uri="{FF2B5EF4-FFF2-40B4-BE49-F238E27FC236}">
+                <a16:creationId xmlns:a16="http://schemas.microsoft.com/office/drawing/2014/main" id="{EC7335B2-E5D2-4131-A8CF-14E920F039A8}"/>
+              </a:ext>
+            </a:extLst>
+          </p:cNvPr>
+          <p:cNvSpPr txBox="1"/>
+          <p:nvPr/>
+        </p:nvSpPr>
+        <p:spPr>
+          <a:xfrm>
+            <a:off x="3664679" y="5172822"/>
+            <a:ext cx="957944" cy="276999"/>
+          </a:xfrm>
+          <a:prstGeom prst="rect">
+            <a:avLst/>
+          </a:prstGeom>
+          <a:noFill/>
+        </p:spPr>
+        <p:txBody>
+          <a:bodyPr wrap="square" rtlCol="0">
+            <a:spAutoFit/>
+          </a:bodyPr>
+          <a:lstStyle/>
+          <a:p>
+            <a:pPr algn="ctr"/>
+            <a:r>
+              <a:rPr lang="en-US" altLang="zh-CN" sz="1200" dirty="0">
+                <a:solidFill>
+                  <a:schemeClr val="bg1"/>
+                </a:solidFill>
+              </a:rPr>
+              <a:t>0</a:t>
+            </a:r>
+            <a:endParaRPr lang="zh-CN" altLang="en-US" sz="1200" dirty="0">
+              <a:solidFill>
+                <a:schemeClr val="bg1"/>
+              </a:solidFill>
+            </a:endParaRPr>
+          </a:p>
+        </p:txBody>
+      </p:sp>
+      <p:sp>
+        <p:nvSpPr>
+          <p:cNvPr id="29" name="TextBox 28">
+            <a:extLst>
+              <a:ext uri="{FF2B5EF4-FFF2-40B4-BE49-F238E27FC236}">
+                <a16:creationId xmlns:a16="http://schemas.microsoft.com/office/drawing/2014/main" id="{C3FEA474-B7ED-4860-B5E4-1FD6979115FB}"/>
+              </a:ext>
+            </a:extLst>
+          </p:cNvPr>
+          <p:cNvSpPr txBox="1"/>
+          <p:nvPr/>
+        </p:nvSpPr>
+        <p:spPr>
+          <a:xfrm>
+            <a:off x="3655970" y="5371775"/>
+            <a:ext cx="957944" cy="276999"/>
+          </a:xfrm>
+          <a:prstGeom prst="rect">
+            <a:avLst/>
+          </a:prstGeom>
+          <a:noFill/>
+        </p:spPr>
+        <p:txBody>
+          <a:bodyPr wrap="square" rtlCol="0">
+            <a:spAutoFit/>
+          </a:bodyPr>
+          <a:lstStyle/>
+          <a:p>
+            <a:pPr algn="ctr"/>
+            <a:r>
+              <a:rPr lang="en-US" altLang="zh-CN" sz="1200" dirty="0">
+                <a:solidFill>
+                  <a:schemeClr val="bg1"/>
+                </a:solidFill>
+              </a:rPr>
+              <a:t>0.02893</a:t>
+            </a:r>
+            <a:endParaRPr lang="zh-CN" altLang="en-US" sz="1200" dirty="0">
+              <a:solidFill>
+                <a:schemeClr val="bg1"/>
+              </a:solidFill>
+            </a:endParaRPr>
+          </a:p>
+        </p:txBody>
+      </p:sp>
+    </p:spTree>
+    <p:extLst>
+      <p:ext uri="{BB962C8B-B14F-4D97-AF65-F5344CB8AC3E}">
+        <p14:creationId xmlns:p14="http://schemas.microsoft.com/office/powerpoint/2010/main" val="3398562812"/>
+      </p:ext>
+    </p:extLst>
+  </p:cSld>
+  <p:clrMapOvr>
+    <a:masterClrMapping/>
+  </p:clrMapOvr>
+</p:sld>
+</file>
+
+<file path=ppt/slides/slide16.xml><?xml version="1.0" encoding="utf-8"?>
+<p:sld xmlns:a="http://schemas.openxmlformats.org/drawingml/2006/main" xmlns:r="http://schemas.openxmlformats.org/officeDocument/2006/relationships" xmlns:p="http://schemas.openxmlformats.org/presentationml/2006/main">
+  <p:cSld>
+    <p:spTree>
+      <p:nvGrpSpPr>
+        <p:cNvPr id="1" name=""/>
+        <p:cNvGrpSpPr/>
+        <p:nvPr/>
+      </p:nvGrpSpPr>
+      <p:grpSpPr>
+        <a:xfrm>
+          <a:off x="0" y="0"/>
+          <a:ext cx="0" cy="0"/>
+          <a:chOff x="0" y="0"/>
+          <a:chExt cx="0" cy="0"/>
+        </a:xfrm>
+      </p:grpSpPr>
+      <p:sp>
+        <p:nvSpPr>
+          <p:cNvPr id="2" name="Title 1">
+            <a:extLst>
+              <a:ext uri="{FF2B5EF4-FFF2-40B4-BE49-F238E27FC236}">
+                <a16:creationId xmlns:a16="http://schemas.microsoft.com/office/drawing/2014/main" id="{84EACA34-006E-403D-B859-58B9D285E7DC}"/>
+              </a:ext>
+            </a:extLst>
+          </p:cNvPr>
+          <p:cNvSpPr>
+            <a:spLocks noGrp="1"/>
+          </p:cNvSpPr>
+          <p:nvPr>
+            <p:ph type="title"/>
+          </p:nvPr>
+        </p:nvSpPr>
+        <p:spPr/>
+        <p:txBody>
+          <a:bodyPr/>
+          <a:lstStyle/>
+          <a:p>
+            <a:r>
+              <a:rPr lang="en-US" altLang="zh-CN" dirty="0"/>
+              <a:t>Resource Usage</a:t>
+            </a:r>
+            <a:endParaRPr lang="zh-CN" altLang="en-US" dirty="0"/>
+          </a:p>
+        </p:txBody>
+      </p:sp>
+      <p:sp>
+        <p:nvSpPr>
+          <p:cNvPr id="3" name="Content Placeholder 2">
+            <a:extLst>
+              <a:ext uri="{FF2B5EF4-FFF2-40B4-BE49-F238E27FC236}">
+                <a16:creationId xmlns:a16="http://schemas.microsoft.com/office/drawing/2014/main" id="{3662EEC5-0166-4442-B4B4-0965709E319B}"/>
+              </a:ext>
+            </a:extLst>
+          </p:cNvPr>
+          <p:cNvSpPr>
+            <a:spLocks noGrp="1"/>
+          </p:cNvSpPr>
+          <p:nvPr>
+            <p:ph idx="1"/>
+          </p:nvPr>
+        </p:nvSpPr>
+        <p:spPr>
+          <a:xfrm>
+            <a:off x="838200" y="1825624"/>
+            <a:ext cx="6067697" cy="5032375"/>
+          </a:xfrm>
+        </p:spPr>
+        <p:txBody>
+          <a:bodyPr>
+            <a:normAutofit fontScale="92500" lnSpcReduction="10000"/>
+          </a:bodyPr>
+          <a:lstStyle/>
+          <a:p>
+            <a:r>
+              <a:rPr lang="en-US" altLang="zh-CN" dirty="0"/>
+              <a:t>Recall we have 196, 16, and 2 computational kernels to perform MACs in layers FC0, FC1, and FC2</a:t>
+            </a:r>
+          </a:p>
+          <a:p>
+            <a:endParaRPr lang="en-US" altLang="zh-CN" dirty="0"/>
+          </a:p>
+          <a:p>
+            <a:r>
+              <a:rPr lang="en-US" altLang="zh-CN" dirty="0"/>
+              <a:t>Each kernel uses a DSP, this is 196+16+2 DSPs = 214 DSPs, which is what we can observe as reported by the </a:t>
+            </a:r>
+            <a:r>
+              <a:rPr lang="en-US" altLang="zh-CN" dirty="0" err="1"/>
+              <a:t>Vivado</a:t>
+            </a:r>
+            <a:r>
+              <a:rPr lang="en-US" altLang="zh-CN" dirty="0"/>
+              <a:t> synthesis tool</a:t>
+            </a:r>
+          </a:p>
+          <a:p>
+            <a:endParaRPr lang="en-US" altLang="zh-CN" dirty="0"/>
+          </a:p>
+          <a:p>
+            <a:r>
+              <a:rPr lang="en-US" altLang="zh-CN" dirty="0"/>
+              <a:t>Maximization of DSP usage has been accomplished. There is also enough BRAM to double the storage of each to store gradients for weights in BRAM</a:t>
+            </a:r>
+            <a:endParaRPr lang="zh-CN" altLang="en-US" dirty="0"/>
+          </a:p>
+        </p:txBody>
+      </p:sp>
+      <p:pic>
+        <p:nvPicPr>
+          <p:cNvPr id="4" name="Picture 3">
+            <a:extLst>
+              <a:ext uri="{FF2B5EF4-FFF2-40B4-BE49-F238E27FC236}">
+                <a16:creationId xmlns:a16="http://schemas.microsoft.com/office/drawing/2014/main" id="{6924AA4F-867F-4B38-84DA-CB5CC7C1CC48}"/>
+              </a:ext>
+            </a:extLst>
+          </p:cNvPr>
+          <p:cNvPicPr>
+            <a:picLocks noChangeAspect="1"/>
+          </p:cNvPicPr>
+          <p:nvPr/>
+        </p:nvPicPr>
+        <p:blipFill>
+          <a:blip r:embed="rId2"/>
+          <a:stretch>
+            <a:fillRect/>
+          </a:stretch>
+        </p:blipFill>
+        <p:spPr>
+          <a:xfrm>
+            <a:off x="7564483" y="4806451"/>
+            <a:ext cx="4343400" cy="1895475"/>
+          </a:xfrm>
+          <a:prstGeom prst="rect">
+            <a:avLst/>
+          </a:prstGeom>
+        </p:spPr>
+      </p:pic>
+      <p:pic>
+        <p:nvPicPr>
+          <p:cNvPr id="5" name="Picture 4">
+            <a:extLst>
+              <a:ext uri="{FF2B5EF4-FFF2-40B4-BE49-F238E27FC236}">
+                <a16:creationId xmlns:a16="http://schemas.microsoft.com/office/drawing/2014/main" id="{52214544-B9FF-414F-8941-7CAB35E33D04}"/>
+              </a:ext>
+            </a:extLst>
+          </p:cNvPr>
+          <p:cNvPicPr>
+            <a:picLocks noChangeAspect="1"/>
+          </p:cNvPicPr>
+          <p:nvPr/>
+        </p:nvPicPr>
+        <p:blipFill>
+          <a:blip r:embed="rId3"/>
+          <a:stretch>
+            <a:fillRect/>
+          </a:stretch>
+        </p:blipFill>
+        <p:spPr>
+          <a:xfrm>
+            <a:off x="7564483" y="2579143"/>
+            <a:ext cx="4596763" cy="1699714"/>
+          </a:xfrm>
+          <a:prstGeom prst="rect">
+            <a:avLst/>
+          </a:prstGeom>
+        </p:spPr>
+      </p:pic>
+    </p:spTree>
+    <p:extLst>
+      <p:ext uri="{BB962C8B-B14F-4D97-AF65-F5344CB8AC3E}">
+        <p14:creationId xmlns:p14="http://schemas.microsoft.com/office/powerpoint/2010/main" val="2251732031"/>
+      </p:ext>
+    </p:extLst>
+  </p:cSld>
+  <p:clrMapOvr>
+    <a:masterClrMapping/>
+  </p:clrMapOvr>
+</p:sld>
+</file>
+
+<file path=ppt/slides/slide17.xml><?xml version="1.0" encoding="utf-8"?>
+<p:sld xmlns:a="http://schemas.openxmlformats.org/drawingml/2006/main" xmlns:r="http://schemas.openxmlformats.org/officeDocument/2006/relationships" xmlns:p="http://schemas.openxmlformats.org/presentationml/2006/main">
+  <p:cSld>
+    <p:spTree>
+      <p:nvGrpSpPr>
+        <p:cNvPr id="1" name=""/>
+        <p:cNvGrpSpPr/>
+        <p:nvPr/>
+      </p:nvGrpSpPr>
+      <p:grpSpPr>
+        <a:xfrm>
+          <a:off x="0" y="0"/>
+          <a:ext cx="0" cy="0"/>
+          <a:chOff x="0" y="0"/>
+          <a:chExt cx="0" cy="0"/>
+        </a:xfrm>
+      </p:grpSpPr>
+      <p:sp>
+        <p:nvSpPr>
+          <p:cNvPr id="2" name="Title 1">
+            <a:extLst>
+              <a:ext uri="{FF2B5EF4-FFF2-40B4-BE49-F238E27FC236}">
+                <a16:creationId xmlns:a16="http://schemas.microsoft.com/office/drawing/2014/main" id="{84EACA34-006E-403D-B859-58B9D285E7DC}"/>
+              </a:ext>
+            </a:extLst>
+          </p:cNvPr>
+          <p:cNvSpPr>
+            <a:spLocks noGrp="1"/>
+          </p:cNvSpPr>
+          <p:nvPr>
+            <p:ph type="title"/>
+          </p:nvPr>
+        </p:nvSpPr>
+        <p:spPr/>
+        <p:txBody>
+          <a:bodyPr/>
+          <a:lstStyle/>
+          <a:p>
+            <a:r>
+              <a:rPr lang="en-US" altLang="zh-CN" dirty="0"/>
+              <a:t>Generalizability</a:t>
+            </a:r>
+            <a:endParaRPr lang="zh-CN" altLang="en-US" dirty="0"/>
+          </a:p>
+        </p:txBody>
+      </p:sp>
+      <p:sp>
+        <p:nvSpPr>
+          <p:cNvPr id="3" name="Content Placeholder 2">
+            <a:extLst>
+              <a:ext uri="{FF2B5EF4-FFF2-40B4-BE49-F238E27FC236}">
+                <a16:creationId xmlns:a16="http://schemas.microsoft.com/office/drawing/2014/main" id="{3662EEC5-0166-4442-B4B4-0965709E319B}"/>
+              </a:ext>
+            </a:extLst>
+          </p:cNvPr>
+          <p:cNvSpPr>
+            <a:spLocks noGrp="1"/>
+          </p:cNvSpPr>
+          <p:nvPr>
+            <p:ph idx="1"/>
+          </p:nvPr>
+        </p:nvSpPr>
+        <p:spPr>
+          <a:xfrm>
+            <a:off x="838200" y="1489166"/>
+            <a:ext cx="10515600" cy="5368834"/>
+          </a:xfrm>
+        </p:spPr>
+        <p:txBody>
+          <a:bodyPr>
+            <a:normAutofit fontScale="92500" lnSpcReduction="20000"/>
+          </a:bodyPr>
+          <a:lstStyle/>
+          <a:p>
+            <a:r>
+              <a:rPr lang="en-US" altLang="zh-CN" dirty="0"/>
+              <a:t>Layers are all the same exact structure, and differ by including different macros from a Verilog header file</a:t>
+            </a:r>
+          </a:p>
+          <a:p>
+            <a:endParaRPr lang="en-US" altLang="zh-CN" dirty="0"/>
+          </a:p>
+          <a:p>
+            <a:r>
+              <a:rPr lang="en-US" altLang="zh-CN" dirty="0"/>
+              <a:t>All layers and kernels use the exact same scheduler and computational kernel</a:t>
+            </a:r>
+          </a:p>
+          <a:p>
+            <a:endParaRPr lang="en-US" altLang="zh-CN" dirty="0"/>
+          </a:p>
+          <a:p>
+            <a:r>
+              <a:rPr lang="en-US" altLang="zh-CN" dirty="0"/>
+              <a:t>Two differences: memory controller and fc2 backward pass.</a:t>
+            </a:r>
+          </a:p>
+          <a:p>
+            <a:endParaRPr lang="en-US" altLang="zh-CN" dirty="0"/>
+          </a:p>
+          <a:p>
+            <a:r>
+              <a:rPr lang="en-US" altLang="zh-CN" dirty="0"/>
+              <a:t>The memory controller and BRAMs had to be made by hand for each layer, since the amount of weights are different by layer. </a:t>
+            </a:r>
+          </a:p>
+          <a:p>
+            <a:endParaRPr lang="en-US" altLang="zh-CN" dirty="0"/>
+          </a:p>
+          <a:p>
+            <a:r>
+              <a:rPr lang="en-US" altLang="zh-CN" dirty="0"/>
+              <a:t>Only FC2 layer has backward pass implemented, main purpose was to verify the architecture as functional, could be extended to previous layers, but amount of gradients is large, so would need to make BRAM modules to store gradients as opposed to 640 * 16-bit registers for FC2</a:t>
+            </a:r>
+            <a:endParaRPr lang="zh-CN" altLang="en-US" dirty="0"/>
+          </a:p>
+        </p:txBody>
+      </p:sp>
+    </p:spTree>
+    <p:extLst>
+      <p:ext uri="{BB962C8B-B14F-4D97-AF65-F5344CB8AC3E}">
+        <p14:creationId xmlns:p14="http://schemas.microsoft.com/office/powerpoint/2010/main" val="933804608"/>
+      </p:ext>
+    </p:extLst>
+  </p:cSld>
+  <p:clrMapOvr>
+    <a:masterClrMapping/>
+  </p:clrMapOvr>
+</p:sld>
+</file>
+
+<file path=ppt/slides/slide18.xml><?xml version="1.0" encoding="utf-8"?>
+<p:sld xmlns:a="http://schemas.openxmlformats.org/drawingml/2006/main" xmlns:r="http://schemas.openxmlformats.org/officeDocument/2006/relationships" xmlns:p="http://schemas.openxmlformats.org/presentationml/2006/main">
+  <p:cSld>
+    <p:spTree>
+      <p:nvGrpSpPr>
+        <p:cNvPr id="1" name=""/>
+        <p:cNvGrpSpPr/>
+        <p:nvPr/>
+      </p:nvGrpSpPr>
+      <p:grpSpPr>
+        <a:xfrm>
+          <a:off x="0" y="0"/>
+          <a:ext cx="0" cy="0"/>
+          <a:chOff x="0" y="0"/>
+          <a:chExt cx="0" cy="0"/>
+        </a:xfrm>
+      </p:grpSpPr>
+      <p:sp>
+        <p:nvSpPr>
+          <p:cNvPr id="2" name="Title 1">
+            <a:extLst>
+              <a:ext uri="{FF2B5EF4-FFF2-40B4-BE49-F238E27FC236}">
+                <a16:creationId xmlns:a16="http://schemas.microsoft.com/office/drawing/2014/main" id="{85687F3E-5189-4275-B1B1-13902E39F554}"/>
+              </a:ext>
+            </a:extLst>
+          </p:cNvPr>
+          <p:cNvSpPr>
+            <a:spLocks noGrp="1"/>
+          </p:cNvSpPr>
+          <p:nvPr>
+            <p:ph type="title"/>
+          </p:nvPr>
+        </p:nvSpPr>
+        <p:spPr/>
+        <p:txBody>
+          <a:bodyPr/>
+          <a:lstStyle/>
+          <a:p>
+            <a:r>
+              <a:rPr lang="en-US" altLang="zh-CN" dirty="0"/>
+              <a:t>Going forward</a:t>
+            </a:r>
+            <a:endParaRPr lang="zh-CN" altLang="en-US" dirty="0"/>
+          </a:p>
+        </p:txBody>
+      </p:sp>
+      <p:sp>
+        <p:nvSpPr>
+          <p:cNvPr id="3" name="Content Placeholder 2">
+            <a:extLst>
+              <a:ext uri="{FF2B5EF4-FFF2-40B4-BE49-F238E27FC236}">
+                <a16:creationId xmlns:a16="http://schemas.microsoft.com/office/drawing/2014/main" id="{6451013B-943F-4562-A2E0-429C7D62CB81}"/>
+              </a:ext>
+            </a:extLst>
+          </p:cNvPr>
+          <p:cNvSpPr>
+            <a:spLocks noGrp="1"/>
+          </p:cNvSpPr>
+          <p:nvPr>
+            <p:ph idx="1"/>
+          </p:nvPr>
+        </p:nvSpPr>
+        <p:spPr/>
+        <p:txBody>
+          <a:bodyPr>
+            <a:normAutofit fontScale="85000" lnSpcReduction="20000"/>
+          </a:bodyPr>
+          <a:lstStyle/>
+          <a:p>
+            <a:r>
+              <a:rPr lang="en-US" altLang="zh-CN" dirty="0"/>
+              <a:t>Will start writing report</a:t>
+            </a:r>
+          </a:p>
+          <a:p>
+            <a:endParaRPr lang="en-US" altLang="zh-CN" dirty="0"/>
+          </a:p>
+          <a:p>
+            <a:r>
+              <a:rPr lang="en-US" altLang="zh-CN" dirty="0"/>
+              <a:t>The forward pass is pipelined, should I have a benchmark in hardware where I perform X amount of forward passes and time how long it takes? Should be relatively good performance since 214 DSPs will be more or less active constantly</a:t>
+            </a:r>
+          </a:p>
+          <a:p>
+            <a:endParaRPr lang="en-US" altLang="zh-CN" dirty="0"/>
+          </a:p>
+          <a:p>
+            <a:r>
+              <a:rPr lang="en-US" altLang="zh-CN" dirty="0"/>
+              <a:t>Will replace the coefficient files in the BRAM holding the weights with weights trained from my software model, will replace the input buffer with actual MNIST images that can be changed via the switches</a:t>
+            </a:r>
+          </a:p>
+          <a:p>
+            <a:endParaRPr lang="en-US" altLang="zh-CN" dirty="0"/>
+          </a:p>
+          <a:p>
+            <a:r>
+              <a:rPr lang="en-US" altLang="zh-CN" dirty="0"/>
+              <a:t>Perhaps will have a demo where the image can be drawn and loaded over to the FPGA via UART from my laptop to show a bit more interactivity in a demo</a:t>
+            </a:r>
+            <a:endParaRPr lang="zh-CN" altLang="en-US" dirty="0"/>
+          </a:p>
+        </p:txBody>
+      </p:sp>
+    </p:spTree>
+    <p:extLst>
+      <p:ext uri="{BB962C8B-B14F-4D97-AF65-F5344CB8AC3E}">
+        <p14:creationId xmlns:p14="http://schemas.microsoft.com/office/powerpoint/2010/main" val="1791042365"/>
+      </p:ext>
+    </p:extLst>
+  </p:cSld>
+  <p:clrMapOvr>
+    <a:masterClrMapping/>
+  </p:clrMapOvr>
+</p:sld>
+</file>
+
+<file path=ppt/slides/slide19.xml><?xml version="1.0" encoding="utf-8"?>
+<p:sld xmlns:a="http://schemas.openxmlformats.org/drawingml/2006/main" xmlns:r="http://schemas.openxmlformats.org/officeDocument/2006/relationships" xmlns:p="http://schemas.openxmlformats.org/presentationml/2006/main">
+  <p:cSld>
+    <p:spTree>
+      <p:nvGrpSpPr>
+        <p:cNvPr id="1" name=""/>
+        <p:cNvGrpSpPr/>
+        <p:nvPr/>
+      </p:nvGrpSpPr>
+      <p:grpSpPr>
+        <a:xfrm>
+          <a:off x="0" y="0"/>
+          <a:ext cx="0" cy="0"/>
+          <a:chOff x="0" y="0"/>
+          <a:chExt cx="0" cy="0"/>
+        </a:xfrm>
+      </p:grpSpPr>
+      <p:sp>
+        <p:nvSpPr>
+          <p:cNvPr id="2" name="Title 1">
+            <a:extLst>
+              <a:ext uri="{FF2B5EF4-FFF2-40B4-BE49-F238E27FC236}">
+                <a16:creationId xmlns:a16="http://schemas.microsoft.com/office/drawing/2014/main" id="{7EE5A697-ED74-4937-90C3-BAAD49C43562}"/>
+              </a:ext>
+            </a:extLst>
+          </p:cNvPr>
+          <p:cNvSpPr>
+            <a:spLocks noGrp="1"/>
+          </p:cNvSpPr>
+          <p:nvPr>
+            <p:ph type="title"/>
+          </p:nvPr>
+        </p:nvSpPr>
+        <p:spPr/>
+        <p:txBody>
+          <a:bodyPr/>
+          <a:lstStyle/>
+          <a:p>
+            <a:r>
+              <a:rPr lang="en-US" dirty="0"/>
+              <a:t>Report Writing (Questions)</a:t>
+            </a:r>
+          </a:p>
+        </p:txBody>
+      </p:sp>
+      <p:sp>
+        <p:nvSpPr>
+          <p:cNvPr id="3" name="Content Placeholder 2">
+            <a:extLst>
+              <a:ext uri="{FF2B5EF4-FFF2-40B4-BE49-F238E27FC236}">
+                <a16:creationId xmlns:a16="http://schemas.microsoft.com/office/drawing/2014/main" id="{1C212DA7-6C6E-4274-974D-C61F6265B813}"/>
+              </a:ext>
+            </a:extLst>
+          </p:cNvPr>
+          <p:cNvSpPr>
+            <a:spLocks noGrp="1"/>
+          </p:cNvSpPr>
+          <p:nvPr>
+            <p:ph idx="1"/>
+          </p:nvPr>
+        </p:nvSpPr>
+        <p:spPr/>
+        <p:txBody>
+          <a:bodyPr/>
+          <a:lstStyle/>
+          <a:p>
+            <a:r>
+              <a:rPr lang="en-US" dirty="0"/>
+              <a:t>Should source code go in the appendix in addition to the </a:t>
+            </a:r>
+            <a:r>
+              <a:rPr lang="en-US" dirty="0" err="1"/>
+              <a:t>Github</a:t>
+            </a:r>
+            <a:r>
+              <a:rPr lang="en-US" dirty="0"/>
+              <a:t> repository link? </a:t>
+            </a:r>
+          </a:p>
+          <a:p>
+            <a:endParaRPr lang="en-US" dirty="0"/>
+          </a:p>
+          <a:p>
+            <a:endParaRPr lang="en-US" dirty="0"/>
+          </a:p>
+          <a:p>
+            <a:pPr marL="0" indent="0">
+              <a:buNone/>
+            </a:pPr>
+            <a:endParaRPr lang="en-US" dirty="0"/>
+          </a:p>
+          <a:p>
+            <a:pPr marL="0" indent="0">
+              <a:buNone/>
+            </a:pPr>
+            <a:endParaRPr lang="en-US" dirty="0"/>
+          </a:p>
+          <a:p>
+            <a:endParaRPr lang="en-US" dirty="0"/>
+          </a:p>
+        </p:txBody>
+      </p:sp>
+    </p:spTree>
+    <p:extLst>
+      <p:ext uri="{BB962C8B-B14F-4D97-AF65-F5344CB8AC3E}">
+        <p14:creationId xmlns:p14="http://schemas.microsoft.com/office/powerpoint/2010/main" val="3958535426"/>
       </p:ext>
     </p:extLst>
   </p:cSld>
@@ -3539,6 +7127,101 @@
     <p:extLst>
       <p:ext uri="{BB962C8B-B14F-4D97-AF65-F5344CB8AC3E}">
         <p14:creationId xmlns:p14="http://schemas.microsoft.com/office/powerpoint/2010/main" val="1752661518"/>
+      </p:ext>
+    </p:extLst>
+  </p:cSld>
+  <p:clrMapOvr>
+    <a:masterClrMapping/>
+  </p:clrMapOvr>
+</p:sld>
+</file>
+
+<file path=ppt/slides/slide20.xml><?xml version="1.0" encoding="utf-8"?>
+<p:sld xmlns:a="http://schemas.openxmlformats.org/drawingml/2006/main" xmlns:r="http://schemas.openxmlformats.org/officeDocument/2006/relationships" xmlns:p="http://schemas.openxmlformats.org/presentationml/2006/main">
+  <p:cSld>
+    <p:spTree>
+      <p:nvGrpSpPr>
+        <p:cNvPr id="1" name=""/>
+        <p:cNvGrpSpPr/>
+        <p:nvPr/>
+      </p:nvGrpSpPr>
+      <p:grpSpPr>
+        <a:xfrm>
+          <a:off x="0" y="0"/>
+          <a:ext cx="0" cy="0"/>
+          <a:chOff x="0" y="0"/>
+          <a:chExt cx="0" cy="0"/>
+        </a:xfrm>
+      </p:grpSpPr>
+      <p:sp>
+        <p:nvSpPr>
+          <p:cNvPr id="2" name="Title 1">
+            <a:extLst>
+              <a:ext uri="{FF2B5EF4-FFF2-40B4-BE49-F238E27FC236}">
+                <a16:creationId xmlns:a16="http://schemas.microsoft.com/office/drawing/2014/main" id="{AD26A2D8-5869-4DF3-B9BF-56096FF9AC52}"/>
+              </a:ext>
+            </a:extLst>
+          </p:cNvPr>
+          <p:cNvSpPr>
+            <a:spLocks noGrp="1"/>
+          </p:cNvSpPr>
+          <p:nvPr>
+            <p:ph type="title"/>
+          </p:nvPr>
+        </p:nvSpPr>
+        <p:spPr/>
+        <p:txBody>
+          <a:bodyPr/>
+          <a:lstStyle/>
+          <a:p>
+            <a:r>
+              <a:rPr lang="en-US" dirty="0"/>
+              <a:t>Exam Date</a:t>
+            </a:r>
+          </a:p>
+        </p:txBody>
+      </p:sp>
+      <p:sp>
+        <p:nvSpPr>
+          <p:cNvPr id="3" name="Content Placeholder 2">
+            <a:extLst>
+              <a:ext uri="{FF2B5EF4-FFF2-40B4-BE49-F238E27FC236}">
+                <a16:creationId xmlns:a16="http://schemas.microsoft.com/office/drawing/2014/main" id="{037051C9-5AEE-4626-A93C-EA08C0FEAA0E}"/>
+              </a:ext>
+            </a:extLst>
+          </p:cNvPr>
+          <p:cNvSpPr>
+            <a:spLocks noGrp="1"/>
+          </p:cNvSpPr>
+          <p:nvPr>
+            <p:ph idx="1"/>
+          </p:nvPr>
+        </p:nvSpPr>
+        <p:spPr/>
+        <p:txBody>
+          <a:bodyPr/>
+          <a:lstStyle/>
+          <a:p>
+            <a:r>
+              <a:rPr lang="en-US" dirty="0"/>
+              <a:t>Thesis hand-in is on Friday, June 28, I fly to the US on Wednesday, July 10.</a:t>
+            </a:r>
+          </a:p>
+          <a:p>
+            <a:endParaRPr lang="en-US" dirty="0"/>
+          </a:p>
+          <a:p>
+            <a:r>
+              <a:rPr lang="en-US" dirty="0"/>
+              <a:t>We have tentatively scheduled the exam for July 8, 2019.</a:t>
+            </a:r>
+          </a:p>
+        </p:txBody>
+      </p:sp>
+    </p:spTree>
+    <p:extLst>
+      <p:ext uri="{BB962C8B-B14F-4D97-AF65-F5344CB8AC3E}">
+        <p14:creationId xmlns:p14="http://schemas.microsoft.com/office/powerpoint/2010/main" val="2818833863"/>
       </p:ext>
     </p:extLst>
   </p:cSld>
@@ -4864,8 +8547,8 @@
         </p:nvCxnSpPr>
         <p:spPr>
           <a:xfrm>
-            <a:off x="2081349" y="5243807"/>
-            <a:ext cx="2660587" cy="0"/>
+            <a:off x="1795599" y="5228591"/>
+            <a:ext cx="2946337" cy="15216"/>
           </a:xfrm>
           <a:prstGeom prst="straightConnector1">
             <a:avLst/>
@@ -5341,7 +9024,7 @@
           <p:cNvPr id="2" name="Title 1">
             <a:extLst>
               <a:ext uri="{FF2B5EF4-FFF2-40B4-BE49-F238E27FC236}">
-                <a16:creationId xmlns:a16="http://schemas.microsoft.com/office/drawing/2014/main" id="{A658BE1F-2E15-4197-A5E5-A33AF179B6EF}"/>
+                <a16:creationId xmlns:a16="http://schemas.microsoft.com/office/drawing/2014/main" id="{D1A4D72D-7864-49D7-8F4A-1317369E4A7A}"/>
               </a:ext>
             </a:extLst>
           </p:cNvPr>
@@ -5359,7 +9042,7 @@
           <a:p>
             <a:r>
               <a:rPr lang="en-US" altLang="zh-CN" dirty="0"/>
-              <a:t>Verification</a:t>
+              <a:t>Backward pass has two schedulers</a:t>
             </a:r>
             <a:endParaRPr lang="zh-CN" altLang="en-US" dirty="0"/>
           </a:p>
@@ -5370,7 +9053,7 @@
           <p:cNvPr id="3" name="Content Placeholder 2">
             <a:extLst>
               <a:ext uri="{FF2B5EF4-FFF2-40B4-BE49-F238E27FC236}">
-                <a16:creationId xmlns:a16="http://schemas.microsoft.com/office/drawing/2014/main" id="{481AED87-828A-431C-B5D2-E55B3F2F4604}"/>
+                <a16:creationId xmlns:a16="http://schemas.microsoft.com/office/drawing/2014/main" id="{B2C20E3E-8F28-410A-840E-319062F25BE5}"/>
               </a:ext>
             </a:extLst>
           </p:cNvPr>
@@ -5388,27 +9071,17 @@
           <a:p>
             <a:r>
               <a:rPr lang="en-US" altLang="zh-CN" dirty="0"/>
-              <a:t>Python script loads weights from the .</a:t>
-            </a:r>
-            <a:r>
-              <a:rPr lang="en-US" altLang="zh-CN" dirty="0" err="1"/>
-              <a:t>coe</a:t>
-            </a:r>
+              <a:t>This is because there are two gradients that need to be calculated for each layer, the weight gradients for the neurons in the current layer, and the gradients for the neurons in the previous layer.</a:t>
+            </a:r>
+          </a:p>
+          <a:p>
+            <a:endParaRPr lang="en-US" altLang="zh-CN" dirty="0"/>
+          </a:p>
+          <a:p>
             <a:r>
               <a:rPr lang="en-US" altLang="zh-CN" dirty="0"/>
-              <a:t> files and computes then forward pass and then the backward pass of the fc2 layer</a:t>
-            </a:r>
-          </a:p>
-          <a:p>
-            <a:r>
-              <a:rPr lang="en-US" altLang="zh-CN" dirty="0"/>
-              <a:t>Verify simulation results against the python script computations</a:t>
-            </a:r>
-          </a:p>
-          <a:p>
-            <a:endParaRPr lang="en-US" altLang="zh-CN" dirty="0"/>
-          </a:p>
-          <a:p>
+              <a:t>The mode is designated by the BP_MODE logic that is either WEIGHT_MODE or NEURON_MODE</a:t>
+            </a:r>
             <a:endParaRPr lang="zh-CN" altLang="en-US" dirty="0"/>
           </a:p>
         </p:txBody>
@@ -5416,7 +9089,7 @@
     </p:spTree>
     <p:extLst>
       <p:ext uri="{BB962C8B-B14F-4D97-AF65-F5344CB8AC3E}">
-        <p14:creationId xmlns:p14="http://schemas.microsoft.com/office/powerpoint/2010/main" val="3957310060"/>
+        <p14:creationId xmlns:p14="http://schemas.microsoft.com/office/powerpoint/2010/main" val="3320252351"/>
       </p:ext>
     </p:extLst>
   </p:cSld>
@@ -5448,7 +9121,7 @@
           <p:cNvPr id="2" name="Title 1">
             <a:extLst>
               <a:ext uri="{FF2B5EF4-FFF2-40B4-BE49-F238E27FC236}">
-                <a16:creationId xmlns:a16="http://schemas.microsoft.com/office/drawing/2014/main" id="{CE711C05-98AE-4565-BD9A-1E0DB916C2D6}"/>
+                <a16:creationId xmlns:a16="http://schemas.microsoft.com/office/drawing/2014/main" id="{750E3383-716B-405F-B9B9-46F23E3D2474}"/>
               </a:ext>
             </a:extLst>
           </p:cNvPr>
@@ -5459,14 +9132,27 @@
             <p:ph type="title"/>
           </p:nvPr>
         </p:nvSpPr>
-        <p:spPr/>
+        <p:spPr>
+          <a:xfrm>
+            <a:off x="182880" y="69034"/>
+            <a:ext cx="11660777" cy="1325563"/>
+          </a:xfrm>
+        </p:spPr>
         <p:txBody>
           <a:bodyPr/>
           <a:lstStyle/>
           <a:p>
             <a:r>
               <a:rPr lang="en-US" altLang="zh-CN" dirty="0"/>
-              <a:t>Cycle Counts and Timing</a:t>
+              <a:t>Neuron Mode: Calculate dL/</a:t>
+            </a:r>
+            <a:r>
+              <a:rPr lang="en-US" altLang="zh-CN" dirty="0" err="1"/>
+              <a:t>dN</a:t>
+            </a:r>
+            <a:r>
+              <a:rPr lang="en-US" altLang="zh-CN" dirty="0"/>
+              <a:t> for previous layer</a:t>
             </a:r>
             <a:endParaRPr lang="zh-CN" altLang="en-US" dirty="0"/>
           </a:p>
@@ -5474,33 +9160,1519 @@
       </p:sp>
       <p:sp>
         <p:nvSpPr>
-          <p:cNvPr id="3" name="Content Placeholder 2">
-            <a:extLst>
-              <a:ext uri="{FF2B5EF4-FFF2-40B4-BE49-F238E27FC236}">
-                <a16:creationId xmlns:a16="http://schemas.microsoft.com/office/drawing/2014/main" id="{10545E37-1E28-4EE7-9352-D9FB29924BF0}"/>
-              </a:ext>
-            </a:extLst>
-          </p:cNvPr>
-          <p:cNvSpPr>
-            <a:spLocks noGrp="1"/>
-          </p:cNvSpPr>
-          <p:nvPr>
-            <p:ph idx="1"/>
-          </p:nvPr>
-        </p:nvSpPr>
-        <p:spPr/>
-        <p:txBody>
-          <a:bodyPr/>
-          <a:lstStyle/>
-          <a:p>
+          <p:cNvPr id="4" name="Oval 3">
+            <a:extLst>
+              <a:ext uri="{FF2B5EF4-FFF2-40B4-BE49-F238E27FC236}">
+                <a16:creationId xmlns:a16="http://schemas.microsoft.com/office/drawing/2014/main" id="{37796383-E362-43BB-B26B-37891B055B2B}"/>
+              </a:ext>
+            </a:extLst>
+          </p:cNvPr>
+          <p:cNvSpPr/>
+          <p:nvPr/>
+        </p:nvSpPr>
+        <p:spPr>
+          <a:xfrm>
+            <a:off x="3307622" y="2418840"/>
+            <a:ext cx="724437" cy="685800"/>
+          </a:xfrm>
+          <a:prstGeom prst="ellipse">
+            <a:avLst/>
+          </a:prstGeom>
+        </p:spPr>
+        <p:style>
+          <a:lnRef idx="2">
+            <a:schemeClr val="dk1"/>
+          </a:lnRef>
+          <a:fillRef idx="1">
+            <a:schemeClr val="lt1"/>
+          </a:fillRef>
+          <a:effectRef idx="0">
+            <a:schemeClr val="dk1"/>
+          </a:effectRef>
+          <a:fontRef idx="minor">
+            <a:schemeClr val="dk1"/>
+          </a:fontRef>
+        </p:style>
+        <p:txBody>
+          <a:bodyPr rtlCol="0" anchor="ctr"/>
+          <a:lstStyle/>
+          <a:p>
+            <a:pPr algn="ctr"/>
             <a:endParaRPr lang="zh-CN" altLang="en-US"/>
+          </a:p>
+        </p:txBody>
+      </p:sp>
+      <p:sp>
+        <p:nvSpPr>
+          <p:cNvPr id="5" name="Oval 4">
+            <a:extLst>
+              <a:ext uri="{FF2B5EF4-FFF2-40B4-BE49-F238E27FC236}">
+                <a16:creationId xmlns:a16="http://schemas.microsoft.com/office/drawing/2014/main" id="{8A0DC98F-FF6A-4E0D-98C3-A9F7D8AB5F98}"/>
+              </a:ext>
+            </a:extLst>
+          </p:cNvPr>
+          <p:cNvSpPr/>
+          <p:nvPr/>
+        </p:nvSpPr>
+        <p:spPr>
+          <a:xfrm>
+            <a:off x="3307622" y="4275874"/>
+            <a:ext cx="724437" cy="685800"/>
+          </a:xfrm>
+          <a:prstGeom prst="ellipse">
+            <a:avLst/>
+          </a:prstGeom>
+          <a:ln>
+            <a:solidFill>
+              <a:srgbClr val="FF0000"/>
+            </a:solidFill>
+          </a:ln>
+        </p:spPr>
+        <p:style>
+          <a:lnRef idx="2">
+            <a:schemeClr val="dk1"/>
+          </a:lnRef>
+          <a:fillRef idx="1">
+            <a:schemeClr val="lt1"/>
+          </a:fillRef>
+          <a:effectRef idx="0">
+            <a:schemeClr val="dk1"/>
+          </a:effectRef>
+          <a:fontRef idx="minor">
+            <a:schemeClr val="dk1"/>
+          </a:fontRef>
+        </p:style>
+        <p:txBody>
+          <a:bodyPr rtlCol="0" anchor="ctr"/>
+          <a:lstStyle/>
+          <a:p>
+            <a:pPr algn="ctr"/>
+            <a:endParaRPr lang="zh-CN" altLang="en-US">
+              <a:solidFill>
+                <a:srgbClr val="FF0000"/>
+              </a:solidFill>
+            </a:endParaRPr>
+          </a:p>
+        </p:txBody>
+      </p:sp>
+      <p:sp>
+        <p:nvSpPr>
+          <p:cNvPr id="6" name="Oval 5">
+            <a:extLst>
+              <a:ext uri="{FF2B5EF4-FFF2-40B4-BE49-F238E27FC236}">
+                <a16:creationId xmlns:a16="http://schemas.microsoft.com/office/drawing/2014/main" id="{22154B5F-7191-4B4D-991D-A390CDE93F14}"/>
+              </a:ext>
+            </a:extLst>
+          </p:cNvPr>
+          <p:cNvSpPr/>
+          <p:nvPr/>
+        </p:nvSpPr>
+        <p:spPr>
+          <a:xfrm>
+            <a:off x="6346922" y="1490322"/>
+            <a:ext cx="724437" cy="685800"/>
+          </a:xfrm>
+          <a:prstGeom prst="ellipse">
+            <a:avLst/>
+          </a:prstGeom>
+        </p:spPr>
+        <p:style>
+          <a:lnRef idx="2">
+            <a:schemeClr val="dk1"/>
+          </a:lnRef>
+          <a:fillRef idx="1">
+            <a:schemeClr val="lt1"/>
+          </a:fillRef>
+          <a:effectRef idx="0">
+            <a:schemeClr val="dk1"/>
+          </a:effectRef>
+          <a:fontRef idx="minor">
+            <a:schemeClr val="dk1"/>
+          </a:fontRef>
+        </p:style>
+        <p:txBody>
+          <a:bodyPr rtlCol="0" anchor="ctr"/>
+          <a:lstStyle/>
+          <a:p>
+            <a:pPr algn="ctr"/>
+            <a:endParaRPr lang="zh-CN" altLang="en-US"/>
+          </a:p>
+        </p:txBody>
+      </p:sp>
+      <p:sp>
+        <p:nvSpPr>
+          <p:cNvPr id="7" name="Oval 6">
+            <a:extLst>
+              <a:ext uri="{FF2B5EF4-FFF2-40B4-BE49-F238E27FC236}">
+                <a16:creationId xmlns:a16="http://schemas.microsoft.com/office/drawing/2014/main" id="{CB8C5739-4B0A-4545-B062-1B7BDC01320C}"/>
+              </a:ext>
+            </a:extLst>
+          </p:cNvPr>
+          <p:cNvSpPr/>
+          <p:nvPr/>
+        </p:nvSpPr>
+        <p:spPr>
+          <a:xfrm>
+            <a:off x="6346923" y="3347357"/>
+            <a:ext cx="724437" cy="685800"/>
+          </a:xfrm>
+          <a:prstGeom prst="ellipse">
+            <a:avLst/>
+          </a:prstGeom>
+        </p:spPr>
+        <p:style>
+          <a:lnRef idx="2">
+            <a:schemeClr val="dk1"/>
+          </a:lnRef>
+          <a:fillRef idx="1">
+            <a:schemeClr val="lt1"/>
+          </a:fillRef>
+          <a:effectRef idx="0">
+            <a:schemeClr val="dk1"/>
+          </a:effectRef>
+          <a:fontRef idx="minor">
+            <a:schemeClr val="dk1"/>
+          </a:fontRef>
+        </p:style>
+        <p:txBody>
+          <a:bodyPr rtlCol="0" anchor="ctr"/>
+          <a:lstStyle/>
+          <a:p>
+            <a:pPr algn="ctr"/>
+            <a:endParaRPr lang="zh-CN" altLang="en-US"/>
+          </a:p>
+        </p:txBody>
+      </p:sp>
+      <p:sp>
+        <p:nvSpPr>
+          <p:cNvPr id="8" name="Oval 7">
+            <a:extLst>
+              <a:ext uri="{FF2B5EF4-FFF2-40B4-BE49-F238E27FC236}">
+                <a16:creationId xmlns:a16="http://schemas.microsoft.com/office/drawing/2014/main" id="{1389480E-479D-4719-93AE-E9B4D776E00F}"/>
+              </a:ext>
+            </a:extLst>
+          </p:cNvPr>
+          <p:cNvSpPr/>
+          <p:nvPr/>
+        </p:nvSpPr>
+        <p:spPr>
+          <a:xfrm>
+            <a:off x="6346922" y="5204392"/>
+            <a:ext cx="724437" cy="685800"/>
+          </a:xfrm>
+          <a:prstGeom prst="ellipse">
+            <a:avLst/>
+          </a:prstGeom>
+        </p:spPr>
+        <p:style>
+          <a:lnRef idx="2">
+            <a:schemeClr val="dk1"/>
+          </a:lnRef>
+          <a:fillRef idx="1">
+            <a:schemeClr val="lt1"/>
+          </a:fillRef>
+          <a:effectRef idx="0">
+            <a:schemeClr val="dk1"/>
+          </a:effectRef>
+          <a:fontRef idx="minor">
+            <a:schemeClr val="dk1"/>
+          </a:fontRef>
+        </p:style>
+        <p:txBody>
+          <a:bodyPr rtlCol="0" anchor="ctr"/>
+          <a:lstStyle/>
+          <a:p>
+            <a:pPr algn="ctr"/>
+            <a:endParaRPr lang="zh-CN" altLang="en-US"/>
+          </a:p>
+        </p:txBody>
+      </p:sp>
+      <p:cxnSp>
+        <p:nvCxnSpPr>
+          <p:cNvPr id="10" name="Straight Arrow Connector 9">
+            <a:extLst>
+              <a:ext uri="{FF2B5EF4-FFF2-40B4-BE49-F238E27FC236}">
+                <a16:creationId xmlns:a16="http://schemas.microsoft.com/office/drawing/2014/main" id="{FB7EF560-4DE4-43D7-A174-D749F207EC28}"/>
+              </a:ext>
+            </a:extLst>
+          </p:cNvPr>
+          <p:cNvCxnSpPr>
+            <a:stCxn id="4" idx="6"/>
+            <a:endCxn id="6" idx="2"/>
+          </p:cNvCxnSpPr>
+          <p:nvPr/>
+        </p:nvCxnSpPr>
+        <p:spPr>
+          <a:xfrm flipV="1">
+            <a:off x="4032059" y="1833222"/>
+            <a:ext cx="2314863" cy="928518"/>
+          </a:xfrm>
+          <a:prstGeom prst="straightConnector1">
+            <a:avLst/>
+          </a:prstGeom>
+          <a:ln w="28575">
+            <a:solidFill>
+              <a:schemeClr val="tx1"/>
+            </a:solidFill>
+            <a:tailEnd type="triangle"/>
+          </a:ln>
+        </p:spPr>
+        <p:style>
+          <a:lnRef idx="1">
+            <a:schemeClr val="accent1"/>
+          </a:lnRef>
+          <a:fillRef idx="0">
+            <a:schemeClr val="accent1"/>
+          </a:fillRef>
+          <a:effectRef idx="0">
+            <a:schemeClr val="accent1"/>
+          </a:effectRef>
+          <a:fontRef idx="minor">
+            <a:schemeClr val="tx1"/>
+          </a:fontRef>
+        </p:style>
+      </p:cxnSp>
+      <p:cxnSp>
+        <p:nvCxnSpPr>
+          <p:cNvPr id="11" name="Straight Arrow Connector 10">
+            <a:extLst>
+              <a:ext uri="{FF2B5EF4-FFF2-40B4-BE49-F238E27FC236}">
+                <a16:creationId xmlns:a16="http://schemas.microsoft.com/office/drawing/2014/main" id="{2D7371E4-8604-4534-91EF-43D751333324}"/>
+              </a:ext>
+            </a:extLst>
+          </p:cNvPr>
+          <p:cNvCxnSpPr>
+            <a:cxnSpLocks/>
+            <a:stCxn id="4" idx="6"/>
+            <a:endCxn id="7" idx="2"/>
+          </p:cNvCxnSpPr>
+          <p:nvPr/>
+        </p:nvCxnSpPr>
+        <p:spPr>
+          <a:xfrm>
+            <a:off x="4032059" y="2761740"/>
+            <a:ext cx="2314864" cy="928517"/>
+          </a:xfrm>
+          <a:prstGeom prst="straightConnector1">
+            <a:avLst/>
+          </a:prstGeom>
+          <a:ln w="28575">
+            <a:solidFill>
+              <a:schemeClr val="tx1"/>
+            </a:solidFill>
+            <a:tailEnd type="triangle"/>
+          </a:ln>
+        </p:spPr>
+        <p:style>
+          <a:lnRef idx="1">
+            <a:schemeClr val="accent1"/>
+          </a:lnRef>
+          <a:fillRef idx="0">
+            <a:schemeClr val="accent1"/>
+          </a:fillRef>
+          <a:effectRef idx="0">
+            <a:schemeClr val="accent1"/>
+          </a:effectRef>
+          <a:fontRef idx="minor">
+            <a:schemeClr val="tx1"/>
+          </a:fontRef>
+        </p:style>
+      </p:cxnSp>
+      <p:cxnSp>
+        <p:nvCxnSpPr>
+          <p:cNvPr id="14" name="Straight Arrow Connector 13">
+            <a:extLst>
+              <a:ext uri="{FF2B5EF4-FFF2-40B4-BE49-F238E27FC236}">
+                <a16:creationId xmlns:a16="http://schemas.microsoft.com/office/drawing/2014/main" id="{FD6A9677-A48F-4D6F-A4F1-28A97398AB60}"/>
+              </a:ext>
+            </a:extLst>
+          </p:cNvPr>
+          <p:cNvCxnSpPr>
+            <a:cxnSpLocks/>
+            <a:stCxn id="4" idx="6"/>
+            <a:endCxn id="8" idx="2"/>
+          </p:cNvCxnSpPr>
+          <p:nvPr/>
+        </p:nvCxnSpPr>
+        <p:spPr>
+          <a:xfrm>
+            <a:off x="4032059" y="2761740"/>
+            <a:ext cx="2314863" cy="2785552"/>
+          </a:xfrm>
+          <a:prstGeom prst="straightConnector1">
+            <a:avLst/>
+          </a:prstGeom>
+          <a:ln w="28575">
+            <a:solidFill>
+              <a:schemeClr val="tx1"/>
+            </a:solidFill>
+            <a:tailEnd type="triangle"/>
+          </a:ln>
+        </p:spPr>
+        <p:style>
+          <a:lnRef idx="1">
+            <a:schemeClr val="accent1"/>
+          </a:lnRef>
+          <a:fillRef idx="0">
+            <a:schemeClr val="accent1"/>
+          </a:fillRef>
+          <a:effectRef idx="0">
+            <a:schemeClr val="accent1"/>
+          </a:effectRef>
+          <a:fontRef idx="minor">
+            <a:schemeClr val="tx1"/>
+          </a:fontRef>
+        </p:style>
+      </p:cxnSp>
+      <p:cxnSp>
+        <p:nvCxnSpPr>
+          <p:cNvPr id="17" name="Straight Arrow Connector 16">
+            <a:extLst>
+              <a:ext uri="{FF2B5EF4-FFF2-40B4-BE49-F238E27FC236}">
+                <a16:creationId xmlns:a16="http://schemas.microsoft.com/office/drawing/2014/main" id="{CFF3AC8B-216A-44A8-9324-E6DB830629A2}"/>
+              </a:ext>
+            </a:extLst>
+          </p:cNvPr>
+          <p:cNvCxnSpPr>
+            <a:cxnSpLocks/>
+            <a:stCxn id="6" idx="6"/>
+          </p:cNvCxnSpPr>
+          <p:nvPr/>
+        </p:nvCxnSpPr>
+        <p:spPr>
+          <a:xfrm>
+            <a:off x="7071359" y="1833222"/>
+            <a:ext cx="2011681" cy="0"/>
+          </a:xfrm>
+          <a:prstGeom prst="straightConnector1">
+            <a:avLst/>
+          </a:prstGeom>
+          <a:ln w="28575">
+            <a:solidFill>
+              <a:srgbClr val="FF0000"/>
+            </a:solidFill>
+            <a:tailEnd type="triangle"/>
+          </a:ln>
+        </p:spPr>
+        <p:style>
+          <a:lnRef idx="1">
+            <a:schemeClr val="accent1"/>
+          </a:lnRef>
+          <a:fillRef idx="0">
+            <a:schemeClr val="accent1"/>
+          </a:fillRef>
+          <a:effectRef idx="0">
+            <a:schemeClr val="accent1"/>
+          </a:effectRef>
+          <a:fontRef idx="minor">
+            <a:schemeClr val="tx1"/>
+          </a:fontRef>
+        </p:style>
+      </p:cxnSp>
+      <p:cxnSp>
+        <p:nvCxnSpPr>
+          <p:cNvPr id="20" name="Straight Arrow Connector 19">
+            <a:extLst>
+              <a:ext uri="{FF2B5EF4-FFF2-40B4-BE49-F238E27FC236}">
+                <a16:creationId xmlns:a16="http://schemas.microsoft.com/office/drawing/2014/main" id="{19DF711B-CF32-4B66-9804-6A221EF89AA7}"/>
+              </a:ext>
+            </a:extLst>
+          </p:cNvPr>
+          <p:cNvCxnSpPr>
+            <a:cxnSpLocks/>
+            <a:stCxn id="7" idx="6"/>
+          </p:cNvCxnSpPr>
+          <p:nvPr/>
+        </p:nvCxnSpPr>
+        <p:spPr>
+          <a:xfrm flipV="1">
+            <a:off x="7071360" y="3688081"/>
+            <a:ext cx="2011680" cy="2176"/>
+          </a:xfrm>
+          <a:prstGeom prst="straightConnector1">
+            <a:avLst/>
+          </a:prstGeom>
+          <a:ln w="28575">
+            <a:solidFill>
+              <a:srgbClr val="FF0000"/>
+            </a:solidFill>
+            <a:tailEnd type="triangle"/>
+          </a:ln>
+        </p:spPr>
+        <p:style>
+          <a:lnRef idx="1">
+            <a:schemeClr val="accent1"/>
+          </a:lnRef>
+          <a:fillRef idx="0">
+            <a:schemeClr val="accent1"/>
+          </a:fillRef>
+          <a:effectRef idx="0">
+            <a:schemeClr val="accent1"/>
+          </a:effectRef>
+          <a:fontRef idx="minor">
+            <a:schemeClr val="tx1"/>
+          </a:fontRef>
+        </p:style>
+      </p:cxnSp>
+      <p:cxnSp>
+        <p:nvCxnSpPr>
+          <p:cNvPr id="22" name="Straight Arrow Connector 21">
+            <a:extLst>
+              <a:ext uri="{FF2B5EF4-FFF2-40B4-BE49-F238E27FC236}">
+                <a16:creationId xmlns:a16="http://schemas.microsoft.com/office/drawing/2014/main" id="{593CB088-129F-4E07-A88E-03357C06A1F7}"/>
+              </a:ext>
+            </a:extLst>
+          </p:cNvPr>
+          <p:cNvCxnSpPr>
+            <a:cxnSpLocks/>
+            <a:stCxn id="8" idx="6"/>
+          </p:cNvCxnSpPr>
+          <p:nvPr/>
+        </p:nvCxnSpPr>
+        <p:spPr>
+          <a:xfrm>
+            <a:off x="7071359" y="5547292"/>
+            <a:ext cx="2011680" cy="0"/>
+          </a:xfrm>
+          <a:prstGeom prst="straightConnector1">
+            <a:avLst/>
+          </a:prstGeom>
+          <a:ln w="28575">
+            <a:solidFill>
+              <a:srgbClr val="FF0000"/>
+            </a:solidFill>
+            <a:tailEnd type="triangle"/>
+          </a:ln>
+        </p:spPr>
+        <p:style>
+          <a:lnRef idx="1">
+            <a:schemeClr val="accent1"/>
+          </a:lnRef>
+          <a:fillRef idx="0">
+            <a:schemeClr val="accent1"/>
+          </a:fillRef>
+          <a:effectRef idx="0">
+            <a:schemeClr val="accent1"/>
+          </a:effectRef>
+          <a:fontRef idx="minor">
+            <a:schemeClr val="tx1"/>
+          </a:fontRef>
+        </p:style>
+      </p:cxnSp>
+      <p:cxnSp>
+        <p:nvCxnSpPr>
+          <p:cNvPr id="24" name="Straight Arrow Connector 23">
+            <a:extLst>
+              <a:ext uri="{FF2B5EF4-FFF2-40B4-BE49-F238E27FC236}">
+                <a16:creationId xmlns:a16="http://schemas.microsoft.com/office/drawing/2014/main" id="{13DA7A9C-6B74-4486-AE35-95F9A69BF908}"/>
+              </a:ext>
+            </a:extLst>
+          </p:cNvPr>
+          <p:cNvCxnSpPr>
+            <a:cxnSpLocks/>
+            <a:stCxn id="5" idx="6"/>
+            <a:endCxn id="6" idx="2"/>
+          </p:cNvCxnSpPr>
+          <p:nvPr/>
+        </p:nvCxnSpPr>
+        <p:spPr>
+          <a:xfrm flipV="1">
+            <a:off x="4032059" y="1833222"/>
+            <a:ext cx="2314863" cy="2785552"/>
+          </a:xfrm>
+          <a:prstGeom prst="straightConnector1">
+            <a:avLst/>
+          </a:prstGeom>
+          <a:ln w="28575">
+            <a:solidFill>
+              <a:srgbClr val="FF0000"/>
+            </a:solidFill>
+            <a:tailEnd type="triangle"/>
+          </a:ln>
+        </p:spPr>
+        <p:style>
+          <a:lnRef idx="1">
+            <a:schemeClr val="accent1"/>
+          </a:lnRef>
+          <a:fillRef idx="0">
+            <a:schemeClr val="accent1"/>
+          </a:fillRef>
+          <a:effectRef idx="0">
+            <a:schemeClr val="accent1"/>
+          </a:effectRef>
+          <a:fontRef idx="minor">
+            <a:schemeClr val="tx1"/>
+          </a:fontRef>
+        </p:style>
+      </p:cxnSp>
+      <p:cxnSp>
+        <p:nvCxnSpPr>
+          <p:cNvPr id="27" name="Straight Arrow Connector 26">
+            <a:extLst>
+              <a:ext uri="{FF2B5EF4-FFF2-40B4-BE49-F238E27FC236}">
+                <a16:creationId xmlns:a16="http://schemas.microsoft.com/office/drawing/2014/main" id="{4A24499A-2C3C-4A40-8C6E-D301F8BC2B7A}"/>
+              </a:ext>
+            </a:extLst>
+          </p:cNvPr>
+          <p:cNvCxnSpPr>
+            <a:cxnSpLocks/>
+            <a:stCxn id="5" idx="6"/>
+            <a:endCxn id="7" idx="2"/>
+          </p:cNvCxnSpPr>
+          <p:nvPr/>
+        </p:nvCxnSpPr>
+        <p:spPr>
+          <a:xfrm flipV="1">
+            <a:off x="4032059" y="3690257"/>
+            <a:ext cx="2314864" cy="928517"/>
+          </a:xfrm>
+          <a:prstGeom prst="straightConnector1">
+            <a:avLst/>
+          </a:prstGeom>
+          <a:ln w="28575">
+            <a:solidFill>
+              <a:srgbClr val="FF0000"/>
+            </a:solidFill>
+            <a:tailEnd type="triangle"/>
+          </a:ln>
+        </p:spPr>
+        <p:style>
+          <a:lnRef idx="1">
+            <a:schemeClr val="accent1"/>
+          </a:lnRef>
+          <a:fillRef idx="0">
+            <a:schemeClr val="accent1"/>
+          </a:fillRef>
+          <a:effectRef idx="0">
+            <a:schemeClr val="accent1"/>
+          </a:effectRef>
+          <a:fontRef idx="minor">
+            <a:schemeClr val="tx1"/>
+          </a:fontRef>
+        </p:style>
+      </p:cxnSp>
+      <p:cxnSp>
+        <p:nvCxnSpPr>
+          <p:cNvPr id="30" name="Straight Arrow Connector 29">
+            <a:extLst>
+              <a:ext uri="{FF2B5EF4-FFF2-40B4-BE49-F238E27FC236}">
+                <a16:creationId xmlns:a16="http://schemas.microsoft.com/office/drawing/2014/main" id="{E11F5356-1C5C-486C-AAD1-5536E4ABA057}"/>
+              </a:ext>
+            </a:extLst>
+          </p:cNvPr>
+          <p:cNvCxnSpPr>
+            <a:cxnSpLocks/>
+            <a:stCxn id="5" idx="6"/>
+            <a:endCxn id="8" idx="2"/>
+          </p:cNvCxnSpPr>
+          <p:nvPr/>
+        </p:nvCxnSpPr>
+        <p:spPr>
+          <a:xfrm>
+            <a:off x="4032059" y="4618774"/>
+            <a:ext cx="2314863" cy="928518"/>
+          </a:xfrm>
+          <a:prstGeom prst="straightConnector1">
+            <a:avLst/>
+          </a:prstGeom>
+          <a:ln w="28575">
+            <a:solidFill>
+              <a:srgbClr val="FF0000"/>
+            </a:solidFill>
+            <a:tailEnd type="triangle"/>
+          </a:ln>
+        </p:spPr>
+        <p:style>
+          <a:lnRef idx="1">
+            <a:schemeClr val="accent1"/>
+          </a:lnRef>
+          <a:fillRef idx="0">
+            <a:schemeClr val="accent1"/>
+          </a:fillRef>
+          <a:effectRef idx="0">
+            <a:schemeClr val="accent1"/>
+          </a:effectRef>
+          <a:fontRef idx="minor">
+            <a:schemeClr val="tx1"/>
+          </a:fontRef>
+        </p:style>
+      </p:cxnSp>
+      <p:cxnSp>
+        <p:nvCxnSpPr>
+          <p:cNvPr id="33" name="Straight Arrow Connector 32">
+            <a:extLst>
+              <a:ext uri="{FF2B5EF4-FFF2-40B4-BE49-F238E27FC236}">
+                <a16:creationId xmlns:a16="http://schemas.microsoft.com/office/drawing/2014/main" id="{32DF8020-562C-4120-97C2-9A024297450F}"/>
+              </a:ext>
+            </a:extLst>
+          </p:cNvPr>
+          <p:cNvCxnSpPr>
+            <a:cxnSpLocks/>
+            <a:endCxn id="5" idx="2"/>
+          </p:cNvCxnSpPr>
+          <p:nvPr/>
+        </p:nvCxnSpPr>
+        <p:spPr>
+          <a:xfrm>
+            <a:off x="905691" y="4618774"/>
+            <a:ext cx="2401931" cy="0"/>
+          </a:xfrm>
+          <a:prstGeom prst="straightConnector1">
+            <a:avLst/>
+          </a:prstGeom>
+          <a:ln w="28575">
+            <a:solidFill>
+              <a:schemeClr val="tx1"/>
+            </a:solidFill>
+            <a:tailEnd type="triangle"/>
+          </a:ln>
+        </p:spPr>
+        <p:style>
+          <a:lnRef idx="1">
+            <a:schemeClr val="accent1"/>
+          </a:lnRef>
+          <a:fillRef idx="0">
+            <a:schemeClr val="accent1"/>
+          </a:fillRef>
+          <a:effectRef idx="0">
+            <a:schemeClr val="accent1"/>
+          </a:effectRef>
+          <a:fontRef idx="minor">
+            <a:schemeClr val="tx1"/>
+          </a:fontRef>
+        </p:style>
+      </p:cxnSp>
+      <p:cxnSp>
+        <p:nvCxnSpPr>
+          <p:cNvPr id="36" name="Straight Arrow Connector 35">
+            <a:extLst>
+              <a:ext uri="{FF2B5EF4-FFF2-40B4-BE49-F238E27FC236}">
+                <a16:creationId xmlns:a16="http://schemas.microsoft.com/office/drawing/2014/main" id="{0E999B14-79D1-4737-9360-FC4F1313FAAA}"/>
+              </a:ext>
+            </a:extLst>
+          </p:cNvPr>
+          <p:cNvCxnSpPr>
+            <a:cxnSpLocks/>
+            <a:endCxn id="4" idx="2"/>
+          </p:cNvCxnSpPr>
+          <p:nvPr/>
+        </p:nvCxnSpPr>
+        <p:spPr>
+          <a:xfrm>
+            <a:off x="905691" y="2761740"/>
+            <a:ext cx="2401931" cy="0"/>
+          </a:xfrm>
+          <a:prstGeom prst="straightConnector1">
+            <a:avLst/>
+          </a:prstGeom>
+          <a:ln w="28575">
+            <a:solidFill>
+              <a:schemeClr val="tx1"/>
+            </a:solidFill>
+            <a:tailEnd type="triangle"/>
+          </a:ln>
+        </p:spPr>
+        <p:style>
+          <a:lnRef idx="1">
+            <a:schemeClr val="accent1"/>
+          </a:lnRef>
+          <a:fillRef idx="0">
+            <a:schemeClr val="accent1"/>
+          </a:fillRef>
+          <a:effectRef idx="0">
+            <a:schemeClr val="accent1"/>
+          </a:effectRef>
+          <a:fontRef idx="minor">
+            <a:schemeClr val="tx1"/>
+          </a:fontRef>
+        </p:style>
+      </p:cxnSp>
+      <p:sp>
+        <p:nvSpPr>
+          <p:cNvPr id="38" name="TextBox 37">
+            <a:extLst>
+              <a:ext uri="{FF2B5EF4-FFF2-40B4-BE49-F238E27FC236}">
+                <a16:creationId xmlns:a16="http://schemas.microsoft.com/office/drawing/2014/main" id="{D2092728-5FC4-4DD0-9288-E0C998932F62}"/>
+              </a:ext>
+            </a:extLst>
+          </p:cNvPr>
+          <p:cNvSpPr txBox="1"/>
+          <p:nvPr/>
+        </p:nvSpPr>
+        <p:spPr>
+          <a:xfrm>
+            <a:off x="3543566" y="2577074"/>
+            <a:ext cx="252549" cy="369332"/>
+          </a:xfrm>
+          <a:prstGeom prst="rect">
+            <a:avLst/>
+          </a:prstGeom>
+          <a:noFill/>
+        </p:spPr>
+        <p:txBody>
+          <a:bodyPr wrap="square" rtlCol="0">
+            <a:spAutoFit/>
+          </a:bodyPr>
+          <a:lstStyle/>
+          <a:p>
+            <a:pPr algn="ctr"/>
+            <a:r>
+              <a:rPr lang="en-US" altLang="zh-CN" dirty="0"/>
+              <a:t>A</a:t>
+            </a:r>
+            <a:endParaRPr lang="zh-CN" altLang="en-US" dirty="0"/>
+          </a:p>
+        </p:txBody>
+      </p:sp>
+      <p:sp>
+        <p:nvSpPr>
+          <p:cNvPr id="39" name="TextBox 38">
+            <a:extLst>
+              <a:ext uri="{FF2B5EF4-FFF2-40B4-BE49-F238E27FC236}">
+                <a16:creationId xmlns:a16="http://schemas.microsoft.com/office/drawing/2014/main" id="{4EBE42CC-4C36-4564-9B8C-60551305CE7C}"/>
+              </a:ext>
+            </a:extLst>
+          </p:cNvPr>
+          <p:cNvSpPr txBox="1"/>
+          <p:nvPr/>
+        </p:nvSpPr>
+        <p:spPr>
+          <a:xfrm>
+            <a:off x="3543566" y="4434108"/>
+            <a:ext cx="252549" cy="369332"/>
+          </a:xfrm>
+          <a:prstGeom prst="rect">
+            <a:avLst/>
+          </a:prstGeom>
+          <a:noFill/>
+        </p:spPr>
+        <p:txBody>
+          <a:bodyPr wrap="square" rtlCol="0">
+            <a:spAutoFit/>
+          </a:bodyPr>
+          <a:lstStyle/>
+          <a:p>
+            <a:pPr algn="ctr"/>
+            <a:r>
+              <a:rPr lang="en-US" altLang="zh-CN" dirty="0"/>
+              <a:t>B</a:t>
+            </a:r>
+            <a:endParaRPr lang="zh-CN" altLang="en-US" dirty="0"/>
+          </a:p>
+        </p:txBody>
+      </p:sp>
+      <p:sp>
+        <p:nvSpPr>
+          <p:cNvPr id="41" name="TextBox 40">
+            <a:extLst>
+              <a:ext uri="{FF2B5EF4-FFF2-40B4-BE49-F238E27FC236}">
+                <a16:creationId xmlns:a16="http://schemas.microsoft.com/office/drawing/2014/main" id="{14BAE1E4-F9DF-4D95-B27B-108018498B59}"/>
+              </a:ext>
+            </a:extLst>
+          </p:cNvPr>
+          <p:cNvSpPr txBox="1"/>
+          <p:nvPr/>
+        </p:nvSpPr>
+        <p:spPr>
+          <a:xfrm>
+            <a:off x="4530776" y="2685216"/>
+            <a:ext cx="1098098" cy="369332"/>
+          </a:xfrm>
+          <a:prstGeom prst="rect">
+            <a:avLst/>
+          </a:prstGeom>
+          <a:noFill/>
+        </p:spPr>
+        <p:txBody>
+          <a:bodyPr wrap="square" rtlCol="0">
+            <a:spAutoFit/>
+          </a:bodyPr>
+          <a:lstStyle/>
+          <a:p>
+            <a:pPr algn="ctr"/>
+            <a:r>
+              <a:rPr lang="en-US" altLang="zh-CN" dirty="0"/>
+              <a:t>w</a:t>
+            </a:r>
+            <a:r>
+              <a:rPr lang="en-US" altLang="zh-CN" baseline="-25000" dirty="0"/>
+              <a:t>1</a:t>
+            </a:r>
+            <a:r>
+              <a:rPr lang="en-US" altLang="zh-CN" dirty="0"/>
+              <a:t>B</a:t>
+            </a:r>
+            <a:r>
+              <a:rPr lang="en-US" altLang="zh-CN" baseline="-25000" dirty="0"/>
+              <a:t>out</a:t>
+            </a:r>
+            <a:endParaRPr lang="zh-CN" altLang="en-US" dirty="0"/>
+          </a:p>
+        </p:txBody>
+      </p:sp>
+      <p:sp>
+        <p:nvSpPr>
+          <p:cNvPr id="44" name="TextBox 43">
+            <a:extLst>
+              <a:ext uri="{FF2B5EF4-FFF2-40B4-BE49-F238E27FC236}">
+                <a16:creationId xmlns:a16="http://schemas.microsoft.com/office/drawing/2014/main" id="{AD779CB5-5D62-4E1D-929D-B8E7EE5D59BE}"/>
+              </a:ext>
+            </a:extLst>
+          </p:cNvPr>
+          <p:cNvSpPr txBox="1"/>
+          <p:nvPr/>
+        </p:nvSpPr>
+        <p:spPr>
+          <a:xfrm>
+            <a:off x="7815942" y="1463141"/>
+            <a:ext cx="522514" cy="369332"/>
+          </a:xfrm>
+          <a:prstGeom prst="rect">
+            <a:avLst/>
+          </a:prstGeom>
+          <a:noFill/>
+        </p:spPr>
+        <p:txBody>
+          <a:bodyPr wrap="square" rtlCol="0">
+            <a:spAutoFit/>
+          </a:bodyPr>
+          <a:lstStyle/>
+          <a:p>
+            <a:pPr algn="ctr"/>
+            <a:r>
+              <a:rPr lang="en-US" altLang="zh-CN" dirty="0"/>
+              <a:t>g</a:t>
+            </a:r>
+            <a:r>
+              <a:rPr lang="en-US" altLang="zh-CN" baseline="-25000" dirty="0"/>
+              <a:t>1</a:t>
+            </a:r>
+            <a:endParaRPr lang="zh-CN" altLang="en-US" dirty="0"/>
+          </a:p>
+        </p:txBody>
+      </p:sp>
+      <p:sp>
+        <p:nvSpPr>
+          <p:cNvPr id="45" name="TextBox 44">
+            <a:extLst>
+              <a:ext uri="{FF2B5EF4-FFF2-40B4-BE49-F238E27FC236}">
+                <a16:creationId xmlns:a16="http://schemas.microsoft.com/office/drawing/2014/main" id="{8643D341-94FC-4E87-B0D7-C12569CA3AAA}"/>
+              </a:ext>
+            </a:extLst>
+          </p:cNvPr>
+          <p:cNvSpPr txBox="1"/>
+          <p:nvPr/>
+        </p:nvSpPr>
+        <p:spPr>
+          <a:xfrm>
+            <a:off x="7811578" y="3298918"/>
+            <a:ext cx="522514" cy="369332"/>
+          </a:xfrm>
+          <a:prstGeom prst="rect">
+            <a:avLst/>
+          </a:prstGeom>
+          <a:noFill/>
+        </p:spPr>
+        <p:txBody>
+          <a:bodyPr wrap="square" rtlCol="0">
+            <a:spAutoFit/>
+          </a:bodyPr>
+          <a:lstStyle/>
+          <a:p>
+            <a:pPr algn="ctr"/>
+            <a:r>
+              <a:rPr lang="en-US" altLang="zh-CN" dirty="0"/>
+              <a:t>g</a:t>
+            </a:r>
+            <a:r>
+              <a:rPr lang="en-US" altLang="zh-CN" baseline="-25000" dirty="0"/>
+              <a:t>2</a:t>
+            </a:r>
+            <a:endParaRPr lang="zh-CN" altLang="en-US" dirty="0"/>
+          </a:p>
+        </p:txBody>
+      </p:sp>
+      <p:sp>
+        <p:nvSpPr>
+          <p:cNvPr id="46" name="TextBox 45">
+            <a:extLst>
+              <a:ext uri="{FF2B5EF4-FFF2-40B4-BE49-F238E27FC236}">
+                <a16:creationId xmlns:a16="http://schemas.microsoft.com/office/drawing/2014/main" id="{115D2AEA-8E7A-4570-9850-5A35ECA5D7F1}"/>
+              </a:ext>
+            </a:extLst>
+          </p:cNvPr>
+          <p:cNvSpPr txBox="1"/>
+          <p:nvPr/>
+        </p:nvSpPr>
+        <p:spPr>
+          <a:xfrm>
+            <a:off x="7815942" y="5164745"/>
+            <a:ext cx="522514" cy="369332"/>
+          </a:xfrm>
+          <a:prstGeom prst="rect">
+            <a:avLst/>
+          </a:prstGeom>
+          <a:noFill/>
+        </p:spPr>
+        <p:txBody>
+          <a:bodyPr wrap="square" rtlCol="0">
+            <a:spAutoFit/>
+          </a:bodyPr>
+          <a:lstStyle/>
+          <a:p>
+            <a:pPr algn="ctr"/>
+            <a:r>
+              <a:rPr lang="en-US" altLang="zh-CN" dirty="0"/>
+              <a:t>g</a:t>
+            </a:r>
+            <a:r>
+              <a:rPr lang="en-US" altLang="zh-CN" baseline="-25000" dirty="0"/>
+              <a:t>3</a:t>
+            </a:r>
+            <a:endParaRPr lang="zh-CN" altLang="en-US" dirty="0"/>
+          </a:p>
+        </p:txBody>
+      </p:sp>
+      <mc:AlternateContent xmlns:mc="http://schemas.openxmlformats.org/markup-compatibility/2006">
+        <mc:Choice xmlns:a14="http://schemas.microsoft.com/office/drawing/2010/main" Requires="a14">
+          <p:sp>
+            <p:nvSpPr>
+              <p:cNvPr id="47" name="TextBox 46">
+                <a:extLst>
+                  <a:ext uri="{FF2B5EF4-FFF2-40B4-BE49-F238E27FC236}">
+                    <a16:creationId xmlns:a16="http://schemas.microsoft.com/office/drawing/2014/main" id="{346F231B-97ED-4867-B4AE-EEE6207F0323}"/>
+                  </a:ext>
+                </a:extLst>
+              </p:cNvPr>
+              <p:cNvSpPr txBox="1"/>
+              <p:nvPr/>
+            </p:nvSpPr>
+            <p:spPr>
+              <a:xfrm>
+                <a:off x="557130" y="5510766"/>
+                <a:ext cx="3910558" cy="672235"/>
+              </a:xfrm>
+              <a:prstGeom prst="rect">
+                <a:avLst/>
+              </a:prstGeom>
+              <a:noFill/>
+            </p:spPr>
+            <p:txBody>
+              <a:bodyPr wrap="none" lIns="0" tIns="0" rIns="0" bIns="0" rtlCol="0">
+                <a:spAutoFit/>
+              </a:bodyPr>
+              <a:lstStyle/>
+              <a:p>
+                <a14:m>
+                  <m:oMathPara xmlns:m="http://schemas.openxmlformats.org/officeDocument/2006/math">
+                    <m:oMathParaPr>
+                      <m:jc m:val="centerGroup"/>
+                    </m:oMathParaPr>
+                    <m:oMath xmlns:m="http://schemas.openxmlformats.org/officeDocument/2006/math">
+                      <m:f>
+                        <m:fPr>
+                          <m:ctrlPr>
+                            <a:rPr lang="en-US" altLang="zh-CN" i="1" smtClean="0">
+                              <a:latin typeface="Cambria Math" panose="02040503050406030204" pitchFamily="18" charset="0"/>
+                            </a:rPr>
+                          </m:ctrlPr>
+                        </m:fPr>
+                        <m:num>
+                          <m:r>
+                            <a:rPr lang="zh-CN" altLang="en-US" i="1" smtClean="0">
+                              <a:latin typeface="Cambria Math" panose="02040503050406030204" pitchFamily="18" charset="0"/>
+                            </a:rPr>
+                            <m:t>𝜕</m:t>
+                          </m:r>
+                          <m:r>
+                            <a:rPr lang="en-US" altLang="zh-CN" b="0" i="1" smtClean="0">
+                              <a:latin typeface="Cambria Math" panose="02040503050406030204" pitchFamily="18" charset="0"/>
+                            </a:rPr>
+                            <m:t>𝐿</m:t>
+                          </m:r>
+                        </m:num>
+                        <m:den>
+                          <m:r>
+                            <a:rPr lang="en-US" altLang="zh-CN" b="0" i="1" smtClean="0">
+                              <a:latin typeface="Cambria Math" panose="02040503050406030204" pitchFamily="18" charset="0"/>
+                            </a:rPr>
+                            <m:t>𝑑𝐵</m:t>
+                          </m:r>
+                        </m:den>
+                      </m:f>
+                      <m:r>
+                        <a:rPr lang="en-US" altLang="zh-CN" b="0" i="1" smtClean="0">
+                          <a:latin typeface="Cambria Math" panose="02040503050406030204" pitchFamily="18" charset="0"/>
+                        </a:rPr>
+                        <m:t>=</m:t>
+                      </m:r>
+                      <m:sSub>
+                        <m:sSubPr>
+                          <m:ctrlPr>
+                            <a:rPr lang="en-US" altLang="zh-CN" i="1">
+                              <a:latin typeface="Cambria Math" panose="02040503050406030204" pitchFamily="18" charset="0"/>
+                            </a:rPr>
+                          </m:ctrlPr>
+                        </m:sSubPr>
+                        <m:e>
+                          <m:r>
+                            <a:rPr lang="en-US" altLang="zh-CN" i="1">
+                              <a:latin typeface="Cambria Math" panose="02040503050406030204" pitchFamily="18" charset="0"/>
+                            </a:rPr>
+                            <m:t>𝑤</m:t>
+                          </m:r>
+                        </m:e>
+                        <m:sub>
+                          <m:r>
+                            <a:rPr lang="en-US" altLang="zh-CN" i="1">
+                              <a:latin typeface="Cambria Math" panose="02040503050406030204" pitchFamily="18" charset="0"/>
+                            </a:rPr>
+                            <m:t>1</m:t>
+                          </m:r>
+                        </m:sub>
+                      </m:sSub>
+                      <m:sSub>
+                        <m:sSubPr>
+                          <m:ctrlPr>
+                            <a:rPr lang="en-US" altLang="zh-CN" i="1">
+                              <a:latin typeface="Cambria Math" panose="02040503050406030204" pitchFamily="18" charset="0"/>
+                            </a:rPr>
+                          </m:ctrlPr>
+                        </m:sSubPr>
+                        <m:e>
+                          <m:r>
+                            <a:rPr lang="en-US" altLang="zh-CN" i="1">
+                              <a:latin typeface="Cambria Math" panose="02040503050406030204" pitchFamily="18" charset="0"/>
+                            </a:rPr>
+                            <m:t>𝑔</m:t>
+                          </m:r>
+                        </m:e>
+                        <m:sub>
+                          <m:r>
+                            <a:rPr lang="en-US" altLang="zh-CN" i="1">
+                              <a:latin typeface="Cambria Math" panose="02040503050406030204" pitchFamily="18" charset="0"/>
+                            </a:rPr>
+                            <m:t>1</m:t>
+                          </m:r>
+                        </m:sub>
+                      </m:sSub>
+                      <m:r>
+                        <a:rPr lang="en-US" altLang="zh-CN" b="0" i="0" smtClean="0">
+                          <a:latin typeface="Cambria Math" panose="02040503050406030204" pitchFamily="18" charset="0"/>
+                        </a:rPr>
+                        <m:t>+</m:t>
+                      </m:r>
+                      <m:sSub>
+                        <m:sSubPr>
+                          <m:ctrlPr>
+                            <a:rPr lang="en-US" altLang="zh-CN" i="1">
+                              <a:latin typeface="Cambria Math" panose="02040503050406030204" pitchFamily="18" charset="0"/>
+                            </a:rPr>
+                          </m:ctrlPr>
+                        </m:sSubPr>
+                        <m:e>
+                          <m:r>
+                            <a:rPr lang="en-US" altLang="zh-CN" i="1">
+                              <a:latin typeface="Cambria Math" panose="02040503050406030204" pitchFamily="18" charset="0"/>
+                            </a:rPr>
+                            <m:t>𝑤</m:t>
+                          </m:r>
+                        </m:e>
+                        <m:sub>
+                          <m:r>
+                            <a:rPr lang="en-US" altLang="zh-CN" b="0" i="1" smtClean="0">
+                              <a:latin typeface="Cambria Math" panose="02040503050406030204" pitchFamily="18" charset="0"/>
+                            </a:rPr>
+                            <m:t>2</m:t>
+                          </m:r>
+                        </m:sub>
+                      </m:sSub>
+                      <m:sSub>
+                        <m:sSubPr>
+                          <m:ctrlPr>
+                            <a:rPr lang="en-US" altLang="zh-CN" i="1">
+                              <a:latin typeface="Cambria Math" panose="02040503050406030204" pitchFamily="18" charset="0"/>
+                            </a:rPr>
+                          </m:ctrlPr>
+                        </m:sSubPr>
+                        <m:e>
+                          <m:r>
+                            <a:rPr lang="en-US" altLang="zh-CN" i="1">
+                              <a:latin typeface="Cambria Math" panose="02040503050406030204" pitchFamily="18" charset="0"/>
+                            </a:rPr>
+                            <m:t>𝑔</m:t>
+                          </m:r>
+                        </m:e>
+                        <m:sub>
+                          <m:r>
+                            <a:rPr lang="en-US" altLang="zh-CN" b="0" i="1" smtClean="0">
+                              <a:latin typeface="Cambria Math" panose="02040503050406030204" pitchFamily="18" charset="0"/>
+                            </a:rPr>
+                            <m:t>2</m:t>
+                          </m:r>
+                        </m:sub>
+                      </m:sSub>
+                      <m:r>
+                        <a:rPr lang="en-US" altLang="zh-CN" b="0" i="0" smtClean="0">
+                          <a:latin typeface="Cambria Math" panose="02040503050406030204" pitchFamily="18" charset="0"/>
+                        </a:rPr>
+                        <m:t>+</m:t>
+                      </m:r>
+                      <m:sSub>
+                        <m:sSubPr>
+                          <m:ctrlPr>
+                            <a:rPr lang="en-US" altLang="zh-CN" i="1">
+                              <a:latin typeface="Cambria Math" panose="02040503050406030204" pitchFamily="18" charset="0"/>
+                            </a:rPr>
+                          </m:ctrlPr>
+                        </m:sSubPr>
+                        <m:e>
+                          <m:r>
+                            <a:rPr lang="en-US" altLang="zh-CN" i="1">
+                              <a:latin typeface="Cambria Math" panose="02040503050406030204" pitchFamily="18" charset="0"/>
+                            </a:rPr>
+                            <m:t>𝑤</m:t>
+                          </m:r>
+                        </m:e>
+                        <m:sub>
+                          <m:r>
+                            <a:rPr lang="en-US" altLang="zh-CN" b="0" i="1" smtClean="0">
+                              <a:latin typeface="Cambria Math" panose="02040503050406030204" pitchFamily="18" charset="0"/>
+                            </a:rPr>
+                            <m:t>3</m:t>
+                          </m:r>
+                        </m:sub>
+                      </m:sSub>
+                      <m:sSub>
+                        <m:sSubPr>
+                          <m:ctrlPr>
+                            <a:rPr lang="en-US" altLang="zh-CN" i="1">
+                              <a:latin typeface="Cambria Math" panose="02040503050406030204" pitchFamily="18" charset="0"/>
+                            </a:rPr>
+                          </m:ctrlPr>
+                        </m:sSubPr>
+                        <m:e>
+                          <m:r>
+                            <a:rPr lang="en-US" altLang="zh-CN" i="1">
+                              <a:latin typeface="Cambria Math" panose="02040503050406030204" pitchFamily="18" charset="0"/>
+                            </a:rPr>
+                            <m:t>𝑔</m:t>
+                          </m:r>
+                        </m:e>
+                        <m:sub>
+                          <m:r>
+                            <a:rPr lang="en-US" altLang="zh-CN" b="0" i="1" smtClean="0">
+                              <a:latin typeface="Cambria Math" panose="02040503050406030204" pitchFamily="18" charset="0"/>
+                            </a:rPr>
+                            <m:t>3</m:t>
+                          </m:r>
+                        </m:sub>
+                      </m:sSub>
+                      <m:r>
+                        <a:rPr lang="en-US" altLang="zh-CN" b="0" i="1" smtClean="0">
+                          <a:latin typeface="Cambria Math" panose="02040503050406030204" pitchFamily="18" charset="0"/>
+                        </a:rPr>
+                        <m:t>=</m:t>
+                      </m:r>
+                      <m:nary>
+                        <m:naryPr>
+                          <m:chr m:val="∑"/>
+                          <m:supHide m:val="on"/>
+                          <m:ctrlPr>
+                            <a:rPr lang="en-US" altLang="zh-CN" b="0" i="1" smtClean="0">
+                              <a:latin typeface="Cambria Math" panose="02040503050406030204" pitchFamily="18" charset="0"/>
+                            </a:rPr>
+                          </m:ctrlPr>
+                        </m:naryPr>
+                        <m:sub>
+                          <m:r>
+                            <m:rPr>
+                              <m:brk m:alnAt="7"/>
+                            </m:rPr>
+                            <a:rPr lang="en-US" altLang="zh-CN" b="0" i="1" smtClean="0">
+                              <a:latin typeface="Cambria Math" panose="02040503050406030204" pitchFamily="18" charset="0"/>
+                            </a:rPr>
+                            <m:t>𝑖</m:t>
+                          </m:r>
+                        </m:sub>
+                        <m:sup/>
+                        <m:e>
+                          <m:sSub>
+                            <m:sSubPr>
+                              <m:ctrlPr>
+                                <a:rPr lang="en-US" altLang="zh-CN" b="0" i="1" smtClean="0">
+                                  <a:latin typeface="Cambria Math" panose="02040503050406030204" pitchFamily="18" charset="0"/>
+                                </a:rPr>
+                              </m:ctrlPr>
+                            </m:sSubPr>
+                            <m:e>
+                              <m:r>
+                                <a:rPr lang="en-US" altLang="zh-CN" b="0" i="1" smtClean="0">
+                                  <a:latin typeface="Cambria Math" panose="02040503050406030204" pitchFamily="18" charset="0"/>
+                                </a:rPr>
+                                <m:t>𝑤</m:t>
+                              </m:r>
+                            </m:e>
+                            <m:sub>
+                              <m:r>
+                                <a:rPr lang="en-US" altLang="zh-CN" b="0" i="1" smtClean="0">
+                                  <a:latin typeface="Cambria Math" panose="02040503050406030204" pitchFamily="18" charset="0"/>
+                                </a:rPr>
+                                <m:t>𝑖</m:t>
+                              </m:r>
+                            </m:sub>
+                          </m:sSub>
+                          <m:sSub>
+                            <m:sSubPr>
+                              <m:ctrlPr>
+                                <a:rPr lang="en-US" altLang="zh-CN" b="0" i="1" smtClean="0">
+                                  <a:latin typeface="Cambria Math" panose="02040503050406030204" pitchFamily="18" charset="0"/>
+                                </a:rPr>
+                              </m:ctrlPr>
+                            </m:sSubPr>
+                            <m:e>
+                              <m:r>
+                                <a:rPr lang="en-US" altLang="zh-CN" b="0" i="1" smtClean="0">
+                                  <a:latin typeface="Cambria Math" panose="02040503050406030204" pitchFamily="18" charset="0"/>
+                                </a:rPr>
+                                <m:t>𝑔</m:t>
+                              </m:r>
+                            </m:e>
+                            <m:sub>
+                              <m:r>
+                                <a:rPr lang="en-US" altLang="zh-CN" b="0" i="1" smtClean="0">
+                                  <a:latin typeface="Cambria Math" panose="02040503050406030204" pitchFamily="18" charset="0"/>
+                                </a:rPr>
+                                <m:t>𝑖</m:t>
+                              </m:r>
+                            </m:sub>
+                          </m:sSub>
+                        </m:e>
+                      </m:nary>
+                    </m:oMath>
+                  </m:oMathPara>
+                </a14:m>
+                <a:endParaRPr lang="zh-CN" altLang="en-US" dirty="0"/>
+              </a:p>
+            </p:txBody>
+          </p:sp>
+        </mc:Choice>
+        <mc:Fallback>
+          <p:sp>
+            <p:nvSpPr>
+              <p:cNvPr id="47" name="TextBox 46">
+                <a:extLst>
+                  <a:ext uri="{FF2B5EF4-FFF2-40B4-BE49-F238E27FC236}">
+                    <a16:creationId xmlns:a16="http://schemas.microsoft.com/office/drawing/2014/main" id="{346F231B-97ED-4867-B4AE-EEE6207F0323}"/>
+                  </a:ext>
+                </a:extLst>
+              </p:cNvPr>
+              <p:cNvSpPr txBox="1">
+                <a:spLocks noRot="1" noChangeAspect="1" noMove="1" noResize="1" noEditPoints="1" noAdjustHandles="1" noChangeArrowheads="1" noChangeShapeType="1" noTextEdit="1"/>
+              </p:cNvSpPr>
+              <p:nvPr/>
+            </p:nvSpPr>
+            <p:spPr>
+              <a:xfrm>
+                <a:off x="557130" y="5510766"/>
+                <a:ext cx="3910558" cy="672235"/>
+              </a:xfrm>
+              <a:prstGeom prst="rect">
+                <a:avLst/>
+              </a:prstGeom>
+              <a:blipFill>
+                <a:blip r:embed="rId2"/>
+                <a:stretch>
+                  <a:fillRect/>
+                </a:stretch>
+              </a:blipFill>
+            </p:spPr>
+            <p:txBody>
+              <a:bodyPr/>
+              <a:lstStyle/>
+              <a:p>
+                <a:r>
+                  <a:rPr lang="zh-CN" altLang="en-US">
+                    <a:noFill/>
+                  </a:rPr>
+                  <a:t> </a:t>
+                </a:r>
+              </a:p>
+            </p:txBody>
+          </p:sp>
+        </mc:Fallback>
+      </mc:AlternateContent>
+      <p:sp>
+        <p:nvSpPr>
+          <p:cNvPr id="48" name="TextBox 47">
+            <a:extLst>
+              <a:ext uri="{FF2B5EF4-FFF2-40B4-BE49-F238E27FC236}">
+                <a16:creationId xmlns:a16="http://schemas.microsoft.com/office/drawing/2014/main" id="{29295A9B-0CEE-4DAB-85D4-FCAAF9DA0A9E}"/>
+              </a:ext>
+            </a:extLst>
+          </p:cNvPr>
+          <p:cNvSpPr txBox="1"/>
+          <p:nvPr/>
+        </p:nvSpPr>
+        <p:spPr>
+          <a:xfrm>
+            <a:off x="9386222" y="1463141"/>
+            <a:ext cx="2473012" cy="5078313"/>
+          </a:xfrm>
+          <a:prstGeom prst="rect">
+            <a:avLst/>
+          </a:prstGeom>
+          <a:noFill/>
+        </p:spPr>
+        <p:txBody>
+          <a:bodyPr wrap="square" rtlCol="0">
+            <a:spAutoFit/>
+          </a:bodyPr>
+          <a:lstStyle/>
+          <a:p>
+            <a:r>
+              <a:rPr lang="en-US" altLang="zh-CN" dirty="0"/>
+              <a:t>If we know how much each neuron in the next layer affects the loss with a gradient (g), and we know how much the activation will be multiplied by(w), we know how much the error will be affected.</a:t>
+            </a:r>
+          </a:p>
+          <a:p>
+            <a:endParaRPr lang="en-US" altLang="zh-CN" dirty="0"/>
+          </a:p>
+          <a:p>
+            <a:r>
+              <a:rPr lang="en-US" altLang="zh-CN" dirty="0"/>
+              <a:t>For example, if w</a:t>
+            </a:r>
+            <a:r>
+              <a:rPr lang="en-US" altLang="zh-CN" baseline="-25000" dirty="0"/>
+              <a:t>1</a:t>
+            </a:r>
+            <a:r>
+              <a:rPr lang="en-US" altLang="zh-CN" dirty="0"/>
+              <a:t> = 0.5, and g</a:t>
+            </a:r>
+            <a:r>
+              <a:rPr lang="en-US" altLang="zh-CN" baseline="-25000" dirty="0"/>
+              <a:t>1</a:t>
+            </a:r>
+            <a:r>
+              <a:rPr lang="en-US" altLang="zh-CN" dirty="0"/>
+              <a:t> = 0.3, then if the output of neuron B increased by 1, the input to neuron g</a:t>
+            </a:r>
+            <a:r>
+              <a:rPr lang="en-US" altLang="zh-CN" baseline="-25000" dirty="0"/>
+              <a:t>1</a:t>
+            </a:r>
+            <a:r>
+              <a:rPr lang="en-US" altLang="zh-CN" dirty="0"/>
+              <a:t> would increase by 0.5, which would impact the loss by 0.15</a:t>
+            </a:r>
+            <a:endParaRPr lang="zh-CN" altLang="en-US" dirty="0"/>
+          </a:p>
+        </p:txBody>
+      </p:sp>
+      <p:sp>
+        <p:nvSpPr>
+          <p:cNvPr id="49" name="TextBox 48">
+            <a:extLst>
+              <a:ext uri="{FF2B5EF4-FFF2-40B4-BE49-F238E27FC236}">
+                <a16:creationId xmlns:a16="http://schemas.microsoft.com/office/drawing/2014/main" id="{68954537-5C81-4CD0-9C0A-8C6FDBD6F1A0}"/>
+              </a:ext>
+            </a:extLst>
+          </p:cNvPr>
+          <p:cNvSpPr txBox="1"/>
+          <p:nvPr/>
+        </p:nvSpPr>
+        <p:spPr>
+          <a:xfrm>
+            <a:off x="4581803" y="5170042"/>
+            <a:ext cx="1098098" cy="369332"/>
+          </a:xfrm>
+          <a:prstGeom prst="rect">
+            <a:avLst/>
+          </a:prstGeom>
+          <a:noFill/>
+        </p:spPr>
+        <p:txBody>
+          <a:bodyPr wrap="square" rtlCol="0">
+            <a:spAutoFit/>
+          </a:bodyPr>
+          <a:lstStyle/>
+          <a:p>
+            <a:pPr algn="ctr"/>
+            <a:r>
+              <a:rPr lang="en-US" altLang="zh-CN" dirty="0"/>
+              <a:t>w</a:t>
+            </a:r>
+            <a:r>
+              <a:rPr lang="en-US" altLang="zh-CN" baseline="-25000" dirty="0"/>
+              <a:t>3</a:t>
+            </a:r>
+            <a:r>
+              <a:rPr lang="en-US" altLang="zh-CN" dirty="0"/>
+              <a:t>B</a:t>
+            </a:r>
+            <a:r>
+              <a:rPr lang="en-US" altLang="zh-CN" baseline="-25000" dirty="0"/>
+              <a:t>out</a:t>
+            </a:r>
+            <a:endParaRPr lang="zh-CN" altLang="en-US" dirty="0"/>
+          </a:p>
+        </p:txBody>
+      </p:sp>
+      <p:sp>
+        <p:nvSpPr>
+          <p:cNvPr id="50" name="TextBox 49">
+            <a:extLst>
+              <a:ext uri="{FF2B5EF4-FFF2-40B4-BE49-F238E27FC236}">
+                <a16:creationId xmlns:a16="http://schemas.microsoft.com/office/drawing/2014/main" id="{91155928-66AC-4776-B771-6BDAE89C74FB}"/>
+              </a:ext>
+            </a:extLst>
+          </p:cNvPr>
+          <p:cNvSpPr txBox="1"/>
+          <p:nvPr/>
+        </p:nvSpPr>
+        <p:spPr>
+          <a:xfrm>
+            <a:off x="4815831" y="3662533"/>
+            <a:ext cx="1098098" cy="369332"/>
+          </a:xfrm>
+          <a:prstGeom prst="rect">
+            <a:avLst/>
+          </a:prstGeom>
+          <a:noFill/>
+        </p:spPr>
+        <p:txBody>
+          <a:bodyPr wrap="square" rtlCol="0">
+            <a:spAutoFit/>
+          </a:bodyPr>
+          <a:lstStyle/>
+          <a:p>
+            <a:pPr algn="ctr"/>
+            <a:r>
+              <a:rPr lang="en-US" altLang="zh-CN" dirty="0"/>
+              <a:t>w</a:t>
+            </a:r>
+            <a:r>
+              <a:rPr lang="en-US" altLang="zh-CN" baseline="-25000" dirty="0"/>
+              <a:t>2</a:t>
+            </a:r>
+            <a:r>
+              <a:rPr lang="en-US" altLang="zh-CN" dirty="0"/>
+              <a:t>B</a:t>
+            </a:r>
+            <a:r>
+              <a:rPr lang="en-US" altLang="zh-CN" baseline="-25000" dirty="0"/>
+              <a:t>out</a:t>
+            </a:r>
+            <a:endParaRPr lang="zh-CN" altLang="en-US" dirty="0"/>
           </a:p>
         </p:txBody>
       </p:sp>
     </p:spTree>
     <p:extLst>
       <p:ext uri="{BB962C8B-B14F-4D97-AF65-F5344CB8AC3E}">
-        <p14:creationId xmlns:p14="http://schemas.microsoft.com/office/powerpoint/2010/main" val="1217588026"/>
+        <p14:creationId xmlns:p14="http://schemas.microsoft.com/office/powerpoint/2010/main" val="3193220992"/>
       </p:ext>
     </p:extLst>
   </p:cSld>
@@ -5532,7 +10704,7 @@
           <p:cNvPr id="2" name="Title 1">
             <a:extLst>
               <a:ext uri="{FF2B5EF4-FFF2-40B4-BE49-F238E27FC236}">
-                <a16:creationId xmlns:a16="http://schemas.microsoft.com/office/drawing/2014/main" id="{7EE5A697-ED74-4937-90C3-BAAD49C43562}"/>
+                <a16:creationId xmlns:a16="http://schemas.microsoft.com/office/drawing/2014/main" id="{750E3383-716B-405F-B9B9-46F23E3D2474}"/>
               </a:ext>
             </a:extLst>
           </p:cNvPr>
@@ -5543,79 +10715,1617 @@
             <p:ph type="title"/>
           </p:nvPr>
         </p:nvSpPr>
-        <p:spPr/>
+        <p:spPr>
+          <a:xfrm>
+            <a:off x="182880" y="69034"/>
+            <a:ext cx="11660777" cy="1325563"/>
+          </a:xfrm>
+        </p:spPr>
         <p:txBody>
           <a:bodyPr/>
           <a:lstStyle/>
           <a:p>
             <a:r>
-              <a:rPr lang="en-US" dirty="0"/>
-              <a:t>Report Writing (Questions)</a:t>
-            </a:r>
-          </a:p>
-        </p:txBody>
-      </p:sp>
-      <p:sp>
-        <p:nvSpPr>
-          <p:cNvPr id="3" name="Content Placeholder 2">
-            <a:extLst>
-              <a:ext uri="{FF2B5EF4-FFF2-40B4-BE49-F238E27FC236}">
-                <a16:creationId xmlns:a16="http://schemas.microsoft.com/office/drawing/2014/main" id="{1C212DA7-6C6E-4274-974D-C61F6265B813}"/>
-              </a:ext>
-            </a:extLst>
-          </p:cNvPr>
-          <p:cNvSpPr>
-            <a:spLocks noGrp="1"/>
-          </p:cNvSpPr>
-          <p:nvPr>
-            <p:ph idx="1"/>
-          </p:nvPr>
-        </p:nvSpPr>
-        <p:spPr/>
-        <p:txBody>
-          <a:bodyPr/>
-          <a:lstStyle/>
-          <a:p>
-            <a:r>
-              <a:rPr lang="en-US" dirty="0"/>
-              <a:t>Should source code go in the appendix in addition to the </a:t>
-            </a:r>
-            <a:r>
-              <a:rPr lang="en-US" dirty="0" err="1"/>
-              <a:t>Github</a:t>
-            </a:r>
-            <a:r>
-              <a:rPr lang="en-US" dirty="0"/>
-              <a:t> repository link? </a:t>
-            </a:r>
-          </a:p>
-          <a:p>
-            <a:endParaRPr lang="en-US" dirty="0"/>
-          </a:p>
-          <a:p>
-            <a:endParaRPr lang="en-US" dirty="0"/>
-          </a:p>
-          <a:p>
-            <a:pPr marL="0" indent="0">
-              <a:buNone/>
-            </a:pPr>
-            <a:endParaRPr lang="en-US" dirty="0"/>
-          </a:p>
-          <a:p>
-            <a:pPr marL="0" indent="0">
-              <a:buNone/>
-            </a:pPr>
-            <a:endParaRPr lang="en-US" dirty="0"/>
-          </a:p>
-          <a:p>
-            <a:endParaRPr lang="en-US" dirty="0"/>
-          </a:p>
-        </p:txBody>
-      </p:sp>
+              <a:rPr lang="en-US" altLang="zh-CN" dirty="0"/>
+              <a:t>Weight Mode: Calculate dL/</a:t>
+            </a:r>
+            <a:r>
+              <a:rPr lang="en-US" altLang="zh-CN" dirty="0" err="1"/>
+              <a:t>dw</a:t>
+            </a:r>
+            <a:r>
+              <a:rPr lang="en-US" altLang="zh-CN" dirty="0"/>
+              <a:t> for current layer</a:t>
+            </a:r>
+            <a:endParaRPr lang="zh-CN" altLang="en-US" dirty="0"/>
+          </a:p>
+        </p:txBody>
+      </p:sp>
+      <p:sp>
+        <p:nvSpPr>
+          <p:cNvPr id="4" name="Oval 3">
+            <a:extLst>
+              <a:ext uri="{FF2B5EF4-FFF2-40B4-BE49-F238E27FC236}">
+                <a16:creationId xmlns:a16="http://schemas.microsoft.com/office/drawing/2014/main" id="{37796383-E362-43BB-B26B-37891B055B2B}"/>
+              </a:ext>
+            </a:extLst>
+          </p:cNvPr>
+          <p:cNvSpPr/>
+          <p:nvPr/>
+        </p:nvSpPr>
+        <p:spPr>
+          <a:xfrm>
+            <a:off x="3307622" y="2418840"/>
+            <a:ext cx="724437" cy="685800"/>
+          </a:xfrm>
+          <a:prstGeom prst="ellipse">
+            <a:avLst/>
+          </a:prstGeom>
+        </p:spPr>
+        <p:style>
+          <a:lnRef idx="2">
+            <a:schemeClr val="dk1"/>
+          </a:lnRef>
+          <a:fillRef idx="1">
+            <a:schemeClr val="lt1"/>
+          </a:fillRef>
+          <a:effectRef idx="0">
+            <a:schemeClr val="dk1"/>
+          </a:effectRef>
+          <a:fontRef idx="minor">
+            <a:schemeClr val="dk1"/>
+          </a:fontRef>
+        </p:style>
+        <p:txBody>
+          <a:bodyPr rtlCol="0" anchor="ctr"/>
+          <a:lstStyle/>
+          <a:p>
+            <a:pPr algn="ctr"/>
+            <a:endParaRPr lang="zh-CN" altLang="en-US"/>
+          </a:p>
+        </p:txBody>
+      </p:sp>
+      <p:sp>
+        <p:nvSpPr>
+          <p:cNvPr id="5" name="Oval 4">
+            <a:extLst>
+              <a:ext uri="{FF2B5EF4-FFF2-40B4-BE49-F238E27FC236}">
+                <a16:creationId xmlns:a16="http://schemas.microsoft.com/office/drawing/2014/main" id="{8A0DC98F-FF6A-4E0D-98C3-A9F7D8AB5F98}"/>
+              </a:ext>
+            </a:extLst>
+          </p:cNvPr>
+          <p:cNvSpPr/>
+          <p:nvPr/>
+        </p:nvSpPr>
+        <p:spPr>
+          <a:xfrm>
+            <a:off x="3307622" y="4275874"/>
+            <a:ext cx="724437" cy="685800"/>
+          </a:xfrm>
+          <a:prstGeom prst="ellipse">
+            <a:avLst/>
+          </a:prstGeom>
+          <a:ln>
+            <a:solidFill>
+              <a:schemeClr val="tx1"/>
+            </a:solidFill>
+          </a:ln>
+        </p:spPr>
+        <p:style>
+          <a:lnRef idx="2">
+            <a:schemeClr val="dk1"/>
+          </a:lnRef>
+          <a:fillRef idx="1">
+            <a:schemeClr val="lt1"/>
+          </a:fillRef>
+          <a:effectRef idx="0">
+            <a:schemeClr val="dk1"/>
+          </a:effectRef>
+          <a:fontRef idx="minor">
+            <a:schemeClr val="dk1"/>
+          </a:fontRef>
+        </p:style>
+        <p:txBody>
+          <a:bodyPr rtlCol="0" anchor="ctr"/>
+          <a:lstStyle/>
+          <a:p>
+            <a:pPr algn="ctr"/>
+            <a:endParaRPr lang="zh-CN" altLang="en-US">
+              <a:solidFill>
+                <a:srgbClr val="FF0000"/>
+              </a:solidFill>
+            </a:endParaRPr>
+          </a:p>
+        </p:txBody>
+      </p:sp>
+      <p:sp>
+        <p:nvSpPr>
+          <p:cNvPr id="6" name="Oval 5">
+            <a:extLst>
+              <a:ext uri="{FF2B5EF4-FFF2-40B4-BE49-F238E27FC236}">
+                <a16:creationId xmlns:a16="http://schemas.microsoft.com/office/drawing/2014/main" id="{22154B5F-7191-4B4D-991D-A390CDE93F14}"/>
+              </a:ext>
+            </a:extLst>
+          </p:cNvPr>
+          <p:cNvSpPr/>
+          <p:nvPr/>
+        </p:nvSpPr>
+        <p:spPr>
+          <a:xfrm>
+            <a:off x="6346922" y="1490322"/>
+            <a:ext cx="724437" cy="685800"/>
+          </a:xfrm>
+          <a:prstGeom prst="ellipse">
+            <a:avLst/>
+          </a:prstGeom>
+          <a:ln>
+            <a:solidFill>
+              <a:srgbClr val="FF0000"/>
+            </a:solidFill>
+          </a:ln>
+        </p:spPr>
+        <p:style>
+          <a:lnRef idx="2">
+            <a:schemeClr val="dk1"/>
+          </a:lnRef>
+          <a:fillRef idx="1">
+            <a:schemeClr val="lt1"/>
+          </a:fillRef>
+          <a:effectRef idx="0">
+            <a:schemeClr val="dk1"/>
+          </a:effectRef>
+          <a:fontRef idx="minor">
+            <a:schemeClr val="dk1"/>
+          </a:fontRef>
+        </p:style>
+        <p:txBody>
+          <a:bodyPr rtlCol="0" anchor="ctr"/>
+          <a:lstStyle/>
+          <a:p>
+            <a:pPr algn="ctr"/>
+            <a:endParaRPr lang="zh-CN" altLang="en-US"/>
+          </a:p>
+        </p:txBody>
+      </p:sp>
+      <p:sp>
+        <p:nvSpPr>
+          <p:cNvPr id="7" name="Oval 6">
+            <a:extLst>
+              <a:ext uri="{FF2B5EF4-FFF2-40B4-BE49-F238E27FC236}">
+                <a16:creationId xmlns:a16="http://schemas.microsoft.com/office/drawing/2014/main" id="{CB8C5739-4B0A-4545-B062-1B7BDC01320C}"/>
+              </a:ext>
+            </a:extLst>
+          </p:cNvPr>
+          <p:cNvSpPr/>
+          <p:nvPr/>
+        </p:nvSpPr>
+        <p:spPr>
+          <a:xfrm>
+            <a:off x="6346923" y="3347357"/>
+            <a:ext cx="724437" cy="685800"/>
+          </a:xfrm>
+          <a:prstGeom prst="ellipse">
+            <a:avLst/>
+          </a:prstGeom>
+        </p:spPr>
+        <p:style>
+          <a:lnRef idx="2">
+            <a:schemeClr val="dk1"/>
+          </a:lnRef>
+          <a:fillRef idx="1">
+            <a:schemeClr val="lt1"/>
+          </a:fillRef>
+          <a:effectRef idx="0">
+            <a:schemeClr val="dk1"/>
+          </a:effectRef>
+          <a:fontRef idx="minor">
+            <a:schemeClr val="dk1"/>
+          </a:fontRef>
+        </p:style>
+        <p:txBody>
+          <a:bodyPr rtlCol="0" anchor="ctr"/>
+          <a:lstStyle/>
+          <a:p>
+            <a:pPr algn="ctr"/>
+            <a:endParaRPr lang="zh-CN" altLang="en-US"/>
+          </a:p>
+        </p:txBody>
+      </p:sp>
+      <p:sp>
+        <p:nvSpPr>
+          <p:cNvPr id="8" name="Oval 7">
+            <a:extLst>
+              <a:ext uri="{FF2B5EF4-FFF2-40B4-BE49-F238E27FC236}">
+                <a16:creationId xmlns:a16="http://schemas.microsoft.com/office/drawing/2014/main" id="{1389480E-479D-4719-93AE-E9B4D776E00F}"/>
+              </a:ext>
+            </a:extLst>
+          </p:cNvPr>
+          <p:cNvSpPr/>
+          <p:nvPr/>
+        </p:nvSpPr>
+        <p:spPr>
+          <a:xfrm>
+            <a:off x="6346922" y="5204392"/>
+            <a:ext cx="724437" cy="685800"/>
+          </a:xfrm>
+          <a:prstGeom prst="ellipse">
+            <a:avLst/>
+          </a:prstGeom>
+        </p:spPr>
+        <p:style>
+          <a:lnRef idx="2">
+            <a:schemeClr val="dk1"/>
+          </a:lnRef>
+          <a:fillRef idx="1">
+            <a:schemeClr val="lt1"/>
+          </a:fillRef>
+          <a:effectRef idx="0">
+            <a:schemeClr val="dk1"/>
+          </a:effectRef>
+          <a:fontRef idx="minor">
+            <a:schemeClr val="dk1"/>
+          </a:fontRef>
+        </p:style>
+        <p:txBody>
+          <a:bodyPr rtlCol="0" anchor="ctr"/>
+          <a:lstStyle/>
+          <a:p>
+            <a:pPr algn="ctr"/>
+            <a:endParaRPr lang="zh-CN" altLang="en-US"/>
+          </a:p>
+        </p:txBody>
+      </p:sp>
+      <p:cxnSp>
+        <p:nvCxnSpPr>
+          <p:cNvPr id="10" name="Straight Arrow Connector 9">
+            <a:extLst>
+              <a:ext uri="{FF2B5EF4-FFF2-40B4-BE49-F238E27FC236}">
+                <a16:creationId xmlns:a16="http://schemas.microsoft.com/office/drawing/2014/main" id="{FB7EF560-4DE4-43D7-A174-D749F207EC28}"/>
+              </a:ext>
+            </a:extLst>
+          </p:cNvPr>
+          <p:cNvCxnSpPr>
+            <a:stCxn id="4" idx="6"/>
+            <a:endCxn id="6" idx="2"/>
+          </p:cNvCxnSpPr>
+          <p:nvPr/>
+        </p:nvCxnSpPr>
+        <p:spPr>
+          <a:xfrm flipV="1">
+            <a:off x="4032059" y="1833222"/>
+            <a:ext cx="2314863" cy="928518"/>
+          </a:xfrm>
+          <a:prstGeom prst="straightConnector1">
+            <a:avLst/>
+          </a:prstGeom>
+          <a:ln w="28575">
+            <a:solidFill>
+              <a:srgbClr val="FF0000"/>
+            </a:solidFill>
+            <a:tailEnd type="triangle"/>
+          </a:ln>
+        </p:spPr>
+        <p:style>
+          <a:lnRef idx="1">
+            <a:schemeClr val="accent1"/>
+          </a:lnRef>
+          <a:fillRef idx="0">
+            <a:schemeClr val="accent1"/>
+          </a:fillRef>
+          <a:effectRef idx="0">
+            <a:schemeClr val="accent1"/>
+          </a:effectRef>
+          <a:fontRef idx="minor">
+            <a:schemeClr val="tx1"/>
+          </a:fontRef>
+        </p:style>
+      </p:cxnSp>
+      <p:cxnSp>
+        <p:nvCxnSpPr>
+          <p:cNvPr id="11" name="Straight Arrow Connector 10">
+            <a:extLst>
+              <a:ext uri="{FF2B5EF4-FFF2-40B4-BE49-F238E27FC236}">
+                <a16:creationId xmlns:a16="http://schemas.microsoft.com/office/drawing/2014/main" id="{2D7371E4-8604-4534-91EF-43D751333324}"/>
+              </a:ext>
+            </a:extLst>
+          </p:cNvPr>
+          <p:cNvCxnSpPr>
+            <a:cxnSpLocks/>
+            <a:stCxn id="4" idx="6"/>
+            <a:endCxn id="7" idx="2"/>
+          </p:cNvCxnSpPr>
+          <p:nvPr/>
+        </p:nvCxnSpPr>
+        <p:spPr>
+          <a:xfrm>
+            <a:off x="4032059" y="2761740"/>
+            <a:ext cx="2314864" cy="928517"/>
+          </a:xfrm>
+          <a:prstGeom prst="straightConnector1">
+            <a:avLst/>
+          </a:prstGeom>
+          <a:ln w="28575">
+            <a:solidFill>
+              <a:schemeClr val="tx1"/>
+            </a:solidFill>
+            <a:tailEnd type="triangle"/>
+          </a:ln>
+        </p:spPr>
+        <p:style>
+          <a:lnRef idx="1">
+            <a:schemeClr val="accent1"/>
+          </a:lnRef>
+          <a:fillRef idx="0">
+            <a:schemeClr val="accent1"/>
+          </a:fillRef>
+          <a:effectRef idx="0">
+            <a:schemeClr val="accent1"/>
+          </a:effectRef>
+          <a:fontRef idx="minor">
+            <a:schemeClr val="tx1"/>
+          </a:fontRef>
+        </p:style>
+      </p:cxnSp>
+      <p:cxnSp>
+        <p:nvCxnSpPr>
+          <p:cNvPr id="14" name="Straight Arrow Connector 13">
+            <a:extLst>
+              <a:ext uri="{FF2B5EF4-FFF2-40B4-BE49-F238E27FC236}">
+                <a16:creationId xmlns:a16="http://schemas.microsoft.com/office/drawing/2014/main" id="{FD6A9677-A48F-4D6F-A4F1-28A97398AB60}"/>
+              </a:ext>
+            </a:extLst>
+          </p:cNvPr>
+          <p:cNvCxnSpPr>
+            <a:cxnSpLocks/>
+            <a:stCxn id="4" idx="6"/>
+            <a:endCxn id="8" idx="2"/>
+          </p:cNvCxnSpPr>
+          <p:nvPr/>
+        </p:nvCxnSpPr>
+        <p:spPr>
+          <a:xfrm>
+            <a:off x="4032059" y="2761740"/>
+            <a:ext cx="2314863" cy="2785552"/>
+          </a:xfrm>
+          <a:prstGeom prst="straightConnector1">
+            <a:avLst/>
+          </a:prstGeom>
+          <a:ln w="28575">
+            <a:solidFill>
+              <a:schemeClr val="tx1"/>
+            </a:solidFill>
+            <a:tailEnd type="triangle"/>
+          </a:ln>
+        </p:spPr>
+        <p:style>
+          <a:lnRef idx="1">
+            <a:schemeClr val="accent1"/>
+          </a:lnRef>
+          <a:fillRef idx="0">
+            <a:schemeClr val="accent1"/>
+          </a:fillRef>
+          <a:effectRef idx="0">
+            <a:schemeClr val="accent1"/>
+          </a:effectRef>
+          <a:fontRef idx="minor">
+            <a:schemeClr val="tx1"/>
+          </a:fontRef>
+        </p:style>
+      </p:cxnSp>
+      <p:cxnSp>
+        <p:nvCxnSpPr>
+          <p:cNvPr id="17" name="Straight Arrow Connector 16">
+            <a:extLst>
+              <a:ext uri="{FF2B5EF4-FFF2-40B4-BE49-F238E27FC236}">
+                <a16:creationId xmlns:a16="http://schemas.microsoft.com/office/drawing/2014/main" id="{CFF3AC8B-216A-44A8-9324-E6DB830629A2}"/>
+              </a:ext>
+            </a:extLst>
+          </p:cNvPr>
+          <p:cNvCxnSpPr>
+            <a:cxnSpLocks/>
+            <a:stCxn id="6" idx="6"/>
+          </p:cNvCxnSpPr>
+          <p:nvPr/>
+        </p:nvCxnSpPr>
+        <p:spPr>
+          <a:xfrm>
+            <a:off x="7071359" y="1833222"/>
+            <a:ext cx="2011681" cy="0"/>
+          </a:xfrm>
+          <a:prstGeom prst="straightConnector1">
+            <a:avLst/>
+          </a:prstGeom>
+          <a:ln w="28575">
+            <a:solidFill>
+              <a:srgbClr val="FF0000"/>
+            </a:solidFill>
+            <a:tailEnd type="triangle"/>
+          </a:ln>
+        </p:spPr>
+        <p:style>
+          <a:lnRef idx="1">
+            <a:schemeClr val="accent1"/>
+          </a:lnRef>
+          <a:fillRef idx="0">
+            <a:schemeClr val="accent1"/>
+          </a:fillRef>
+          <a:effectRef idx="0">
+            <a:schemeClr val="accent1"/>
+          </a:effectRef>
+          <a:fontRef idx="minor">
+            <a:schemeClr val="tx1"/>
+          </a:fontRef>
+        </p:style>
+      </p:cxnSp>
+      <p:cxnSp>
+        <p:nvCxnSpPr>
+          <p:cNvPr id="20" name="Straight Arrow Connector 19">
+            <a:extLst>
+              <a:ext uri="{FF2B5EF4-FFF2-40B4-BE49-F238E27FC236}">
+                <a16:creationId xmlns:a16="http://schemas.microsoft.com/office/drawing/2014/main" id="{19DF711B-CF32-4B66-9804-6A221EF89AA7}"/>
+              </a:ext>
+            </a:extLst>
+          </p:cNvPr>
+          <p:cNvCxnSpPr>
+            <a:cxnSpLocks/>
+            <a:stCxn id="7" idx="6"/>
+          </p:cNvCxnSpPr>
+          <p:nvPr/>
+        </p:nvCxnSpPr>
+        <p:spPr>
+          <a:xfrm flipV="1">
+            <a:off x="7071360" y="3688081"/>
+            <a:ext cx="2011680" cy="2176"/>
+          </a:xfrm>
+          <a:prstGeom prst="straightConnector1">
+            <a:avLst/>
+          </a:prstGeom>
+          <a:ln w="28575">
+            <a:solidFill>
+              <a:schemeClr val="tx1"/>
+            </a:solidFill>
+            <a:tailEnd type="triangle"/>
+          </a:ln>
+        </p:spPr>
+        <p:style>
+          <a:lnRef idx="1">
+            <a:schemeClr val="accent1"/>
+          </a:lnRef>
+          <a:fillRef idx="0">
+            <a:schemeClr val="accent1"/>
+          </a:fillRef>
+          <a:effectRef idx="0">
+            <a:schemeClr val="accent1"/>
+          </a:effectRef>
+          <a:fontRef idx="minor">
+            <a:schemeClr val="tx1"/>
+          </a:fontRef>
+        </p:style>
+      </p:cxnSp>
+      <p:cxnSp>
+        <p:nvCxnSpPr>
+          <p:cNvPr id="22" name="Straight Arrow Connector 21">
+            <a:extLst>
+              <a:ext uri="{FF2B5EF4-FFF2-40B4-BE49-F238E27FC236}">
+                <a16:creationId xmlns:a16="http://schemas.microsoft.com/office/drawing/2014/main" id="{593CB088-129F-4E07-A88E-03357C06A1F7}"/>
+              </a:ext>
+            </a:extLst>
+          </p:cNvPr>
+          <p:cNvCxnSpPr>
+            <a:cxnSpLocks/>
+            <a:stCxn id="8" idx="6"/>
+          </p:cNvCxnSpPr>
+          <p:nvPr/>
+        </p:nvCxnSpPr>
+        <p:spPr>
+          <a:xfrm>
+            <a:off x="7071359" y="5547292"/>
+            <a:ext cx="2011680" cy="0"/>
+          </a:xfrm>
+          <a:prstGeom prst="straightConnector1">
+            <a:avLst/>
+          </a:prstGeom>
+          <a:ln w="28575">
+            <a:solidFill>
+              <a:schemeClr val="tx1"/>
+            </a:solidFill>
+            <a:tailEnd type="triangle"/>
+          </a:ln>
+        </p:spPr>
+        <p:style>
+          <a:lnRef idx="1">
+            <a:schemeClr val="accent1"/>
+          </a:lnRef>
+          <a:fillRef idx="0">
+            <a:schemeClr val="accent1"/>
+          </a:fillRef>
+          <a:effectRef idx="0">
+            <a:schemeClr val="accent1"/>
+          </a:effectRef>
+          <a:fontRef idx="minor">
+            <a:schemeClr val="tx1"/>
+          </a:fontRef>
+        </p:style>
+      </p:cxnSp>
+      <p:cxnSp>
+        <p:nvCxnSpPr>
+          <p:cNvPr id="24" name="Straight Arrow Connector 23">
+            <a:extLst>
+              <a:ext uri="{FF2B5EF4-FFF2-40B4-BE49-F238E27FC236}">
+                <a16:creationId xmlns:a16="http://schemas.microsoft.com/office/drawing/2014/main" id="{13DA7A9C-6B74-4486-AE35-95F9A69BF908}"/>
+              </a:ext>
+            </a:extLst>
+          </p:cNvPr>
+          <p:cNvCxnSpPr>
+            <a:cxnSpLocks/>
+            <a:stCxn id="5" idx="6"/>
+            <a:endCxn id="6" idx="2"/>
+          </p:cNvCxnSpPr>
+          <p:nvPr/>
+        </p:nvCxnSpPr>
+        <p:spPr>
+          <a:xfrm flipV="1">
+            <a:off x="4032059" y="1833222"/>
+            <a:ext cx="2314863" cy="2785552"/>
+          </a:xfrm>
+          <a:prstGeom prst="straightConnector1">
+            <a:avLst/>
+          </a:prstGeom>
+          <a:ln w="28575">
+            <a:solidFill>
+              <a:srgbClr val="FF0000"/>
+            </a:solidFill>
+            <a:tailEnd type="triangle"/>
+          </a:ln>
+        </p:spPr>
+        <p:style>
+          <a:lnRef idx="1">
+            <a:schemeClr val="accent1"/>
+          </a:lnRef>
+          <a:fillRef idx="0">
+            <a:schemeClr val="accent1"/>
+          </a:fillRef>
+          <a:effectRef idx="0">
+            <a:schemeClr val="accent1"/>
+          </a:effectRef>
+          <a:fontRef idx="minor">
+            <a:schemeClr val="tx1"/>
+          </a:fontRef>
+        </p:style>
+      </p:cxnSp>
+      <p:cxnSp>
+        <p:nvCxnSpPr>
+          <p:cNvPr id="27" name="Straight Arrow Connector 26">
+            <a:extLst>
+              <a:ext uri="{FF2B5EF4-FFF2-40B4-BE49-F238E27FC236}">
+                <a16:creationId xmlns:a16="http://schemas.microsoft.com/office/drawing/2014/main" id="{4A24499A-2C3C-4A40-8C6E-D301F8BC2B7A}"/>
+              </a:ext>
+            </a:extLst>
+          </p:cNvPr>
+          <p:cNvCxnSpPr>
+            <a:cxnSpLocks/>
+            <a:stCxn id="5" idx="6"/>
+            <a:endCxn id="7" idx="2"/>
+          </p:cNvCxnSpPr>
+          <p:nvPr/>
+        </p:nvCxnSpPr>
+        <p:spPr>
+          <a:xfrm flipV="1">
+            <a:off x="4032059" y="3690257"/>
+            <a:ext cx="2314864" cy="928517"/>
+          </a:xfrm>
+          <a:prstGeom prst="straightConnector1">
+            <a:avLst/>
+          </a:prstGeom>
+          <a:ln w="28575">
+            <a:solidFill>
+              <a:schemeClr val="tx1"/>
+            </a:solidFill>
+            <a:tailEnd type="triangle"/>
+          </a:ln>
+        </p:spPr>
+        <p:style>
+          <a:lnRef idx="1">
+            <a:schemeClr val="accent1"/>
+          </a:lnRef>
+          <a:fillRef idx="0">
+            <a:schemeClr val="accent1"/>
+          </a:fillRef>
+          <a:effectRef idx="0">
+            <a:schemeClr val="accent1"/>
+          </a:effectRef>
+          <a:fontRef idx="minor">
+            <a:schemeClr val="tx1"/>
+          </a:fontRef>
+        </p:style>
+      </p:cxnSp>
+      <p:cxnSp>
+        <p:nvCxnSpPr>
+          <p:cNvPr id="30" name="Straight Arrow Connector 29">
+            <a:extLst>
+              <a:ext uri="{FF2B5EF4-FFF2-40B4-BE49-F238E27FC236}">
+                <a16:creationId xmlns:a16="http://schemas.microsoft.com/office/drawing/2014/main" id="{E11F5356-1C5C-486C-AAD1-5536E4ABA057}"/>
+              </a:ext>
+            </a:extLst>
+          </p:cNvPr>
+          <p:cNvCxnSpPr>
+            <a:cxnSpLocks/>
+            <a:stCxn id="5" idx="6"/>
+            <a:endCxn id="8" idx="2"/>
+          </p:cNvCxnSpPr>
+          <p:nvPr/>
+        </p:nvCxnSpPr>
+        <p:spPr>
+          <a:xfrm>
+            <a:off x="4032059" y="4618774"/>
+            <a:ext cx="2314863" cy="928518"/>
+          </a:xfrm>
+          <a:prstGeom prst="straightConnector1">
+            <a:avLst/>
+          </a:prstGeom>
+          <a:ln w="28575">
+            <a:solidFill>
+              <a:schemeClr val="tx1"/>
+            </a:solidFill>
+            <a:tailEnd type="triangle"/>
+          </a:ln>
+        </p:spPr>
+        <p:style>
+          <a:lnRef idx="1">
+            <a:schemeClr val="accent1"/>
+          </a:lnRef>
+          <a:fillRef idx="0">
+            <a:schemeClr val="accent1"/>
+          </a:fillRef>
+          <a:effectRef idx="0">
+            <a:schemeClr val="accent1"/>
+          </a:effectRef>
+          <a:fontRef idx="minor">
+            <a:schemeClr val="tx1"/>
+          </a:fontRef>
+        </p:style>
+      </p:cxnSp>
+      <p:cxnSp>
+        <p:nvCxnSpPr>
+          <p:cNvPr id="33" name="Straight Arrow Connector 32">
+            <a:extLst>
+              <a:ext uri="{FF2B5EF4-FFF2-40B4-BE49-F238E27FC236}">
+                <a16:creationId xmlns:a16="http://schemas.microsoft.com/office/drawing/2014/main" id="{32DF8020-562C-4120-97C2-9A024297450F}"/>
+              </a:ext>
+            </a:extLst>
+          </p:cNvPr>
+          <p:cNvCxnSpPr>
+            <a:cxnSpLocks/>
+            <a:endCxn id="5" idx="2"/>
+          </p:cNvCxnSpPr>
+          <p:nvPr/>
+        </p:nvCxnSpPr>
+        <p:spPr>
+          <a:xfrm>
+            <a:off x="905691" y="4618774"/>
+            <a:ext cx="2401931" cy="0"/>
+          </a:xfrm>
+          <a:prstGeom prst="straightConnector1">
+            <a:avLst/>
+          </a:prstGeom>
+          <a:ln w="28575">
+            <a:solidFill>
+              <a:schemeClr val="tx1"/>
+            </a:solidFill>
+            <a:tailEnd type="triangle"/>
+          </a:ln>
+        </p:spPr>
+        <p:style>
+          <a:lnRef idx="1">
+            <a:schemeClr val="accent1"/>
+          </a:lnRef>
+          <a:fillRef idx="0">
+            <a:schemeClr val="accent1"/>
+          </a:fillRef>
+          <a:effectRef idx="0">
+            <a:schemeClr val="accent1"/>
+          </a:effectRef>
+          <a:fontRef idx="minor">
+            <a:schemeClr val="tx1"/>
+          </a:fontRef>
+        </p:style>
+      </p:cxnSp>
+      <p:cxnSp>
+        <p:nvCxnSpPr>
+          <p:cNvPr id="36" name="Straight Arrow Connector 35">
+            <a:extLst>
+              <a:ext uri="{FF2B5EF4-FFF2-40B4-BE49-F238E27FC236}">
+                <a16:creationId xmlns:a16="http://schemas.microsoft.com/office/drawing/2014/main" id="{0E999B14-79D1-4737-9360-FC4F1313FAAA}"/>
+              </a:ext>
+            </a:extLst>
+          </p:cNvPr>
+          <p:cNvCxnSpPr>
+            <a:cxnSpLocks/>
+            <a:endCxn id="4" idx="2"/>
+          </p:cNvCxnSpPr>
+          <p:nvPr/>
+        </p:nvCxnSpPr>
+        <p:spPr>
+          <a:xfrm>
+            <a:off x="905691" y="2761740"/>
+            <a:ext cx="2401931" cy="0"/>
+          </a:xfrm>
+          <a:prstGeom prst="straightConnector1">
+            <a:avLst/>
+          </a:prstGeom>
+          <a:ln w="28575">
+            <a:solidFill>
+              <a:schemeClr val="tx1"/>
+            </a:solidFill>
+            <a:tailEnd type="triangle"/>
+          </a:ln>
+        </p:spPr>
+        <p:style>
+          <a:lnRef idx="1">
+            <a:schemeClr val="accent1"/>
+          </a:lnRef>
+          <a:fillRef idx="0">
+            <a:schemeClr val="accent1"/>
+          </a:fillRef>
+          <a:effectRef idx="0">
+            <a:schemeClr val="accent1"/>
+          </a:effectRef>
+          <a:fontRef idx="minor">
+            <a:schemeClr val="tx1"/>
+          </a:fontRef>
+        </p:style>
+      </p:cxnSp>
+      <p:sp>
+        <p:nvSpPr>
+          <p:cNvPr id="38" name="TextBox 37">
+            <a:extLst>
+              <a:ext uri="{FF2B5EF4-FFF2-40B4-BE49-F238E27FC236}">
+                <a16:creationId xmlns:a16="http://schemas.microsoft.com/office/drawing/2014/main" id="{D2092728-5FC4-4DD0-9288-E0C998932F62}"/>
+              </a:ext>
+            </a:extLst>
+          </p:cNvPr>
+          <p:cNvSpPr txBox="1"/>
+          <p:nvPr/>
+        </p:nvSpPr>
+        <p:spPr>
+          <a:xfrm>
+            <a:off x="3543566" y="2577074"/>
+            <a:ext cx="252549" cy="369332"/>
+          </a:xfrm>
+          <a:prstGeom prst="rect">
+            <a:avLst/>
+          </a:prstGeom>
+          <a:noFill/>
+        </p:spPr>
+        <p:txBody>
+          <a:bodyPr wrap="square" rtlCol="0">
+            <a:spAutoFit/>
+          </a:bodyPr>
+          <a:lstStyle/>
+          <a:p>
+            <a:pPr algn="ctr"/>
+            <a:r>
+              <a:rPr lang="en-US" altLang="zh-CN" dirty="0"/>
+              <a:t>A</a:t>
+            </a:r>
+            <a:endParaRPr lang="zh-CN" altLang="en-US" dirty="0"/>
+          </a:p>
+        </p:txBody>
+      </p:sp>
+      <p:sp>
+        <p:nvSpPr>
+          <p:cNvPr id="39" name="TextBox 38">
+            <a:extLst>
+              <a:ext uri="{FF2B5EF4-FFF2-40B4-BE49-F238E27FC236}">
+                <a16:creationId xmlns:a16="http://schemas.microsoft.com/office/drawing/2014/main" id="{4EBE42CC-4C36-4564-9B8C-60551305CE7C}"/>
+              </a:ext>
+            </a:extLst>
+          </p:cNvPr>
+          <p:cNvSpPr txBox="1"/>
+          <p:nvPr/>
+        </p:nvSpPr>
+        <p:spPr>
+          <a:xfrm>
+            <a:off x="3543566" y="4434108"/>
+            <a:ext cx="252549" cy="369332"/>
+          </a:xfrm>
+          <a:prstGeom prst="rect">
+            <a:avLst/>
+          </a:prstGeom>
+          <a:noFill/>
+        </p:spPr>
+        <p:txBody>
+          <a:bodyPr wrap="square" rtlCol="0">
+            <a:spAutoFit/>
+          </a:bodyPr>
+          <a:lstStyle/>
+          <a:p>
+            <a:pPr algn="ctr"/>
+            <a:r>
+              <a:rPr lang="en-US" altLang="zh-CN" dirty="0"/>
+              <a:t>B</a:t>
+            </a:r>
+            <a:endParaRPr lang="zh-CN" altLang="en-US" dirty="0"/>
+          </a:p>
+        </p:txBody>
+      </p:sp>
+      <p:sp>
+        <p:nvSpPr>
+          <p:cNvPr id="41" name="TextBox 40">
+            <a:extLst>
+              <a:ext uri="{FF2B5EF4-FFF2-40B4-BE49-F238E27FC236}">
+                <a16:creationId xmlns:a16="http://schemas.microsoft.com/office/drawing/2014/main" id="{14BAE1E4-F9DF-4D95-B27B-108018498B59}"/>
+              </a:ext>
+            </a:extLst>
+          </p:cNvPr>
+          <p:cNvSpPr txBox="1"/>
+          <p:nvPr/>
+        </p:nvSpPr>
+        <p:spPr>
+          <a:xfrm>
+            <a:off x="4928233" y="1806790"/>
+            <a:ext cx="522514" cy="369332"/>
+          </a:xfrm>
+          <a:prstGeom prst="rect">
+            <a:avLst/>
+          </a:prstGeom>
+          <a:noFill/>
+        </p:spPr>
+        <p:txBody>
+          <a:bodyPr wrap="square" rtlCol="0">
+            <a:spAutoFit/>
+          </a:bodyPr>
+          <a:lstStyle/>
+          <a:p>
+            <a:pPr algn="ctr"/>
+            <a:r>
+              <a:rPr lang="en-US" altLang="zh-CN" dirty="0"/>
+              <a:t>w</a:t>
+            </a:r>
+            <a:r>
+              <a:rPr lang="en-US" altLang="zh-CN" baseline="-25000" dirty="0"/>
+              <a:t>1</a:t>
+            </a:r>
+            <a:endParaRPr lang="zh-CN" altLang="en-US" dirty="0"/>
+          </a:p>
+        </p:txBody>
+      </p:sp>
+      <p:sp>
+        <p:nvSpPr>
+          <p:cNvPr id="43" name="TextBox 42">
+            <a:extLst>
+              <a:ext uri="{FF2B5EF4-FFF2-40B4-BE49-F238E27FC236}">
+                <a16:creationId xmlns:a16="http://schemas.microsoft.com/office/drawing/2014/main" id="{3706D887-ED85-47D9-8CBD-FEE3A7C781FB}"/>
+              </a:ext>
+            </a:extLst>
+          </p:cNvPr>
+          <p:cNvSpPr txBox="1"/>
+          <p:nvPr/>
+        </p:nvSpPr>
+        <p:spPr>
+          <a:xfrm>
+            <a:off x="4882248" y="2717432"/>
+            <a:ext cx="522514" cy="369332"/>
+          </a:xfrm>
+          <a:prstGeom prst="rect">
+            <a:avLst/>
+          </a:prstGeom>
+          <a:noFill/>
+        </p:spPr>
+        <p:txBody>
+          <a:bodyPr wrap="square" rtlCol="0">
+            <a:spAutoFit/>
+          </a:bodyPr>
+          <a:lstStyle/>
+          <a:p>
+            <a:pPr algn="ctr"/>
+            <a:r>
+              <a:rPr lang="en-US" altLang="zh-CN" dirty="0"/>
+              <a:t>w</a:t>
+            </a:r>
+            <a:r>
+              <a:rPr lang="en-US" altLang="zh-CN" baseline="-25000" dirty="0"/>
+              <a:t>2</a:t>
+            </a:r>
+            <a:endParaRPr lang="zh-CN" altLang="en-US" dirty="0"/>
+          </a:p>
+        </p:txBody>
+      </p:sp>
+      <p:sp>
+        <p:nvSpPr>
+          <p:cNvPr id="44" name="TextBox 43">
+            <a:extLst>
+              <a:ext uri="{FF2B5EF4-FFF2-40B4-BE49-F238E27FC236}">
+                <a16:creationId xmlns:a16="http://schemas.microsoft.com/office/drawing/2014/main" id="{AD779CB5-5D62-4E1D-929D-B8E7EE5D59BE}"/>
+              </a:ext>
+            </a:extLst>
+          </p:cNvPr>
+          <p:cNvSpPr txBox="1"/>
+          <p:nvPr/>
+        </p:nvSpPr>
+        <p:spPr>
+          <a:xfrm>
+            <a:off x="7815942" y="1463141"/>
+            <a:ext cx="522514" cy="369332"/>
+          </a:xfrm>
+          <a:prstGeom prst="rect">
+            <a:avLst/>
+          </a:prstGeom>
+          <a:noFill/>
+        </p:spPr>
+        <p:txBody>
+          <a:bodyPr wrap="square" rtlCol="0">
+            <a:spAutoFit/>
+          </a:bodyPr>
+          <a:lstStyle/>
+          <a:p>
+            <a:pPr algn="ctr"/>
+            <a:r>
+              <a:rPr lang="en-US" altLang="zh-CN" dirty="0" err="1"/>
+              <a:t>g</a:t>
+            </a:r>
+            <a:r>
+              <a:rPr lang="en-US" altLang="zh-CN" baseline="-25000" dirty="0" err="1"/>
+              <a:t>c</a:t>
+            </a:r>
+            <a:endParaRPr lang="zh-CN" altLang="en-US" dirty="0"/>
+          </a:p>
+        </p:txBody>
+      </p:sp>
+      <p:sp>
+        <p:nvSpPr>
+          <p:cNvPr id="45" name="TextBox 44">
+            <a:extLst>
+              <a:ext uri="{FF2B5EF4-FFF2-40B4-BE49-F238E27FC236}">
+                <a16:creationId xmlns:a16="http://schemas.microsoft.com/office/drawing/2014/main" id="{8643D341-94FC-4E87-B0D7-C12569CA3AAA}"/>
+              </a:ext>
+            </a:extLst>
+          </p:cNvPr>
+          <p:cNvSpPr txBox="1"/>
+          <p:nvPr/>
+        </p:nvSpPr>
+        <p:spPr>
+          <a:xfrm>
+            <a:off x="7811578" y="3298918"/>
+            <a:ext cx="522514" cy="369332"/>
+          </a:xfrm>
+          <a:prstGeom prst="rect">
+            <a:avLst/>
+          </a:prstGeom>
+          <a:noFill/>
+        </p:spPr>
+        <p:txBody>
+          <a:bodyPr wrap="square" rtlCol="0">
+            <a:spAutoFit/>
+          </a:bodyPr>
+          <a:lstStyle/>
+          <a:p>
+            <a:pPr algn="ctr"/>
+            <a:r>
+              <a:rPr lang="en-US" altLang="zh-CN" dirty="0"/>
+              <a:t>g</a:t>
+            </a:r>
+            <a:r>
+              <a:rPr lang="en-US" altLang="zh-CN" baseline="-25000" dirty="0"/>
+              <a:t>2</a:t>
+            </a:r>
+            <a:endParaRPr lang="zh-CN" altLang="en-US" dirty="0"/>
+          </a:p>
+        </p:txBody>
+      </p:sp>
+      <p:sp>
+        <p:nvSpPr>
+          <p:cNvPr id="46" name="TextBox 45">
+            <a:extLst>
+              <a:ext uri="{FF2B5EF4-FFF2-40B4-BE49-F238E27FC236}">
+                <a16:creationId xmlns:a16="http://schemas.microsoft.com/office/drawing/2014/main" id="{115D2AEA-8E7A-4570-9850-5A35ECA5D7F1}"/>
+              </a:ext>
+            </a:extLst>
+          </p:cNvPr>
+          <p:cNvSpPr txBox="1"/>
+          <p:nvPr/>
+        </p:nvSpPr>
+        <p:spPr>
+          <a:xfrm>
+            <a:off x="7815942" y="5164745"/>
+            <a:ext cx="522514" cy="369332"/>
+          </a:xfrm>
+          <a:prstGeom prst="rect">
+            <a:avLst/>
+          </a:prstGeom>
+          <a:noFill/>
+        </p:spPr>
+        <p:txBody>
+          <a:bodyPr wrap="square" rtlCol="0">
+            <a:spAutoFit/>
+          </a:bodyPr>
+          <a:lstStyle/>
+          <a:p>
+            <a:pPr algn="ctr"/>
+            <a:r>
+              <a:rPr lang="en-US" altLang="zh-CN" dirty="0"/>
+              <a:t>g</a:t>
+            </a:r>
+            <a:r>
+              <a:rPr lang="en-US" altLang="zh-CN" baseline="-25000" dirty="0"/>
+              <a:t>3</a:t>
+            </a:r>
+            <a:endParaRPr lang="zh-CN" altLang="en-US" dirty="0"/>
+          </a:p>
+        </p:txBody>
+      </p:sp>
+      <mc:AlternateContent xmlns:mc="http://schemas.openxmlformats.org/markup-compatibility/2006">
+        <mc:Choice xmlns:a14="http://schemas.microsoft.com/office/drawing/2010/main" Requires="a14">
+          <p:sp>
+            <p:nvSpPr>
+              <p:cNvPr id="47" name="TextBox 46">
+                <a:extLst>
+                  <a:ext uri="{FF2B5EF4-FFF2-40B4-BE49-F238E27FC236}">
+                    <a16:creationId xmlns:a16="http://schemas.microsoft.com/office/drawing/2014/main" id="{346F231B-97ED-4867-B4AE-EEE6207F0323}"/>
+                  </a:ext>
+                </a:extLst>
+              </p:cNvPr>
+              <p:cNvSpPr txBox="1"/>
+              <p:nvPr/>
+            </p:nvSpPr>
+            <p:spPr>
+              <a:xfrm>
+                <a:off x="827325" y="5535611"/>
+                <a:ext cx="1436098" cy="572016"/>
+              </a:xfrm>
+              <a:prstGeom prst="rect">
+                <a:avLst/>
+              </a:prstGeom>
+              <a:noFill/>
+            </p:spPr>
+            <p:txBody>
+              <a:bodyPr wrap="none" lIns="0" tIns="0" rIns="0" bIns="0" rtlCol="0">
+                <a:spAutoFit/>
+              </a:bodyPr>
+              <a:lstStyle/>
+              <a:p>
+                <a14:m>
+                  <m:oMathPara xmlns:m="http://schemas.openxmlformats.org/officeDocument/2006/math">
+                    <m:oMathParaPr>
+                      <m:jc m:val="centerGroup"/>
+                    </m:oMathParaPr>
+                    <m:oMath xmlns:m="http://schemas.openxmlformats.org/officeDocument/2006/math">
+                      <m:f>
+                        <m:fPr>
+                          <m:ctrlPr>
+                            <a:rPr lang="en-US" altLang="zh-CN" i="1" smtClean="0">
+                              <a:latin typeface="Cambria Math" panose="02040503050406030204" pitchFamily="18" charset="0"/>
+                            </a:rPr>
+                          </m:ctrlPr>
+                        </m:fPr>
+                        <m:num>
+                          <m:r>
+                            <a:rPr lang="zh-CN" altLang="en-US" i="1" smtClean="0">
+                              <a:latin typeface="Cambria Math" panose="02040503050406030204" pitchFamily="18" charset="0"/>
+                            </a:rPr>
+                            <m:t>𝜕</m:t>
+                          </m:r>
+                          <m:r>
+                            <a:rPr lang="en-US" altLang="zh-CN" b="0" i="1" smtClean="0">
+                              <a:latin typeface="Cambria Math" panose="02040503050406030204" pitchFamily="18" charset="0"/>
+                            </a:rPr>
+                            <m:t>𝐿</m:t>
+                          </m:r>
+                        </m:num>
+                        <m:den>
+                          <m:r>
+                            <a:rPr lang="en-US" altLang="zh-CN" b="0" i="1" smtClean="0">
+                              <a:latin typeface="Cambria Math" panose="02040503050406030204" pitchFamily="18" charset="0"/>
+                            </a:rPr>
+                            <m:t>𝑑</m:t>
+                          </m:r>
+                          <m:sSub>
+                            <m:sSubPr>
+                              <m:ctrlPr>
+                                <a:rPr lang="en-US" altLang="zh-CN" b="0" i="1" smtClean="0">
+                                  <a:latin typeface="Cambria Math" panose="02040503050406030204" pitchFamily="18" charset="0"/>
+                                </a:rPr>
+                              </m:ctrlPr>
+                            </m:sSubPr>
+                            <m:e>
+                              <m:r>
+                                <a:rPr lang="en-US" altLang="zh-CN" b="0" i="1" smtClean="0">
+                                  <a:latin typeface="Cambria Math" panose="02040503050406030204" pitchFamily="18" charset="0"/>
+                                </a:rPr>
+                                <m:t>𝑤</m:t>
+                              </m:r>
+                            </m:e>
+                            <m:sub>
+                              <m:r>
+                                <a:rPr lang="en-US" altLang="zh-CN" b="0" i="1" smtClean="0">
+                                  <a:latin typeface="Cambria Math" panose="02040503050406030204" pitchFamily="18" charset="0"/>
+                                </a:rPr>
+                                <m:t>1</m:t>
+                              </m:r>
+                            </m:sub>
+                          </m:sSub>
+                        </m:den>
+                      </m:f>
+                      <m:r>
+                        <a:rPr lang="en-US" altLang="zh-CN" b="0" i="1" smtClean="0">
+                          <a:latin typeface="Cambria Math" panose="02040503050406030204" pitchFamily="18" charset="0"/>
+                        </a:rPr>
+                        <m:t>=</m:t>
+                      </m:r>
+                      <m:sSub>
+                        <m:sSubPr>
+                          <m:ctrlPr>
+                            <a:rPr lang="en-US" altLang="zh-CN" i="1">
+                              <a:latin typeface="Cambria Math" panose="02040503050406030204" pitchFamily="18" charset="0"/>
+                            </a:rPr>
+                          </m:ctrlPr>
+                        </m:sSubPr>
+                        <m:e>
+                          <m:sSub>
+                            <m:sSubPr>
+                              <m:ctrlPr>
+                                <a:rPr lang="en-US" altLang="zh-CN" b="0" i="1" smtClean="0">
+                                  <a:latin typeface="Cambria Math" panose="02040503050406030204" pitchFamily="18" charset="0"/>
+                                </a:rPr>
+                              </m:ctrlPr>
+                            </m:sSubPr>
+                            <m:e>
+                              <m:r>
+                                <a:rPr lang="en-US" altLang="zh-CN" b="0" i="1" smtClean="0">
+                                  <a:latin typeface="Cambria Math" panose="02040503050406030204" pitchFamily="18" charset="0"/>
+                                </a:rPr>
+                                <m:t>𝑔</m:t>
+                              </m:r>
+                            </m:e>
+                            <m:sub>
+                              <m:r>
+                                <a:rPr lang="en-US" altLang="zh-CN" b="0" i="1" smtClean="0">
+                                  <a:latin typeface="Cambria Math" panose="02040503050406030204" pitchFamily="18" charset="0"/>
+                                </a:rPr>
+                                <m:t>1</m:t>
+                              </m:r>
+                            </m:sub>
+                          </m:sSub>
+                          <m:r>
+                            <a:rPr lang="en-US" altLang="zh-CN" b="0" i="1" smtClean="0">
+                              <a:latin typeface="Cambria Math" panose="02040503050406030204" pitchFamily="18" charset="0"/>
+                            </a:rPr>
+                            <m:t>𝐴</m:t>
+                          </m:r>
+                        </m:e>
+                        <m:sub>
+                          <m:r>
+                            <a:rPr lang="en-US" altLang="zh-CN" b="0" i="1" smtClean="0">
+                              <a:latin typeface="Cambria Math" panose="02040503050406030204" pitchFamily="18" charset="0"/>
+                            </a:rPr>
+                            <m:t>𝑜𝑢𝑡</m:t>
+                          </m:r>
+                        </m:sub>
+                      </m:sSub>
+                    </m:oMath>
+                  </m:oMathPara>
+                </a14:m>
+                <a:endParaRPr lang="zh-CN" altLang="en-US" dirty="0"/>
+              </a:p>
+            </p:txBody>
+          </p:sp>
+        </mc:Choice>
+        <mc:Fallback>
+          <p:sp>
+            <p:nvSpPr>
+              <p:cNvPr id="47" name="TextBox 46">
+                <a:extLst>
+                  <a:ext uri="{FF2B5EF4-FFF2-40B4-BE49-F238E27FC236}">
+                    <a16:creationId xmlns:a16="http://schemas.microsoft.com/office/drawing/2014/main" id="{346F231B-97ED-4867-B4AE-EEE6207F0323}"/>
+                  </a:ext>
+                </a:extLst>
+              </p:cNvPr>
+              <p:cNvSpPr txBox="1">
+                <a:spLocks noRot="1" noChangeAspect="1" noMove="1" noResize="1" noEditPoints="1" noAdjustHandles="1" noChangeArrowheads="1" noChangeShapeType="1" noTextEdit="1"/>
+              </p:cNvSpPr>
+              <p:nvPr/>
+            </p:nvSpPr>
+            <p:spPr>
+              <a:xfrm>
+                <a:off x="827325" y="5535611"/>
+                <a:ext cx="1436098" cy="572016"/>
+              </a:xfrm>
+              <a:prstGeom prst="rect">
+                <a:avLst/>
+              </a:prstGeom>
+              <a:blipFill>
+                <a:blip r:embed="rId2"/>
+                <a:stretch>
+                  <a:fillRect/>
+                </a:stretch>
+              </a:blipFill>
+            </p:spPr>
+            <p:txBody>
+              <a:bodyPr/>
+              <a:lstStyle/>
+              <a:p>
+                <a:r>
+                  <a:rPr lang="zh-CN" altLang="en-US">
+                    <a:noFill/>
+                  </a:rPr>
+                  <a:t> </a:t>
+                </a:r>
+              </a:p>
+            </p:txBody>
+          </p:sp>
+        </mc:Fallback>
+      </mc:AlternateContent>
+      <p:sp>
+        <p:nvSpPr>
+          <p:cNvPr id="48" name="TextBox 47">
+            <a:extLst>
+              <a:ext uri="{FF2B5EF4-FFF2-40B4-BE49-F238E27FC236}">
+                <a16:creationId xmlns:a16="http://schemas.microsoft.com/office/drawing/2014/main" id="{29295A9B-0CEE-4DAB-85D4-FCAAF9DA0A9E}"/>
+              </a:ext>
+            </a:extLst>
+          </p:cNvPr>
+          <p:cNvSpPr txBox="1"/>
+          <p:nvPr/>
+        </p:nvSpPr>
+        <p:spPr>
+          <a:xfrm>
+            <a:off x="9074310" y="1600258"/>
+            <a:ext cx="3213463" cy="3970318"/>
+          </a:xfrm>
+          <a:prstGeom prst="rect">
+            <a:avLst/>
+          </a:prstGeom>
+          <a:noFill/>
+        </p:spPr>
+        <p:txBody>
+          <a:bodyPr wrap="square" rtlCol="0">
+            <a:spAutoFit/>
+          </a:bodyPr>
+          <a:lstStyle/>
+          <a:p>
+            <a:r>
+              <a:rPr lang="en-US" altLang="zh-CN" dirty="0"/>
+              <a:t>If we know how much each neuron in the next layer affects the loss with a gradient (g) and we know the activation of the neuron for a weight (</a:t>
+            </a:r>
+            <a:r>
+              <a:rPr lang="en-US" altLang="zh-CN" dirty="0" err="1"/>
+              <a:t>A</a:t>
+            </a:r>
+            <a:r>
+              <a:rPr lang="en-US" altLang="zh-CN" baseline="-25000" dirty="0" err="1"/>
+              <a:t>out</a:t>
+            </a:r>
+            <a:r>
+              <a:rPr lang="en-US" altLang="zh-CN" dirty="0"/>
+              <a:t>, B</a:t>
+            </a:r>
+            <a:r>
+              <a:rPr lang="en-US" altLang="zh-CN" baseline="-25000" dirty="0"/>
+              <a:t>out</a:t>
+            </a:r>
+            <a:r>
+              <a:rPr lang="en-US" altLang="zh-CN" dirty="0"/>
+              <a:t>), then we can calculate the gradient for the weight.</a:t>
+            </a:r>
+          </a:p>
+          <a:p>
+            <a:endParaRPr lang="en-US" altLang="zh-CN" dirty="0"/>
+          </a:p>
+          <a:p>
+            <a:r>
+              <a:rPr lang="en-US" altLang="zh-CN" dirty="0"/>
+              <a:t>If </a:t>
+            </a:r>
+            <a:r>
+              <a:rPr lang="en-US" altLang="zh-CN" dirty="0" err="1"/>
+              <a:t>A</a:t>
+            </a:r>
+            <a:r>
+              <a:rPr lang="en-US" altLang="zh-CN" baseline="-25000" dirty="0" err="1"/>
+              <a:t>out</a:t>
+            </a:r>
+            <a:r>
+              <a:rPr lang="en-US" altLang="zh-CN" dirty="0"/>
+              <a:t> = 2, and </a:t>
+            </a:r>
+            <a:r>
+              <a:rPr lang="en-US" altLang="zh-CN" dirty="0" err="1"/>
+              <a:t>g</a:t>
+            </a:r>
+            <a:r>
+              <a:rPr lang="en-US" altLang="zh-CN" baseline="-25000" dirty="0" err="1"/>
+              <a:t>c</a:t>
+            </a:r>
+            <a:r>
+              <a:rPr lang="en-US" altLang="zh-CN" dirty="0"/>
+              <a:t> = 0.1, then if we increased w</a:t>
+            </a:r>
+            <a:r>
+              <a:rPr lang="en-US" altLang="zh-CN" baseline="-25000" dirty="0"/>
+              <a:t>1</a:t>
+            </a:r>
+            <a:r>
+              <a:rPr lang="en-US" altLang="zh-CN" dirty="0"/>
+              <a:t>: (w</a:t>
+            </a:r>
+            <a:r>
+              <a:rPr lang="en-US" altLang="zh-CN" baseline="-25000" dirty="0"/>
+              <a:t>1</a:t>
+            </a:r>
+            <a:r>
+              <a:rPr lang="en-US" altLang="zh-CN" dirty="0"/>
+              <a:t> + 0.15)</a:t>
+            </a:r>
+            <a:r>
+              <a:rPr lang="en-US" altLang="zh-CN" dirty="0" err="1"/>
+              <a:t>A</a:t>
+            </a:r>
+            <a:r>
+              <a:rPr lang="en-US" altLang="zh-CN" baseline="-25000" dirty="0" err="1"/>
+              <a:t>out</a:t>
+            </a:r>
+            <a:r>
+              <a:rPr lang="en-US" altLang="zh-CN" dirty="0"/>
+              <a:t> would increase by 0.3. Since </a:t>
+            </a:r>
+            <a:r>
+              <a:rPr lang="en-US" altLang="zh-CN" dirty="0" err="1"/>
+              <a:t>g</a:t>
+            </a:r>
+            <a:r>
+              <a:rPr lang="en-US" altLang="zh-CN" baseline="-25000" dirty="0" err="1"/>
+              <a:t>c</a:t>
+            </a:r>
+            <a:r>
+              <a:rPr lang="en-US" altLang="zh-CN" dirty="0"/>
+              <a:t> is 0.1, the Loss would increase by 0.03 at the current derivative rate.</a:t>
+            </a:r>
+            <a:endParaRPr lang="zh-CN" altLang="en-US" dirty="0"/>
+          </a:p>
+        </p:txBody>
+      </p:sp>
+      <p:sp>
+        <p:nvSpPr>
+          <p:cNvPr id="32" name="TextBox 31">
+            <a:extLst>
+              <a:ext uri="{FF2B5EF4-FFF2-40B4-BE49-F238E27FC236}">
+                <a16:creationId xmlns:a16="http://schemas.microsoft.com/office/drawing/2014/main" id="{7BEDC3F2-310D-45CB-81E3-7CB35487FABC}"/>
+              </a:ext>
+            </a:extLst>
+          </p:cNvPr>
+          <p:cNvSpPr txBox="1"/>
+          <p:nvPr/>
+        </p:nvSpPr>
+        <p:spPr>
+          <a:xfrm>
+            <a:off x="6582866" y="1647807"/>
+            <a:ext cx="252549" cy="369332"/>
+          </a:xfrm>
+          <a:prstGeom prst="rect">
+            <a:avLst/>
+          </a:prstGeom>
+          <a:noFill/>
+        </p:spPr>
+        <p:txBody>
+          <a:bodyPr wrap="square" rtlCol="0">
+            <a:spAutoFit/>
+          </a:bodyPr>
+          <a:lstStyle/>
+          <a:p>
+            <a:pPr algn="ctr"/>
+            <a:r>
+              <a:rPr lang="en-US" altLang="zh-CN" dirty="0"/>
+              <a:t>C</a:t>
+            </a:r>
+            <a:endParaRPr lang="zh-CN" altLang="en-US" dirty="0"/>
+          </a:p>
+        </p:txBody>
+      </p:sp>
+      <mc:AlternateContent xmlns:mc="http://schemas.openxmlformats.org/markup-compatibility/2006">
+        <mc:Choice xmlns:a14="http://schemas.microsoft.com/office/drawing/2010/main" Requires="a14">
+          <p:sp>
+            <p:nvSpPr>
+              <p:cNvPr id="34" name="TextBox 33">
+                <a:extLst>
+                  <a:ext uri="{FF2B5EF4-FFF2-40B4-BE49-F238E27FC236}">
+                    <a16:creationId xmlns:a16="http://schemas.microsoft.com/office/drawing/2014/main" id="{8135B08E-7305-4330-9B28-CBF694677AAD}"/>
+                  </a:ext>
+                </a:extLst>
+              </p:cNvPr>
+              <p:cNvSpPr txBox="1"/>
+              <p:nvPr/>
+            </p:nvSpPr>
+            <p:spPr>
+              <a:xfrm>
+                <a:off x="2813107" y="5534077"/>
+                <a:ext cx="1437701" cy="572016"/>
+              </a:xfrm>
+              <a:prstGeom prst="rect">
+                <a:avLst/>
+              </a:prstGeom>
+              <a:noFill/>
+            </p:spPr>
+            <p:txBody>
+              <a:bodyPr wrap="none" lIns="0" tIns="0" rIns="0" bIns="0" rtlCol="0">
+                <a:spAutoFit/>
+              </a:bodyPr>
+              <a:lstStyle/>
+              <a:p>
+                <a14:m>
+                  <m:oMathPara xmlns:m="http://schemas.openxmlformats.org/officeDocument/2006/math">
+                    <m:oMathParaPr>
+                      <m:jc m:val="centerGroup"/>
+                    </m:oMathParaPr>
+                    <m:oMath xmlns:m="http://schemas.openxmlformats.org/officeDocument/2006/math">
+                      <m:f>
+                        <m:fPr>
+                          <m:ctrlPr>
+                            <a:rPr lang="en-US" altLang="zh-CN" i="1" smtClean="0">
+                              <a:latin typeface="Cambria Math" panose="02040503050406030204" pitchFamily="18" charset="0"/>
+                            </a:rPr>
+                          </m:ctrlPr>
+                        </m:fPr>
+                        <m:num>
+                          <m:r>
+                            <a:rPr lang="zh-CN" altLang="en-US" i="1" smtClean="0">
+                              <a:latin typeface="Cambria Math" panose="02040503050406030204" pitchFamily="18" charset="0"/>
+                            </a:rPr>
+                            <m:t>𝜕</m:t>
+                          </m:r>
+                          <m:r>
+                            <a:rPr lang="en-US" altLang="zh-CN" b="0" i="1" smtClean="0">
+                              <a:latin typeface="Cambria Math" panose="02040503050406030204" pitchFamily="18" charset="0"/>
+                            </a:rPr>
+                            <m:t>𝐿</m:t>
+                          </m:r>
+                        </m:num>
+                        <m:den>
+                          <m:r>
+                            <a:rPr lang="en-US" altLang="zh-CN" b="0" i="1" smtClean="0">
+                              <a:latin typeface="Cambria Math" panose="02040503050406030204" pitchFamily="18" charset="0"/>
+                            </a:rPr>
+                            <m:t>𝑑</m:t>
+                          </m:r>
+                          <m:sSub>
+                            <m:sSubPr>
+                              <m:ctrlPr>
+                                <a:rPr lang="en-US" altLang="zh-CN" b="0" i="1" smtClean="0">
+                                  <a:latin typeface="Cambria Math" panose="02040503050406030204" pitchFamily="18" charset="0"/>
+                                </a:rPr>
+                              </m:ctrlPr>
+                            </m:sSubPr>
+                            <m:e>
+                              <m:r>
+                                <a:rPr lang="en-US" altLang="zh-CN" b="0" i="1" smtClean="0">
+                                  <a:latin typeface="Cambria Math" panose="02040503050406030204" pitchFamily="18" charset="0"/>
+                                </a:rPr>
+                                <m:t>𝑤</m:t>
+                              </m:r>
+                            </m:e>
+                            <m:sub>
+                              <m:r>
+                                <a:rPr lang="en-US" altLang="zh-CN" b="0" i="1" smtClean="0">
+                                  <a:latin typeface="Cambria Math" panose="02040503050406030204" pitchFamily="18" charset="0"/>
+                                </a:rPr>
+                                <m:t>2</m:t>
+                              </m:r>
+                            </m:sub>
+                          </m:sSub>
+                        </m:den>
+                      </m:f>
+                      <m:r>
+                        <a:rPr lang="en-US" altLang="zh-CN" b="0" i="1" smtClean="0">
+                          <a:latin typeface="Cambria Math" panose="02040503050406030204" pitchFamily="18" charset="0"/>
+                        </a:rPr>
+                        <m:t>=</m:t>
+                      </m:r>
+                      <m:sSub>
+                        <m:sSubPr>
+                          <m:ctrlPr>
+                            <a:rPr lang="en-US" altLang="zh-CN" i="1">
+                              <a:latin typeface="Cambria Math" panose="02040503050406030204" pitchFamily="18" charset="0"/>
+                            </a:rPr>
+                          </m:ctrlPr>
+                        </m:sSubPr>
+                        <m:e>
+                          <m:sSub>
+                            <m:sSubPr>
+                              <m:ctrlPr>
+                                <a:rPr lang="en-US" altLang="zh-CN" b="0" i="1" smtClean="0">
+                                  <a:latin typeface="Cambria Math" panose="02040503050406030204" pitchFamily="18" charset="0"/>
+                                </a:rPr>
+                              </m:ctrlPr>
+                            </m:sSubPr>
+                            <m:e>
+                              <m:r>
+                                <a:rPr lang="en-US" altLang="zh-CN" b="0" i="1" smtClean="0">
+                                  <a:latin typeface="Cambria Math" panose="02040503050406030204" pitchFamily="18" charset="0"/>
+                                </a:rPr>
+                                <m:t>𝑔</m:t>
+                              </m:r>
+                            </m:e>
+                            <m:sub>
+                              <m:r>
+                                <a:rPr lang="en-US" altLang="zh-CN" b="0" i="1" smtClean="0">
+                                  <a:latin typeface="Cambria Math" panose="02040503050406030204" pitchFamily="18" charset="0"/>
+                                </a:rPr>
+                                <m:t>1</m:t>
+                              </m:r>
+                            </m:sub>
+                          </m:sSub>
+                          <m:r>
+                            <a:rPr lang="en-US" altLang="zh-CN" b="0" i="1" smtClean="0">
+                              <a:latin typeface="Cambria Math" panose="02040503050406030204" pitchFamily="18" charset="0"/>
+                            </a:rPr>
+                            <m:t>𝐵</m:t>
+                          </m:r>
+                        </m:e>
+                        <m:sub>
+                          <m:r>
+                            <a:rPr lang="en-US" altLang="zh-CN" b="0" i="1" smtClean="0">
+                              <a:latin typeface="Cambria Math" panose="02040503050406030204" pitchFamily="18" charset="0"/>
+                            </a:rPr>
+                            <m:t>𝑜𝑢𝑡</m:t>
+                          </m:r>
+                        </m:sub>
+                      </m:sSub>
+                    </m:oMath>
+                  </m:oMathPara>
+                </a14:m>
+                <a:endParaRPr lang="zh-CN" altLang="en-US" dirty="0"/>
+              </a:p>
+            </p:txBody>
+          </p:sp>
+        </mc:Choice>
+        <mc:Fallback>
+          <p:sp>
+            <p:nvSpPr>
+              <p:cNvPr id="34" name="TextBox 33">
+                <a:extLst>
+                  <a:ext uri="{FF2B5EF4-FFF2-40B4-BE49-F238E27FC236}">
+                    <a16:creationId xmlns:a16="http://schemas.microsoft.com/office/drawing/2014/main" id="{8135B08E-7305-4330-9B28-CBF694677AAD}"/>
+                  </a:ext>
+                </a:extLst>
+              </p:cNvPr>
+              <p:cNvSpPr txBox="1">
+                <a:spLocks noRot="1" noChangeAspect="1" noMove="1" noResize="1" noEditPoints="1" noAdjustHandles="1" noChangeArrowheads="1" noChangeShapeType="1" noTextEdit="1"/>
+              </p:cNvSpPr>
+              <p:nvPr/>
+            </p:nvSpPr>
+            <p:spPr>
+              <a:xfrm>
+                <a:off x="2813107" y="5534077"/>
+                <a:ext cx="1437701" cy="572016"/>
+              </a:xfrm>
+              <a:prstGeom prst="rect">
+                <a:avLst/>
+              </a:prstGeom>
+              <a:blipFill>
+                <a:blip r:embed="rId3"/>
+                <a:stretch>
+                  <a:fillRect/>
+                </a:stretch>
+              </a:blipFill>
+            </p:spPr>
+            <p:txBody>
+              <a:bodyPr/>
+              <a:lstStyle/>
+              <a:p>
+                <a:r>
+                  <a:rPr lang="zh-CN" altLang="en-US">
+                    <a:noFill/>
+                  </a:rPr>
+                  <a:t> </a:t>
+                </a:r>
+              </a:p>
+            </p:txBody>
+          </p:sp>
+        </mc:Fallback>
+      </mc:AlternateContent>
     </p:spTree>
     <p:extLst>
       <p:ext uri="{BB962C8B-B14F-4D97-AF65-F5344CB8AC3E}">
-        <p14:creationId xmlns:p14="http://schemas.microsoft.com/office/powerpoint/2010/main" val="3958535426"/>
+        <p14:creationId xmlns:p14="http://schemas.microsoft.com/office/powerpoint/2010/main" val="3390631308"/>
       </p:ext>
     </p:extLst>
   </p:cSld>
@@ -5647,7 +12357,7 @@
           <p:cNvPr id="2" name="Title 1">
             <a:extLst>
               <a:ext uri="{FF2B5EF4-FFF2-40B4-BE49-F238E27FC236}">
-                <a16:creationId xmlns:a16="http://schemas.microsoft.com/office/drawing/2014/main" id="{AD26A2D8-5869-4DF3-B9BF-56096FF9AC52}"/>
+                <a16:creationId xmlns:a16="http://schemas.microsoft.com/office/drawing/2014/main" id="{3E74E87D-0045-4A61-8B36-E15BAD83CA37}"/>
               </a:ext>
             </a:extLst>
           </p:cNvPr>
@@ -5664,9 +12374,10 @@
           <a:lstStyle/>
           <a:p>
             <a:r>
-              <a:rPr lang="en-US" dirty="0"/>
-              <a:t>Exam Date</a:t>
-            </a:r>
+              <a:rPr lang="en-US" altLang="zh-CN" dirty="0"/>
+              <a:t>Performing backpropagation</a:t>
+            </a:r>
+            <a:endParaRPr lang="zh-CN" altLang="en-US" dirty="0"/>
           </a:p>
         </p:txBody>
       </p:sp>
@@ -5675,7 +12386,7 @@
           <p:cNvPr id="3" name="Content Placeholder 2">
             <a:extLst>
               <a:ext uri="{FF2B5EF4-FFF2-40B4-BE49-F238E27FC236}">
-                <a16:creationId xmlns:a16="http://schemas.microsoft.com/office/drawing/2014/main" id="{037051C9-5AEE-4626-A93C-EA08C0FEAA0E}"/>
+                <a16:creationId xmlns:a16="http://schemas.microsoft.com/office/drawing/2014/main" id="{B96C102F-B2E7-4760-B47A-05402B7971C3}"/>
               </a:ext>
             </a:extLst>
           </p:cNvPr>
@@ -5686,31 +12397,885 @@
             <p:ph idx="1"/>
           </p:nvPr>
         </p:nvSpPr>
-        <p:spPr/>
-        <p:txBody>
-          <a:bodyPr/>
-          <a:lstStyle/>
-          <a:p>
-            <a:r>
-              <a:rPr lang="en-US" dirty="0"/>
-              <a:t>Thesis hand-in is on Friday, June 28, I fly to the US on Wednesday, July 10.</a:t>
-            </a:r>
-          </a:p>
-          <a:p>
-            <a:endParaRPr lang="en-US" dirty="0"/>
-          </a:p>
-          <a:p>
-            <a:r>
-              <a:rPr lang="en-US" dirty="0"/>
-              <a:t>We have tentatively scheduled the exam for July 8, 2019.</a:t>
-            </a:r>
+        <p:spPr>
+          <a:xfrm>
+            <a:off x="942703" y="2055223"/>
+            <a:ext cx="4971624" cy="1042035"/>
+          </a:xfrm>
+        </p:spPr>
+        <p:txBody>
+          <a:bodyPr>
+            <a:normAutofit fontScale="92500" lnSpcReduction="20000"/>
+          </a:bodyPr>
+          <a:lstStyle/>
+          <a:p>
+            <a:pPr marL="0" indent="0">
+              <a:buNone/>
+            </a:pPr>
+            <a:r>
+              <a:rPr lang="en-US" altLang="zh-CN" dirty="0"/>
+              <a:t>First calculate the gradients for the previous layer so the previous layer can start working</a:t>
+            </a:r>
+            <a:endParaRPr lang="zh-CN" altLang="en-US" dirty="0"/>
+          </a:p>
+        </p:txBody>
+      </p:sp>
+      <p:pic>
+        <p:nvPicPr>
+          <p:cNvPr id="56" name="Picture 55">
+            <a:extLst>
+              <a:ext uri="{FF2B5EF4-FFF2-40B4-BE49-F238E27FC236}">
+                <a16:creationId xmlns:a16="http://schemas.microsoft.com/office/drawing/2014/main" id="{61CCF763-5087-47F7-97E5-156903971C5D}"/>
+              </a:ext>
+            </a:extLst>
+          </p:cNvPr>
+          <p:cNvPicPr>
+            <a:picLocks noChangeAspect="1"/>
+          </p:cNvPicPr>
+          <p:nvPr/>
+        </p:nvPicPr>
+        <p:blipFill>
+          <a:blip r:embed="rId2"/>
+          <a:stretch>
+            <a:fillRect/>
+          </a:stretch>
+        </p:blipFill>
+        <p:spPr>
+          <a:xfrm>
+            <a:off x="942703" y="3196676"/>
+            <a:ext cx="4971624" cy="2677884"/>
+          </a:xfrm>
+          <a:prstGeom prst="rect">
+            <a:avLst/>
+          </a:prstGeom>
+        </p:spPr>
+      </p:pic>
+      <p:pic>
+        <p:nvPicPr>
+          <p:cNvPr id="58" name="Picture 57">
+            <a:extLst>
+              <a:ext uri="{FF2B5EF4-FFF2-40B4-BE49-F238E27FC236}">
+                <a16:creationId xmlns:a16="http://schemas.microsoft.com/office/drawing/2014/main" id="{C4F67A1C-B932-4CE9-9E08-8A3C535FC635}"/>
+              </a:ext>
+            </a:extLst>
+          </p:cNvPr>
+          <p:cNvPicPr>
+            <a:picLocks noChangeAspect="1"/>
+          </p:cNvPicPr>
+          <p:nvPr/>
+        </p:nvPicPr>
+        <p:blipFill>
+          <a:blip r:embed="rId3"/>
+          <a:stretch>
+            <a:fillRect/>
+          </a:stretch>
+        </p:blipFill>
+        <p:spPr>
+          <a:xfrm>
+            <a:off x="6819900" y="3382979"/>
+            <a:ext cx="4810125" cy="2621736"/>
+          </a:xfrm>
+          <a:prstGeom prst="rect">
+            <a:avLst/>
+          </a:prstGeom>
+        </p:spPr>
+      </p:pic>
+      <p:sp>
+        <p:nvSpPr>
+          <p:cNvPr id="59" name="Content Placeholder 2">
+            <a:extLst>
+              <a:ext uri="{FF2B5EF4-FFF2-40B4-BE49-F238E27FC236}">
+                <a16:creationId xmlns:a16="http://schemas.microsoft.com/office/drawing/2014/main" id="{52792E52-74AE-4132-A250-BE17998DD61D}"/>
+              </a:ext>
+            </a:extLst>
+          </p:cNvPr>
+          <p:cNvSpPr txBox="1">
+            <a:spLocks/>
+          </p:cNvSpPr>
+          <p:nvPr/>
+        </p:nvSpPr>
+        <p:spPr>
+          <a:xfrm>
+            <a:off x="6739150" y="2055222"/>
+            <a:ext cx="4971624" cy="1042035"/>
+          </a:xfrm>
+          <a:prstGeom prst="rect">
+            <a:avLst/>
+          </a:prstGeom>
+        </p:spPr>
+        <p:txBody>
+          <a:bodyPr vert="horz" lIns="91440" tIns="45720" rIns="91440" bIns="45720" rtlCol="0">
+            <a:normAutofit/>
+          </a:bodyPr>
+          <a:lstStyle>
+            <a:lvl1pPr marL="228600" indent="-228600" algn="l" defTabSz="914400" rtl="0" eaLnBrk="1" latinLnBrk="0" hangingPunct="1">
+              <a:lnSpc>
+                <a:spcPct val="90000"/>
+              </a:lnSpc>
+              <a:spcBef>
+                <a:spcPts val="1000"/>
+              </a:spcBef>
+              <a:buFont typeface="Arial" panose="020B0604020202020204" pitchFamily="34" charset="0"/>
+              <a:buChar char="•"/>
+              <a:defRPr sz="2800" kern="1200">
+                <a:solidFill>
+                  <a:schemeClr val="tx1"/>
+                </a:solidFill>
+                <a:latin typeface="+mn-lt"/>
+                <a:ea typeface="+mn-ea"/>
+                <a:cs typeface="+mn-cs"/>
+              </a:defRPr>
+            </a:lvl1pPr>
+            <a:lvl2pPr marL="685800" indent="-228600" algn="l" defTabSz="914400" rtl="0" eaLnBrk="1" latinLnBrk="0" hangingPunct="1">
+              <a:lnSpc>
+                <a:spcPct val="90000"/>
+              </a:lnSpc>
+              <a:spcBef>
+                <a:spcPts val="500"/>
+              </a:spcBef>
+              <a:buFont typeface="Arial" panose="020B0604020202020204" pitchFamily="34" charset="0"/>
+              <a:buChar char="•"/>
+              <a:defRPr sz="2400" kern="1200">
+                <a:solidFill>
+                  <a:schemeClr val="tx1"/>
+                </a:solidFill>
+                <a:latin typeface="+mn-lt"/>
+                <a:ea typeface="+mn-ea"/>
+                <a:cs typeface="+mn-cs"/>
+              </a:defRPr>
+            </a:lvl2pPr>
+            <a:lvl3pPr marL="1143000" indent="-228600" algn="l" defTabSz="914400" rtl="0" eaLnBrk="1" latinLnBrk="0" hangingPunct="1">
+              <a:lnSpc>
+                <a:spcPct val="90000"/>
+              </a:lnSpc>
+              <a:spcBef>
+                <a:spcPts val="500"/>
+              </a:spcBef>
+              <a:buFont typeface="Arial" panose="020B0604020202020204" pitchFamily="34" charset="0"/>
+              <a:buChar char="•"/>
+              <a:defRPr sz="2000" kern="1200">
+                <a:solidFill>
+                  <a:schemeClr val="tx1"/>
+                </a:solidFill>
+                <a:latin typeface="+mn-lt"/>
+                <a:ea typeface="+mn-ea"/>
+                <a:cs typeface="+mn-cs"/>
+              </a:defRPr>
+            </a:lvl3pPr>
+            <a:lvl4pPr marL="1600200" indent="-228600" algn="l" defTabSz="914400" rtl="0" eaLnBrk="1" latinLnBrk="0" hangingPunct="1">
+              <a:lnSpc>
+                <a:spcPct val="90000"/>
+              </a:lnSpc>
+              <a:spcBef>
+                <a:spcPts val="500"/>
+              </a:spcBef>
+              <a:buFont typeface="Arial" panose="020B0604020202020204" pitchFamily="34" charset="0"/>
+              <a:buChar char="•"/>
+              <a:defRPr sz="1800" kern="1200">
+                <a:solidFill>
+                  <a:schemeClr val="tx1"/>
+                </a:solidFill>
+                <a:latin typeface="+mn-lt"/>
+                <a:ea typeface="+mn-ea"/>
+                <a:cs typeface="+mn-cs"/>
+              </a:defRPr>
+            </a:lvl4pPr>
+            <a:lvl5pPr marL="2057400" indent="-228600" algn="l" defTabSz="914400" rtl="0" eaLnBrk="1" latinLnBrk="0" hangingPunct="1">
+              <a:lnSpc>
+                <a:spcPct val="90000"/>
+              </a:lnSpc>
+              <a:spcBef>
+                <a:spcPts val="500"/>
+              </a:spcBef>
+              <a:buFont typeface="Arial" panose="020B0604020202020204" pitchFamily="34" charset="0"/>
+              <a:buChar char="•"/>
+              <a:defRPr sz="1800" kern="1200">
+                <a:solidFill>
+                  <a:schemeClr val="tx1"/>
+                </a:solidFill>
+                <a:latin typeface="+mn-lt"/>
+                <a:ea typeface="+mn-ea"/>
+                <a:cs typeface="+mn-cs"/>
+              </a:defRPr>
+            </a:lvl5pPr>
+            <a:lvl6pPr marL="2514600" indent="-228600" algn="l" defTabSz="914400" rtl="0" eaLnBrk="1" latinLnBrk="0" hangingPunct="1">
+              <a:lnSpc>
+                <a:spcPct val="90000"/>
+              </a:lnSpc>
+              <a:spcBef>
+                <a:spcPts val="500"/>
+              </a:spcBef>
+              <a:buFont typeface="Arial" panose="020B0604020202020204" pitchFamily="34" charset="0"/>
+              <a:buChar char="•"/>
+              <a:defRPr sz="1800" kern="1200">
+                <a:solidFill>
+                  <a:schemeClr val="tx1"/>
+                </a:solidFill>
+                <a:latin typeface="+mn-lt"/>
+                <a:ea typeface="+mn-ea"/>
+                <a:cs typeface="+mn-cs"/>
+              </a:defRPr>
+            </a:lvl6pPr>
+            <a:lvl7pPr marL="2971800" indent="-228600" algn="l" defTabSz="914400" rtl="0" eaLnBrk="1" latinLnBrk="0" hangingPunct="1">
+              <a:lnSpc>
+                <a:spcPct val="90000"/>
+              </a:lnSpc>
+              <a:spcBef>
+                <a:spcPts val="500"/>
+              </a:spcBef>
+              <a:buFont typeface="Arial" panose="020B0604020202020204" pitchFamily="34" charset="0"/>
+              <a:buChar char="•"/>
+              <a:defRPr sz="1800" kern="1200">
+                <a:solidFill>
+                  <a:schemeClr val="tx1"/>
+                </a:solidFill>
+                <a:latin typeface="+mn-lt"/>
+                <a:ea typeface="+mn-ea"/>
+                <a:cs typeface="+mn-cs"/>
+              </a:defRPr>
+            </a:lvl7pPr>
+            <a:lvl8pPr marL="3429000" indent="-228600" algn="l" defTabSz="914400" rtl="0" eaLnBrk="1" latinLnBrk="0" hangingPunct="1">
+              <a:lnSpc>
+                <a:spcPct val="90000"/>
+              </a:lnSpc>
+              <a:spcBef>
+                <a:spcPts val="500"/>
+              </a:spcBef>
+              <a:buFont typeface="Arial" panose="020B0604020202020204" pitchFamily="34" charset="0"/>
+              <a:buChar char="•"/>
+              <a:defRPr sz="1800" kern="1200">
+                <a:solidFill>
+                  <a:schemeClr val="tx1"/>
+                </a:solidFill>
+                <a:latin typeface="+mn-lt"/>
+                <a:ea typeface="+mn-ea"/>
+                <a:cs typeface="+mn-cs"/>
+              </a:defRPr>
+            </a:lvl8pPr>
+            <a:lvl9pPr marL="3886200" indent="-228600" algn="l" defTabSz="914400" rtl="0" eaLnBrk="1" latinLnBrk="0" hangingPunct="1">
+              <a:lnSpc>
+                <a:spcPct val="90000"/>
+              </a:lnSpc>
+              <a:spcBef>
+                <a:spcPts val="500"/>
+              </a:spcBef>
+              <a:buFont typeface="Arial" panose="020B0604020202020204" pitchFamily="34" charset="0"/>
+              <a:buChar char="•"/>
+              <a:defRPr sz="1800" kern="1200">
+                <a:solidFill>
+                  <a:schemeClr val="tx1"/>
+                </a:solidFill>
+                <a:latin typeface="+mn-lt"/>
+                <a:ea typeface="+mn-ea"/>
+                <a:cs typeface="+mn-cs"/>
+              </a:defRPr>
+            </a:lvl9pPr>
+          </a:lstStyle>
+          <a:p>
+            <a:pPr marL="0" indent="0">
+              <a:buFont typeface="Arial" panose="020B0604020202020204" pitchFamily="34" charset="0"/>
+              <a:buNone/>
+            </a:pPr>
+            <a:r>
+              <a:rPr lang="en-US" altLang="zh-CN" dirty="0"/>
+              <a:t>Then, calculate the gradients for the weights in the current layer</a:t>
+            </a:r>
+            <a:endParaRPr lang="zh-CN" altLang="en-US" dirty="0"/>
+          </a:p>
+        </p:txBody>
+      </p:sp>
+      <p:sp>
+        <p:nvSpPr>
+          <p:cNvPr id="60" name="Content Placeholder 2">
+            <a:extLst>
+              <a:ext uri="{FF2B5EF4-FFF2-40B4-BE49-F238E27FC236}">
+                <a16:creationId xmlns:a16="http://schemas.microsoft.com/office/drawing/2014/main" id="{18A371FC-D2AF-4459-B2F6-E654267DDC69}"/>
+              </a:ext>
+            </a:extLst>
+          </p:cNvPr>
+          <p:cNvSpPr txBox="1">
+            <a:spLocks/>
+          </p:cNvSpPr>
+          <p:nvPr/>
+        </p:nvSpPr>
+        <p:spPr>
+          <a:xfrm>
+            <a:off x="942702" y="1532085"/>
+            <a:ext cx="9542417" cy="1042035"/>
+          </a:xfrm>
+          <a:prstGeom prst="rect">
+            <a:avLst/>
+          </a:prstGeom>
+        </p:spPr>
+        <p:txBody>
+          <a:bodyPr vert="horz" lIns="91440" tIns="45720" rIns="91440" bIns="45720" rtlCol="0">
+            <a:normAutofit/>
+          </a:bodyPr>
+          <a:lstStyle>
+            <a:lvl1pPr marL="228600" indent="-228600" algn="l" defTabSz="914400" rtl="0" eaLnBrk="1" latinLnBrk="0" hangingPunct="1">
+              <a:lnSpc>
+                <a:spcPct val="90000"/>
+              </a:lnSpc>
+              <a:spcBef>
+                <a:spcPts val="1000"/>
+              </a:spcBef>
+              <a:buFont typeface="Arial" panose="020B0604020202020204" pitchFamily="34" charset="0"/>
+              <a:buChar char="•"/>
+              <a:defRPr sz="2800" kern="1200">
+                <a:solidFill>
+                  <a:schemeClr val="tx1"/>
+                </a:solidFill>
+                <a:latin typeface="+mn-lt"/>
+                <a:ea typeface="+mn-ea"/>
+                <a:cs typeface="+mn-cs"/>
+              </a:defRPr>
+            </a:lvl1pPr>
+            <a:lvl2pPr marL="685800" indent="-228600" algn="l" defTabSz="914400" rtl="0" eaLnBrk="1" latinLnBrk="0" hangingPunct="1">
+              <a:lnSpc>
+                <a:spcPct val="90000"/>
+              </a:lnSpc>
+              <a:spcBef>
+                <a:spcPts val="500"/>
+              </a:spcBef>
+              <a:buFont typeface="Arial" panose="020B0604020202020204" pitchFamily="34" charset="0"/>
+              <a:buChar char="•"/>
+              <a:defRPr sz="2400" kern="1200">
+                <a:solidFill>
+                  <a:schemeClr val="tx1"/>
+                </a:solidFill>
+                <a:latin typeface="+mn-lt"/>
+                <a:ea typeface="+mn-ea"/>
+                <a:cs typeface="+mn-cs"/>
+              </a:defRPr>
+            </a:lvl2pPr>
+            <a:lvl3pPr marL="1143000" indent="-228600" algn="l" defTabSz="914400" rtl="0" eaLnBrk="1" latinLnBrk="0" hangingPunct="1">
+              <a:lnSpc>
+                <a:spcPct val="90000"/>
+              </a:lnSpc>
+              <a:spcBef>
+                <a:spcPts val="500"/>
+              </a:spcBef>
+              <a:buFont typeface="Arial" panose="020B0604020202020204" pitchFamily="34" charset="0"/>
+              <a:buChar char="•"/>
+              <a:defRPr sz="2000" kern="1200">
+                <a:solidFill>
+                  <a:schemeClr val="tx1"/>
+                </a:solidFill>
+                <a:latin typeface="+mn-lt"/>
+                <a:ea typeface="+mn-ea"/>
+                <a:cs typeface="+mn-cs"/>
+              </a:defRPr>
+            </a:lvl3pPr>
+            <a:lvl4pPr marL="1600200" indent="-228600" algn="l" defTabSz="914400" rtl="0" eaLnBrk="1" latinLnBrk="0" hangingPunct="1">
+              <a:lnSpc>
+                <a:spcPct val="90000"/>
+              </a:lnSpc>
+              <a:spcBef>
+                <a:spcPts val="500"/>
+              </a:spcBef>
+              <a:buFont typeface="Arial" panose="020B0604020202020204" pitchFamily="34" charset="0"/>
+              <a:buChar char="•"/>
+              <a:defRPr sz="1800" kern="1200">
+                <a:solidFill>
+                  <a:schemeClr val="tx1"/>
+                </a:solidFill>
+                <a:latin typeface="+mn-lt"/>
+                <a:ea typeface="+mn-ea"/>
+                <a:cs typeface="+mn-cs"/>
+              </a:defRPr>
+            </a:lvl4pPr>
+            <a:lvl5pPr marL="2057400" indent="-228600" algn="l" defTabSz="914400" rtl="0" eaLnBrk="1" latinLnBrk="0" hangingPunct="1">
+              <a:lnSpc>
+                <a:spcPct val="90000"/>
+              </a:lnSpc>
+              <a:spcBef>
+                <a:spcPts val="500"/>
+              </a:spcBef>
+              <a:buFont typeface="Arial" panose="020B0604020202020204" pitchFamily="34" charset="0"/>
+              <a:buChar char="•"/>
+              <a:defRPr sz="1800" kern="1200">
+                <a:solidFill>
+                  <a:schemeClr val="tx1"/>
+                </a:solidFill>
+                <a:latin typeface="+mn-lt"/>
+                <a:ea typeface="+mn-ea"/>
+                <a:cs typeface="+mn-cs"/>
+              </a:defRPr>
+            </a:lvl5pPr>
+            <a:lvl6pPr marL="2514600" indent="-228600" algn="l" defTabSz="914400" rtl="0" eaLnBrk="1" latinLnBrk="0" hangingPunct="1">
+              <a:lnSpc>
+                <a:spcPct val="90000"/>
+              </a:lnSpc>
+              <a:spcBef>
+                <a:spcPts val="500"/>
+              </a:spcBef>
+              <a:buFont typeface="Arial" panose="020B0604020202020204" pitchFamily="34" charset="0"/>
+              <a:buChar char="•"/>
+              <a:defRPr sz="1800" kern="1200">
+                <a:solidFill>
+                  <a:schemeClr val="tx1"/>
+                </a:solidFill>
+                <a:latin typeface="+mn-lt"/>
+                <a:ea typeface="+mn-ea"/>
+                <a:cs typeface="+mn-cs"/>
+              </a:defRPr>
+            </a:lvl6pPr>
+            <a:lvl7pPr marL="2971800" indent="-228600" algn="l" defTabSz="914400" rtl="0" eaLnBrk="1" latinLnBrk="0" hangingPunct="1">
+              <a:lnSpc>
+                <a:spcPct val="90000"/>
+              </a:lnSpc>
+              <a:spcBef>
+                <a:spcPts val="500"/>
+              </a:spcBef>
+              <a:buFont typeface="Arial" panose="020B0604020202020204" pitchFamily="34" charset="0"/>
+              <a:buChar char="•"/>
+              <a:defRPr sz="1800" kern="1200">
+                <a:solidFill>
+                  <a:schemeClr val="tx1"/>
+                </a:solidFill>
+                <a:latin typeface="+mn-lt"/>
+                <a:ea typeface="+mn-ea"/>
+                <a:cs typeface="+mn-cs"/>
+              </a:defRPr>
+            </a:lvl7pPr>
+            <a:lvl8pPr marL="3429000" indent="-228600" algn="l" defTabSz="914400" rtl="0" eaLnBrk="1" latinLnBrk="0" hangingPunct="1">
+              <a:lnSpc>
+                <a:spcPct val="90000"/>
+              </a:lnSpc>
+              <a:spcBef>
+                <a:spcPts val="500"/>
+              </a:spcBef>
+              <a:buFont typeface="Arial" panose="020B0604020202020204" pitchFamily="34" charset="0"/>
+              <a:buChar char="•"/>
+              <a:defRPr sz="1800" kern="1200">
+                <a:solidFill>
+                  <a:schemeClr val="tx1"/>
+                </a:solidFill>
+                <a:latin typeface="+mn-lt"/>
+                <a:ea typeface="+mn-ea"/>
+                <a:cs typeface="+mn-cs"/>
+              </a:defRPr>
+            </a:lvl8pPr>
+            <a:lvl9pPr marL="3886200" indent="-228600" algn="l" defTabSz="914400" rtl="0" eaLnBrk="1" latinLnBrk="0" hangingPunct="1">
+              <a:lnSpc>
+                <a:spcPct val="90000"/>
+              </a:lnSpc>
+              <a:spcBef>
+                <a:spcPts val="500"/>
+              </a:spcBef>
+              <a:buFont typeface="Arial" panose="020B0604020202020204" pitchFamily="34" charset="0"/>
+              <a:buChar char="•"/>
+              <a:defRPr sz="1800" kern="1200">
+                <a:solidFill>
+                  <a:schemeClr val="tx1"/>
+                </a:solidFill>
+                <a:latin typeface="+mn-lt"/>
+                <a:ea typeface="+mn-ea"/>
+                <a:cs typeface="+mn-cs"/>
+              </a:defRPr>
+            </a:lvl9pPr>
+          </a:lstStyle>
+          <a:p>
+            <a:pPr marL="0" indent="0">
+              <a:buFont typeface="Arial" panose="020B0604020202020204" pitchFamily="34" charset="0"/>
+              <a:buNone/>
+            </a:pPr>
+            <a:r>
+              <a:rPr lang="en-US" altLang="zh-CN" i="1" dirty="0"/>
+              <a:t>When we know the gradients of the neurons for a layer:</a:t>
+            </a:r>
+            <a:endParaRPr lang="zh-CN" altLang="en-US" i="1" dirty="0"/>
+          </a:p>
+        </p:txBody>
+      </p:sp>
+      <p:sp>
+        <p:nvSpPr>
+          <p:cNvPr id="61" name="Content Placeholder 2">
+            <a:extLst>
+              <a:ext uri="{FF2B5EF4-FFF2-40B4-BE49-F238E27FC236}">
+                <a16:creationId xmlns:a16="http://schemas.microsoft.com/office/drawing/2014/main" id="{8875F87C-ECC6-4D5E-8BE5-72DB28E6F16F}"/>
+              </a:ext>
+            </a:extLst>
+          </p:cNvPr>
+          <p:cNvSpPr txBox="1">
+            <a:spLocks/>
+          </p:cNvSpPr>
+          <p:nvPr/>
+        </p:nvSpPr>
+        <p:spPr>
+          <a:xfrm>
+            <a:off x="838200" y="6032066"/>
+            <a:ext cx="9542417" cy="1042035"/>
+          </a:xfrm>
+          <a:prstGeom prst="rect">
+            <a:avLst/>
+          </a:prstGeom>
+        </p:spPr>
+        <p:txBody>
+          <a:bodyPr vert="horz" lIns="91440" tIns="45720" rIns="91440" bIns="45720" rtlCol="0">
+            <a:normAutofit/>
+          </a:bodyPr>
+          <a:lstStyle>
+            <a:lvl1pPr marL="228600" indent="-228600" algn="l" defTabSz="914400" rtl="0" eaLnBrk="1" latinLnBrk="0" hangingPunct="1">
+              <a:lnSpc>
+                <a:spcPct val="90000"/>
+              </a:lnSpc>
+              <a:spcBef>
+                <a:spcPts val="1000"/>
+              </a:spcBef>
+              <a:buFont typeface="Arial" panose="020B0604020202020204" pitchFamily="34" charset="0"/>
+              <a:buChar char="•"/>
+              <a:defRPr sz="2800" kern="1200">
+                <a:solidFill>
+                  <a:schemeClr val="tx1"/>
+                </a:solidFill>
+                <a:latin typeface="+mn-lt"/>
+                <a:ea typeface="+mn-ea"/>
+                <a:cs typeface="+mn-cs"/>
+              </a:defRPr>
+            </a:lvl1pPr>
+            <a:lvl2pPr marL="685800" indent="-228600" algn="l" defTabSz="914400" rtl="0" eaLnBrk="1" latinLnBrk="0" hangingPunct="1">
+              <a:lnSpc>
+                <a:spcPct val="90000"/>
+              </a:lnSpc>
+              <a:spcBef>
+                <a:spcPts val="500"/>
+              </a:spcBef>
+              <a:buFont typeface="Arial" panose="020B0604020202020204" pitchFamily="34" charset="0"/>
+              <a:buChar char="•"/>
+              <a:defRPr sz="2400" kern="1200">
+                <a:solidFill>
+                  <a:schemeClr val="tx1"/>
+                </a:solidFill>
+                <a:latin typeface="+mn-lt"/>
+                <a:ea typeface="+mn-ea"/>
+                <a:cs typeface="+mn-cs"/>
+              </a:defRPr>
+            </a:lvl2pPr>
+            <a:lvl3pPr marL="1143000" indent="-228600" algn="l" defTabSz="914400" rtl="0" eaLnBrk="1" latinLnBrk="0" hangingPunct="1">
+              <a:lnSpc>
+                <a:spcPct val="90000"/>
+              </a:lnSpc>
+              <a:spcBef>
+                <a:spcPts val="500"/>
+              </a:spcBef>
+              <a:buFont typeface="Arial" panose="020B0604020202020204" pitchFamily="34" charset="0"/>
+              <a:buChar char="•"/>
+              <a:defRPr sz="2000" kern="1200">
+                <a:solidFill>
+                  <a:schemeClr val="tx1"/>
+                </a:solidFill>
+                <a:latin typeface="+mn-lt"/>
+                <a:ea typeface="+mn-ea"/>
+                <a:cs typeface="+mn-cs"/>
+              </a:defRPr>
+            </a:lvl3pPr>
+            <a:lvl4pPr marL="1600200" indent="-228600" algn="l" defTabSz="914400" rtl="0" eaLnBrk="1" latinLnBrk="0" hangingPunct="1">
+              <a:lnSpc>
+                <a:spcPct val="90000"/>
+              </a:lnSpc>
+              <a:spcBef>
+                <a:spcPts val="500"/>
+              </a:spcBef>
+              <a:buFont typeface="Arial" panose="020B0604020202020204" pitchFamily="34" charset="0"/>
+              <a:buChar char="•"/>
+              <a:defRPr sz="1800" kern="1200">
+                <a:solidFill>
+                  <a:schemeClr val="tx1"/>
+                </a:solidFill>
+                <a:latin typeface="+mn-lt"/>
+                <a:ea typeface="+mn-ea"/>
+                <a:cs typeface="+mn-cs"/>
+              </a:defRPr>
+            </a:lvl4pPr>
+            <a:lvl5pPr marL="2057400" indent="-228600" algn="l" defTabSz="914400" rtl="0" eaLnBrk="1" latinLnBrk="0" hangingPunct="1">
+              <a:lnSpc>
+                <a:spcPct val="90000"/>
+              </a:lnSpc>
+              <a:spcBef>
+                <a:spcPts val="500"/>
+              </a:spcBef>
+              <a:buFont typeface="Arial" panose="020B0604020202020204" pitchFamily="34" charset="0"/>
+              <a:buChar char="•"/>
+              <a:defRPr sz="1800" kern="1200">
+                <a:solidFill>
+                  <a:schemeClr val="tx1"/>
+                </a:solidFill>
+                <a:latin typeface="+mn-lt"/>
+                <a:ea typeface="+mn-ea"/>
+                <a:cs typeface="+mn-cs"/>
+              </a:defRPr>
+            </a:lvl5pPr>
+            <a:lvl6pPr marL="2514600" indent="-228600" algn="l" defTabSz="914400" rtl="0" eaLnBrk="1" latinLnBrk="0" hangingPunct="1">
+              <a:lnSpc>
+                <a:spcPct val="90000"/>
+              </a:lnSpc>
+              <a:spcBef>
+                <a:spcPts val="500"/>
+              </a:spcBef>
+              <a:buFont typeface="Arial" panose="020B0604020202020204" pitchFamily="34" charset="0"/>
+              <a:buChar char="•"/>
+              <a:defRPr sz="1800" kern="1200">
+                <a:solidFill>
+                  <a:schemeClr val="tx1"/>
+                </a:solidFill>
+                <a:latin typeface="+mn-lt"/>
+                <a:ea typeface="+mn-ea"/>
+                <a:cs typeface="+mn-cs"/>
+              </a:defRPr>
+            </a:lvl6pPr>
+            <a:lvl7pPr marL="2971800" indent="-228600" algn="l" defTabSz="914400" rtl="0" eaLnBrk="1" latinLnBrk="0" hangingPunct="1">
+              <a:lnSpc>
+                <a:spcPct val="90000"/>
+              </a:lnSpc>
+              <a:spcBef>
+                <a:spcPts val="500"/>
+              </a:spcBef>
+              <a:buFont typeface="Arial" panose="020B0604020202020204" pitchFamily="34" charset="0"/>
+              <a:buChar char="•"/>
+              <a:defRPr sz="1800" kern="1200">
+                <a:solidFill>
+                  <a:schemeClr val="tx1"/>
+                </a:solidFill>
+                <a:latin typeface="+mn-lt"/>
+                <a:ea typeface="+mn-ea"/>
+                <a:cs typeface="+mn-cs"/>
+              </a:defRPr>
+            </a:lvl7pPr>
+            <a:lvl8pPr marL="3429000" indent="-228600" algn="l" defTabSz="914400" rtl="0" eaLnBrk="1" latinLnBrk="0" hangingPunct="1">
+              <a:lnSpc>
+                <a:spcPct val="90000"/>
+              </a:lnSpc>
+              <a:spcBef>
+                <a:spcPts val="500"/>
+              </a:spcBef>
+              <a:buFont typeface="Arial" panose="020B0604020202020204" pitchFamily="34" charset="0"/>
+              <a:buChar char="•"/>
+              <a:defRPr sz="1800" kern="1200">
+                <a:solidFill>
+                  <a:schemeClr val="tx1"/>
+                </a:solidFill>
+                <a:latin typeface="+mn-lt"/>
+                <a:ea typeface="+mn-ea"/>
+                <a:cs typeface="+mn-cs"/>
+              </a:defRPr>
+            </a:lvl8pPr>
+            <a:lvl9pPr marL="3886200" indent="-228600" algn="l" defTabSz="914400" rtl="0" eaLnBrk="1" latinLnBrk="0" hangingPunct="1">
+              <a:lnSpc>
+                <a:spcPct val="90000"/>
+              </a:lnSpc>
+              <a:spcBef>
+                <a:spcPts val="500"/>
+              </a:spcBef>
+              <a:buFont typeface="Arial" panose="020B0604020202020204" pitchFamily="34" charset="0"/>
+              <a:buChar char="•"/>
+              <a:defRPr sz="1800" kern="1200">
+                <a:solidFill>
+                  <a:schemeClr val="tx1"/>
+                </a:solidFill>
+                <a:latin typeface="+mn-lt"/>
+                <a:ea typeface="+mn-ea"/>
+                <a:cs typeface="+mn-cs"/>
+              </a:defRPr>
+            </a:lvl9pPr>
+          </a:lstStyle>
+          <a:p>
+            <a:pPr marL="0" indent="0">
+              <a:buFont typeface="Arial" panose="020B0604020202020204" pitchFamily="34" charset="0"/>
+              <a:buNone/>
+            </a:pPr>
+            <a:r>
+              <a:rPr lang="en-US" altLang="zh-CN" dirty="0"/>
+              <a:t>We then repeat this process throughout each layer</a:t>
+            </a:r>
+            <a:endParaRPr lang="zh-CN" altLang="en-US" dirty="0"/>
           </a:p>
         </p:txBody>
       </p:sp>
     </p:spTree>
     <p:extLst>
       <p:ext uri="{BB962C8B-B14F-4D97-AF65-F5344CB8AC3E}">
-        <p14:creationId xmlns:p14="http://schemas.microsoft.com/office/powerpoint/2010/main" val="2818833863"/>
+        <p14:creationId xmlns:p14="http://schemas.microsoft.com/office/powerpoint/2010/main" val="530109010"/>
+      </p:ext>
+    </p:extLst>
+  </p:cSld>
+  <p:clrMapOvr>
+    <a:masterClrMapping/>
+  </p:clrMapOvr>
+</p:sld>
+</file>
+
+<file path=ppt/slides/slide9.xml><?xml version="1.0" encoding="utf-8"?>
+<p:sld xmlns:a="http://schemas.openxmlformats.org/drawingml/2006/main" xmlns:r="http://schemas.openxmlformats.org/officeDocument/2006/relationships" xmlns:p="http://schemas.openxmlformats.org/presentationml/2006/main">
+  <p:cSld>
+    <p:spTree>
+      <p:nvGrpSpPr>
+        <p:cNvPr id="1" name=""/>
+        <p:cNvGrpSpPr/>
+        <p:nvPr/>
+      </p:nvGrpSpPr>
+      <p:grpSpPr>
+        <a:xfrm>
+          <a:off x="0" y="0"/>
+          <a:ext cx="0" cy="0"/>
+          <a:chOff x="0" y="0"/>
+          <a:chExt cx="0" cy="0"/>
+        </a:xfrm>
+      </p:grpSpPr>
+      <p:sp>
+        <p:nvSpPr>
+          <p:cNvPr id="2" name="Title 1">
+            <a:extLst>
+              <a:ext uri="{FF2B5EF4-FFF2-40B4-BE49-F238E27FC236}">
+                <a16:creationId xmlns:a16="http://schemas.microsoft.com/office/drawing/2014/main" id="{CE711C05-98AE-4565-BD9A-1E0DB916C2D6}"/>
+              </a:ext>
+            </a:extLst>
+          </p:cNvPr>
+          <p:cNvSpPr>
+            <a:spLocks noGrp="1"/>
+          </p:cNvSpPr>
+          <p:nvPr>
+            <p:ph type="title"/>
+          </p:nvPr>
+        </p:nvSpPr>
+        <p:spPr/>
+        <p:txBody>
+          <a:bodyPr/>
+          <a:lstStyle/>
+          <a:p>
+            <a:r>
+              <a:rPr lang="en-US" altLang="zh-CN" dirty="0"/>
+              <a:t>Architecture and Cycles</a:t>
+            </a:r>
+            <a:endParaRPr lang="zh-CN" altLang="en-US" dirty="0"/>
+          </a:p>
+        </p:txBody>
+      </p:sp>
+      <p:sp>
+        <p:nvSpPr>
+          <p:cNvPr id="3" name="Content Placeholder 2">
+            <a:extLst>
+              <a:ext uri="{FF2B5EF4-FFF2-40B4-BE49-F238E27FC236}">
+                <a16:creationId xmlns:a16="http://schemas.microsoft.com/office/drawing/2014/main" id="{10545E37-1E28-4EE7-9352-D9FB29924BF0}"/>
+              </a:ext>
+            </a:extLst>
+          </p:cNvPr>
+          <p:cNvSpPr>
+            <a:spLocks noGrp="1"/>
+          </p:cNvSpPr>
+          <p:nvPr>
+            <p:ph idx="1"/>
+          </p:nvPr>
+        </p:nvSpPr>
+        <p:spPr>
+          <a:xfrm>
+            <a:off x="838200" y="1825624"/>
+            <a:ext cx="11353800" cy="5141233"/>
+          </a:xfrm>
+        </p:spPr>
+        <p:txBody>
+          <a:bodyPr>
+            <a:normAutofit lnSpcReduction="10000"/>
+          </a:bodyPr>
+          <a:lstStyle/>
+          <a:p>
+            <a:r>
+              <a:rPr lang="en-US" altLang="zh-CN" dirty="0"/>
+              <a:t>There are 3 layers, FC0, FC1, and FC2, my SW Model trains to roughly 97.5% on MNIST with this architecture</a:t>
+            </a:r>
+          </a:p>
+          <a:p>
+            <a:r>
+              <a:rPr lang="en-US" altLang="zh-CN" dirty="0"/>
+              <a:t>FC0 has 98 neurons with a fan in of one 28*28 image: 784.</a:t>
+            </a:r>
+          </a:p>
+          <a:p>
+            <a:r>
+              <a:rPr lang="en-US" altLang="zh-CN" dirty="0"/>
+              <a:t>FC1 has 64 neurons</a:t>
+            </a:r>
+          </a:p>
+          <a:p>
+            <a:r>
+              <a:rPr lang="en-US" altLang="zh-CN" dirty="0"/>
+              <a:t>FC0 has 10 neurons</a:t>
+            </a:r>
+          </a:p>
+          <a:p>
+            <a:endParaRPr lang="en-US" altLang="zh-CN" dirty="0"/>
+          </a:p>
+          <a:p>
+            <a:r>
+              <a:rPr lang="en-US" altLang="zh-CN" dirty="0"/>
+              <a:t>Forward pass: FAN_IN * </a:t>
+            </a:r>
+            <a:r>
+              <a:rPr lang="en-US" altLang="zh-CN" dirty="0" err="1"/>
+              <a:t>N_Neurons</a:t>
+            </a:r>
+            <a:r>
+              <a:rPr lang="en-US" altLang="zh-CN" dirty="0"/>
+              <a:t> MACs</a:t>
+            </a:r>
+          </a:p>
+          <a:p>
+            <a:r>
+              <a:rPr lang="en-US" altLang="zh-CN" dirty="0"/>
+              <a:t>NEURON_MODE: FAN_IN * </a:t>
+            </a:r>
+            <a:r>
+              <a:rPr lang="en-US" altLang="zh-CN" dirty="0" err="1"/>
+              <a:t>N_Neurons</a:t>
+            </a:r>
+            <a:r>
+              <a:rPr lang="en-US" altLang="zh-CN" dirty="0"/>
+              <a:t> MACs</a:t>
+            </a:r>
+          </a:p>
+          <a:p>
+            <a:r>
+              <a:rPr lang="en-US" altLang="zh-CN" dirty="0"/>
+              <a:t>WEIGHT_MODE: FAN_IN * </a:t>
+            </a:r>
+            <a:r>
+              <a:rPr lang="en-US" altLang="zh-CN" dirty="0" err="1"/>
+              <a:t>N_Neurons</a:t>
+            </a:r>
+            <a:r>
+              <a:rPr lang="en-US" altLang="zh-CN" dirty="0"/>
+              <a:t> MACs</a:t>
+            </a:r>
+          </a:p>
+          <a:p>
+            <a:r>
+              <a:rPr lang="en-US" altLang="zh-CN" dirty="0"/>
+              <a:t>Therefore, backward pass requires roughly double the amount of MACs as the forward pass (no NEURON_MODE for the first layer)</a:t>
+            </a:r>
+          </a:p>
+          <a:p>
+            <a:pPr lvl="1"/>
+            <a:endParaRPr lang="en-US" altLang="zh-CN" dirty="0"/>
+          </a:p>
+          <a:p>
+            <a:pPr marL="0" indent="0">
+              <a:buNone/>
+            </a:pPr>
+            <a:endParaRPr lang="en-US" altLang="zh-CN" dirty="0"/>
+          </a:p>
+          <a:p>
+            <a:pPr lvl="1"/>
+            <a:endParaRPr lang="en-US" altLang="zh-CN" dirty="0"/>
+          </a:p>
+          <a:p>
+            <a:endParaRPr lang="en-US" altLang="zh-CN" dirty="0"/>
+          </a:p>
+        </p:txBody>
+      </p:sp>
+    </p:spTree>
+    <p:extLst>
+      <p:ext uri="{BB962C8B-B14F-4D97-AF65-F5344CB8AC3E}">
+        <p14:creationId xmlns:p14="http://schemas.microsoft.com/office/powerpoint/2010/main" val="1217588026"/>
       </p:ext>
     </p:extLst>
   </p:cSld>

--- a/WeeklyPresentations/update10_05_26.pptx
+++ b/WeeklyPresentations/update10_05_26.pptx
@@ -3492,8 +3492,8 @@
           </a:p>
         </p:txBody>
       </p:sp>
-      <mc:AlternateContent xmlns:mc="http://schemas.openxmlformats.org/markup-compatibility/2006">
-        <mc:Choice xmlns:a14="http://schemas.microsoft.com/office/drawing/2010/main" Requires="a14">
+      <mc:AlternateContent xmlns:mc="http://schemas.openxmlformats.org/markup-compatibility/2006" xmlns:a14="http://schemas.microsoft.com/office/drawing/2010/main">
+        <mc:Choice Requires="a14">
           <p:sp>
             <p:nvSpPr>
               <p:cNvPr id="3" name="Content Placeholder 2">
@@ -3838,7 +3838,7 @@
             </p:txBody>
           </p:sp>
         </mc:Choice>
-        <mc:Fallback>
+        <mc:Fallback xmlns="">
           <p:sp>
             <p:nvSpPr>
               <p:cNvPr id="3" name="Content Placeholder 2">
@@ -6723,13 +6723,13 @@
         </p:nvSpPr>
         <p:spPr>
           <a:xfrm>
-            <a:off x="838200" y="1489166"/>
-            <a:ext cx="10515600" cy="5368834"/>
+            <a:off x="231913" y="1489166"/>
+            <a:ext cx="8504583" cy="5368834"/>
           </a:xfrm>
         </p:spPr>
         <p:txBody>
           <a:bodyPr>
-            <a:normAutofit fontScale="92500" lnSpcReduction="20000"/>
+            <a:normAutofit fontScale="85000" lnSpcReduction="20000"/>
           </a:bodyPr>
           <a:lstStyle/>
           <a:p>
@@ -6777,6 +6777,36 @@
           </a:p>
         </p:txBody>
       </p:sp>
+      <p:pic>
+        <p:nvPicPr>
+          <p:cNvPr id="4" name="Picture 3">
+            <a:extLst>
+              <a:ext uri="{FF2B5EF4-FFF2-40B4-BE49-F238E27FC236}">
+                <a16:creationId xmlns:a16="http://schemas.microsoft.com/office/drawing/2014/main" id="{086DEEC8-9D01-4082-A275-2460542B07F9}"/>
+              </a:ext>
+            </a:extLst>
+          </p:cNvPr>
+          <p:cNvPicPr>
+            <a:picLocks noChangeAspect="1"/>
+          </p:cNvPicPr>
+          <p:nvPr/>
+        </p:nvPicPr>
+        <p:blipFill>
+          <a:blip r:embed="rId2"/>
+          <a:stretch>
+            <a:fillRect/>
+          </a:stretch>
+        </p:blipFill>
+        <p:spPr>
+          <a:xfrm>
+            <a:off x="8633637" y="0"/>
+            <a:ext cx="3558363" cy="6858000"/>
+          </a:xfrm>
+          <a:prstGeom prst="rect">
+            <a:avLst/>
+          </a:prstGeom>
+        </p:spPr>
+      </p:pic>
     </p:spTree>
     <p:extLst>
       <p:ext uri="{BB962C8B-B14F-4D97-AF65-F5344CB8AC3E}">
@@ -10133,8 +10163,8 @@
           </a:p>
         </p:txBody>
       </p:sp>
-      <mc:AlternateContent xmlns:mc="http://schemas.openxmlformats.org/markup-compatibility/2006">
-        <mc:Choice xmlns:a14="http://schemas.microsoft.com/office/drawing/2010/main" Requires="a14">
+      <mc:AlternateContent xmlns:mc="http://schemas.openxmlformats.org/markup-compatibility/2006" xmlns:a14="http://schemas.microsoft.com/office/drawing/2010/main">
+        <mc:Choice Requires="a14">
           <p:sp>
             <p:nvSpPr>
               <p:cNvPr id="47" name="TextBox 46">
@@ -10163,6 +10193,7 @@
               </a:bodyPr>
               <a:lstStyle/>
               <a:p>
+                <a:pPr/>
                 <a14:m>
                   <m:oMathPara xmlns:m="http://schemas.openxmlformats.org/officeDocument/2006/math">
                     <m:oMathParaPr>
@@ -10457,7 +10488,7 @@
             </p:txBody>
           </p:sp>
         </mc:Choice>
-        <mc:Fallback>
+        <mc:Fallback xmlns="">
           <p:sp>
             <p:nvSpPr>
               <p:cNvPr id="47" name="TextBox 46">
@@ -11754,8 +11785,8 @@
           </a:p>
         </p:txBody>
       </p:sp>
-      <mc:AlternateContent xmlns:mc="http://schemas.openxmlformats.org/markup-compatibility/2006">
-        <mc:Choice xmlns:a14="http://schemas.microsoft.com/office/drawing/2010/main" Requires="a14">
+      <mc:AlternateContent xmlns:mc="http://schemas.openxmlformats.org/markup-compatibility/2006" xmlns:a14="http://schemas.microsoft.com/office/drawing/2010/main">
+        <mc:Choice Requires="a14">
           <p:sp>
             <p:nvSpPr>
               <p:cNvPr id="47" name="TextBox 46">
@@ -11784,6 +11815,7 @@
               </a:bodyPr>
               <a:lstStyle/>
               <a:p>
+                <a:pPr/>
                 <a14:m>
                   <m:oMathPara xmlns:m="http://schemas.openxmlformats.org/officeDocument/2006/math">
                     <m:oMathParaPr>
@@ -11910,7 +11942,7 @@
             </p:txBody>
           </p:sp>
         </mc:Choice>
-        <mc:Fallback>
+        <mc:Fallback xmlns="">
           <p:sp>
             <p:nvSpPr>
               <p:cNvPr id="47" name="TextBox 46">
@@ -12121,8 +12153,8 @@
           </a:p>
         </p:txBody>
       </p:sp>
-      <mc:AlternateContent xmlns:mc="http://schemas.openxmlformats.org/markup-compatibility/2006">
-        <mc:Choice xmlns:a14="http://schemas.microsoft.com/office/drawing/2010/main" Requires="a14">
+      <mc:AlternateContent xmlns:mc="http://schemas.openxmlformats.org/markup-compatibility/2006" xmlns:a14="http://schemas.microsoft.com/office/drawing/2010/main">
+        <mc:Choice Requires="a14">
           <p:sp>
             <p:nvSpPr>
               <p:cNvPr id="34" name="TextBox 33">
@@ -12151,6 +12183,7 @@
               </a:bodyPr>
               <a:lstStyle/>
               <a:p>
+                <a:pPr/>
                 <a14:m>
                   <m:oMathPara xmlns:m="http://schemas.openxmlformats.org/officeDocument/2006/math">
                     <m:oMathParaPr>
@@ -12277,7 +12310,7 @@
             </p:txBody>
           </p:sp>
         </mc:Choice>
-        <mc:Fallback>
+        <mc:Fallback xmlns="">
           <p:sp>
             <p:nvSpPr>
               <p:cNvPr id="34" name="TextBox 33">
